--- a/보고서.pptx
+++ b/보고서.pptx
@@ -4,13 +4,24 @@
   <p:sldMasterIdLst>
     <p:sldMasterId id="2147483648" r:id="rId1"/>
   </p:sldMasterIdLst>
+  <p:notesMasterIdLst>
+    <p:notesMasterId r:id="rId14"/>
+  </p:notesMasterIdLst>
   <p:sldIdLst>
     <p:sldId id="256" r:id="rId2"/>
     <p:sldId id="257" r:id="rId3"/>
     <p:sldId id="259" r:id="rId4"/>
     <p:sldId id="258" r:id="rId5"/>
+    <p:sldId id="260" r:id="rId6"/>
+    <p:sldId id="261" r:id="rId7"/>
+    <p:sldId id="262" r:id="rId8"/>
+    <p:sldId id="263" r:id="rId9"/>
+    <p:sldId id="264" r:id="rId10"/>
+    <p:sldId id="265" r:id="rId11"/>
+    <p:sldId id="266" r:id="rId12"/>
+    <p:sldId id="267" r:id="rId13"/>
   </p:sldIdLst>
-  <p:sldSz cx="12192000" cy="6858000"/>
+  <p:sldSz cx="9144000" cy="6858000" type="screen4x3"/>
   <p:notesSz cx="6858000" cy="9144000"/>
   <p:defaultTextStyle>
     <a:defPPr>
@@ -109,10 +120,449 @@
   </p:defaultTextStyle>
   <p:extLst>
     <p:ext uri="{EFAFB233-063F-42B5-8137-9DF3F51BA10A}">
-      <p15:sldGuideLst xmlns:p15="http://schemas.microsoft.com/office/powerpoint/2012/main"/>
+      <p15:sldGuideLst xmlns:p15="http://schemas.microsoft.com/office/powerpoint/2012/main" xmlns=""/>
     </p:ext>
   </p:extLst>
 </p:presentation>
+</file>
+
+<file path=ppt/notesMasters/notesMaster1.xml><?xml version="1.0" encoding="utf-8"?>
+<p:notesMaster xmlns:a="http://schemas.openxmlformats.org/drawingml/2006/main" xmlns:r="http://schemas.openxmlformats.org/officeDocument/2006/relationships" xmlns:p="http://schemas.openxmlformats.org/presentationml/2006/main">
+  <p:cSld>
+    <p:bg>
+      <p:bgRef idx="1001">
+        <a:schemeClr val="bg1"/>
+      </p:bgRef>
+    </p:bg>
+    <p:spTree>
+      <p:nvGrpSpPr>
+        <p:cNvPr id="1" name=""/>
+        <p:cNvGrpSpPr/>
+        <p:nvPr/>
+      </p:nvGrpSpPr>
+      <p:grpSpPr>
+        <a:xfrm>
+          <a:off x="0" y="0"/>
+          <a:ext cx="0" cy="0"/>
+          <a:chOff x="0" y="0"/>
+          <a:chExt cx="0" cy="0"/>
+        </a:xfrm>
+      </p:grpSpPr>
+      <p:sp>
+        <p:nvSpPr>
+          <p:cNvPr id="2" name="머리글 개체 틀 1"/>
+          <p:cNvSpPr>
+            <a:spLocks noGrp="1"/>
+          </p:cNvSpPr>
+          <p:nvPr>
+            <p:ph type="hdr" sz="quarter"/>
+          </p:nvPr>
+        </p:nvSpPr>
+        <p:spPr>
+          <a:xfrm>
+            <a:off x="0" y="0"/>
+            <a:ext cx="2971800" cy="457200"/>
+          </a:xfrm>
+          <a:prstGeom prst="rect">
+            <a:avLst/>
+          </a:prstGeom>
+        </p:spPr>
+        <p:txBody>
+          <a:bodyPr vert="horz" lIns="91440" tIns="45720" rIns="91440" bIns="45720" rtlCol="0"/>
+          <a:lstStyle>
+            <a:lvl1pPr algn="l">
+              <a:defRPr sz="1200"/>
+            </a:lvl1pPr>
+          </a:lstStyle>
+          <a:p>
+            <a:endParaRPr lang="ko-KR" altLang="en-US"/>
+          </a:p>
+        </p:txBody>
+      </p:sp>
+      <p:sp>
+        <p:nvSpPr>
+          <p:cNvPr id="3" name="날짜 개체 틀 2"/>
+          <p:cNvSpPr>
+            <a:spLocks noGrp="1"/>
+          </p:cNvSpPr>
+          <p:nvPr>
+            <p:ph type="dt" idx="1"/>
+          </p:nvPr>
+        </p:nvSpPr>
+        <p:spPr>
+          <a:xfrm>
+            <a:off x="3884613" y="0"/>
+            <a:ext cx="2971800" cy="457200"/>
+          </a:xfrm>
+          <a:prstGeom prst="rect">
+            <a:avLst/>
+          </a:prstGeom>
+        </p:spPr>
+        <p:txBody>
+          <a:bodyPr vert="horz" lIns="91440" tIns="45720" rIns="91440" bIns="45720" rtlCol="0"/>
+          <a:lstStyle>
+            <a:lvl1pPr algn="r">
+              <a:defRPr sz="1200"/>
+            </a:lvl1pPr>
+          </a:lstStyle>
+          <a:p>
+            <a:fld id="{1068BDFE-842D-4424-9753-F0F1579F22F2}" type="datetimeFigureOut">
+              <a:rPr lang="ko-KR" altLang="en-US" smtClean="0"/>
+              <a:t>2019-11-04</a:t>
+            </a:fld>
+            <a:endParaRPr lang="ko-KR" altLang="en-US"/>
+          </a:p>
+        </p:txBody>
+      </p:sp>
+      <p:sp>
+        <p:nvSpPr>
+          <p:cNvPr id="4" name="슬라이드 이미지 개체 틀 3"/>
+          <p:cNvSpPr>
+            <a:spLocks noGrp="1" noRot="1" noChangeAspect="1"/>
+          </p:cNvSpPr>
+          <p:nvPr>
+            <p:ph type="sldImg" idx="2"/>
+          </p:nvPr>
+        </p:nvSpPr>
+        <p:spPr>
+          <a:xfrm>
+            <a:off x="1143000" y="685800"/>
+            <a:ext cx="4572000" cy="3429000"/>
+          </a:xfrm>
+          <a:prstGeom prst="rect">
+            <a:avLst/>
+          </a:prstGeom>
+          <a:noFill/>
+          <a:ln w="12700">
+            <a:solidFill>
+              <a:prstClr val="black"/>
+            </a:solidFill>
+          </a:ln>
+        </p:spPr>
+        <p:txBody>
+          <a:bodyPr vert="horz" lIns="91440" tIns="45720" rIns="91440" bIns="45720" rtlCol="0" anchor="ctr"/>
+          <a:lstStyle/>
+          <a:p>
+            <a:endParaRPr lang="ko-KR" altLang="en-US"/>
+          </a:p>
+        </p:txBody>
+      </p:sp>
+      <p:sp>
+        <p:nvSpPr>
+          <p:cNvPr id="5" name="슬라이드 노트 개체 틀 4"/>
+          <p:cNvSpPr>
+            <a:spLocks noGrp="1"/>
+          </p:cNvSpPr>
+          <p:nvPr>
+            <p:ph type="body" sz="quarter" idx="3"/>
+          </p:nvPr>
+        </p:nvSpPr>
+        <p:spPr>
+          <a:xfrm>
+            <a:off x="685800" y="4343400"/>
+            <a:ext cx="5486400" cy="4114800"/>
+          </a:xfrm>
+          <a:prstGeom prst="rect">
+            <a:avLst/>
+          </a:prstGeom>
+        </p:spPr>
+        <p:txBody>
+          <a:bodyPr vert="horz" lIns="91440" tIns="45720" rIns="91440" bIns="45720" rtlCol="0"/>
+          <a:lstStyle/>
+          <a:p>
+            <a:pPr lvl="0"/>
+            <a:r>
+              <a:rPr lang="ko-KR" altLang="en-US" smtClean="0"/>
+              <a:t>마스터 텍스트 스타일을 편집합니다</a:t>
+            </a:r>
+          </a:p>
+          <a:p>
+            <a:pPr lvl="1"/>
+            <a:r>
+              <a:rPr lang="ko-KR" altLang="en-US" smtClean="0"/>
+              <a:t>둘째 수준</a:t>
+            </a:r>
+          </a:p>
+          <a:p>
+            <a:pPr lvl="2"/>
+            <a:r>
+              <a:rPr lang="ko-KR" altLang="en-US" smtClean="0"/>
+              <a:t>셋째 수준</a:t>
+            </a:r>
+          </a:p>
+          <a:p>
+            <a:pPr lvl="3"/>
+            <a:r>
+              <a:rPr lang="ko-KR" altLang="en-US" smtClean="0"/>
+              <a:t>넷째 수준</a:t>
+            </a:r>
+          </a:p>
+          <a:p>
+            <a:pPr lvl="4"/>
+            <a:r>
+              <a:rPr lang="ko-KR" altLang="en-US" smtClean="0"/>
+              <a:t>다섯째 수준</a:t>
+            </a:r>
+            <a:endParaRPr lang="ko-KR" altLang="en-US"/>
+          </a:p>
+        </p:txBody>
+      </p:sp>
+      <p:sp>
+        <p:nvSpPr>
+          <p:cNvPr id="6" name="바닥글 개체 틀 5"/>
+          <p:cNvSpPr>
+            <a:spLocks noGrp="1"/>
+          </p:cNvSpPr>
+          <p:nvPr>
+            <p:ph type="ftr" sz="quarter" idx="4"/>
+          </p:nvPr>
+        </p:nvSpPr>
+        <p:spPr>
+          <a:xfrm>
+            <a:off x="0" y="8685213"/>
+            <a:ext cx="2971800" cy="457200"/>
+          </a:xfrm>
+          <a:prstGeom prst="rect">
+            <a:avLst/>
+          </a:prstGeom>
+        </p:spPr>
+        <p:txBody>
+          <a:bodyPr vert="horz" lIns="91440" tIns="45720" rIns="91440" bIns="45720" rtlCol="0" anchor="b"/>
+          <a:lstStyle>
+            <a:lvl1pPr algn="l">
+              <a:defRPr sz="1200"/>
+            </a:lvl1pPr>
+          </a:lstStyle>
+          <a:p>
+            <a:endParaRPr lang="ko-KR" altLang="en-US"/>
+          </a:p>
+        </p:txBody>
+      </p:sp>
+      <p:sp>
+        <p:nvSpPr>
+          <p:cNvPr id="7" name="슬라이드 번호 개체 틀 6"/>
+          <p:cNvSpPr>
+            <a:spLocks noGrp="1"/>
+          </p:cNvSpPr>
+          <p:nvPr>
+            <p:ph type="sldNum" sz="quarter" idx="5"/>
+          </p:nvPr>
+        </p:nvSpPr>
+        <p:spPr>
+          <a:xfrm>
+            <a:off x="3884613" y="8685213"/>
+            <a:ext cx="2971800" cy="457200"/>
+          </a:xfrm>
+          <a:prstGeom prst="rect">
+            <a:avLst/>
+          </a:prstGeom>
+        </p:spPr>
+        <p:txBody>
+          <a:bodyPr vert="horz" lIns="91440" tIns="45720" rIns="91440" bIns="45720" rtlCol="0" anchor="b"/>
+          <a:lstStyle>
+            <a:lvl1pPr algn="r">
+              <a:defRPr sz="1200"/>
+            </a:lvl1pPr>
+          </a:lstStyle>
+          <a:p>
+            <a:fld id="{0D86C537-12DC-4E7C-98DB-4438BEEFCAE6}" type="slidenum">
+              <a:rPr lang="ko-KR" altLang="en-US" smtClean="0"/>
+              <a:t>‹#›</a:t>
+            </a:fld>
+            <a:endParaRPr lang="ko-KR" altLang="en-US"/>
+          </a:p>
+        </p:txBody>
+      </p:sp>
+    </p:spTree>
+    <p:extLst>
+      <p:ext uri="{BB962C8B-B14F-4D97-AF65-F5344CB8AC3E}">
+        <p14:creationId xmlns:p14="http://schemas.microsoft.com/office/powerpoint/2010/main" val="74014016"/>
+      </p:ext>
+    </p:extLst>
+  </p:cSld>
+  <p:clrMap bg1="lt1" tx1="dk1" bg2="lt2" tx2="dk2" accent1="accent1" accent2="accent2" accent3="accent3" accent4="accent4" accent5="accent5" accent6="accent6" hlink="hlink" folHlink="folHlink"/>
+  <p:notesStyle>
+    <a:lvl1pPr marL="0" algn="l" defTabSz="914400" rtl="0" eaLnBrk="1" latinLnBrk="1" hangingPunct="1">
+      <a:defRPr sz="1200" kern="1200">
+        <a:solidFill>
+          <a:schemeClr val="tx1"/>
+        </a:solidFill>
+        <a:latin typeface="+mn-lt"/>
+        <a:ea typeface="+mn-ea"/>
+        <a:cs typeface="+mn-cs"/>
+      </a:defRPr>
+    </a:lvl1pPr>
+    <a:lvl2pPr marL="457200" algn="l" defTabSz="914400" rtl="0" eaLnBrk="1" latinLnBrk="1" hangingPunct="1">
+      <a:defRPr sz="1200" kern="1200">
+        <a:solidFill>
+          <a:schemeClr val="tx1"/>
+        </a:solidFill>
+        <a:latin typeface="+mn-lt"/>
+        <a:ea typeface="+mn-ea"/>
+        <a:cs typeface="+mn-cs"/>
+      </a:defRPr>
+    </a:lvl2pPr>
+    <a:lvl3pPr marL="914400" algn="l" defTabSz="914400" rtl="0" eaLnBrk="1" latinLnBrk="1" hangingPunct="1">
+      <a:defRPr sz="1200" kern="1200">
+        <a:solidFill>
+          <a:schemeClr val="tx1"/>
+        </a:solidFill>
+        <a:latin typeface="+mn-lt"/>
+        <a:ea typeface="+mn-ea"/>
+        <a:cs typeface="+mn-cs"/>
+      </a:defRPr>
+    </a:lvl3pPr>
+    <a:lvl4pPr marL="1371600" algn="l" defTabSz="914400" rtl="0" eaLnBrk="1" latinLnBrk="1" hangingPunct="1">
+      <a:defRPr sz="1200" kern="1200">
+        <a:solidFill>
+          <a:schemeClr val="tx1"/>
+        </a:solidFill>
+        <a:latin typeface="+mn-lt"/>
+        <a:ea typeface="+mn-ea"/>
+        <a:cs typeface="+mn-cs"/>
+      </a:defRPr>
+    </a:lvl4pPr>
+    <a:lvl5pPr marL="1828800" algn="l" defTabSz="914400" rtl="0" eaLnBrk="1" latinLnBrk="1" hangingPunct="1">
+      <a:defRPr sz="1200" kern="1200">
+        <a:solidFill>
+          <a:schemeClr val="tx1"/>
+        </a:solidFill>
+        <a:latin typeface="+mn-lt"/>
+        <a:ea typeface="+mn-ea"/>
+        <a:cs typeface="+mn-cs"/>
+      </a:defRPr>
+    </a:lvl5pPr>
+    <a:lvl6pPr marL="2286000" algn="l" defTabSz="914400" rtl="0" eaLnBrk="1" latinLnBrk="1" hangingPunct="1">
+      <a:defRPr sz="1200" kern="1200">
+        <a:solidFill>
+          <a:schemeClr val="tx1"/>
+        </a:solidFill>
+        <a:latin typeface="+mn-lt"/>
+        <a:ea typeface="+mn-ea"/>
+        <a:cs typeface="+mn-cs"/>
+      </a:defRPr>
+    </a:lvl6pPr>
+    <a:lvl7pPr marL="2743200" algn="l" defTabSz="914400" rtl="0" eaLnBrk="1" latinLnBrk="1" hangingPunct="1">
+      <a:defRPr sz="1200" kern="1200">
+        <a:solidFill>
+          <a:schemeClr val="tx1"/>
+        </a:solidFill>
+        <a:latin typeface="+mn-lt"/>
+        <a:ea typeface="+mn-ea"/>
+        <a:cs typeface="+mn-cs"/>
+      </a:defRPr>
+    </a:lvl7pPr>
+    <a:lvl8pPr marL="3200400" algn="l" defTabSz="914400" rtl="0" eaLnBrk="1" latinLnBrk="1" hangingPunct="1">
+      <a:defRPr sz="1200" kern="1200">
+        <a:solidFill>
+          <a:schemeClr val="tx1"/>
+        </a:solidFill>
+        <a:latin typeface="+mn-lt"/>
+        <a:ea typeface="+mn-ea"/>
+        <a:cs typeface="+mn-cs"/>
+      </a:defRPr>
+    </a:lvl8pPr>
+    <a:lvl9pPr marL="3657600" algn="l" defTabSz="914400" rtl="0" eaLnBrk="1" latinLnBrk="1" hangingPunct="1">
+      <a:defRPr sz="1200" kern="1200">
+        <a:solidFill>
+          <a:schemeClr val="tx1"/>
+        </a:solidFill>
+        <a:latin typeface="+mn-lt"/>
+        <a:ea typeface="+mn-ea"/>
+        <a:cs typeface="+mn-cs"/>
+      </a:defRPr>
+    </a:lvl9pPr>
+  </p:notesStyle>
+</p:notesMaster>
+</file>
+
+<file path=ppt/notesSlides/notesSlide1.xml><?xml version="1.0" encoding="utf-8"?>
+<p:notes xmlns:a="http://schemas.openxmlformats.org/drawingml/2006/main" xmlns:r="http://schemas.openxmlformats.org/officeDocument/2006/relationships" xmlns:p="http://schemas.openxmlformats.org/presentationml/2006/main">
+  <p:cSld>
+    <p:spTree>
+      <p:nvGrpSpPr>
+        <p:cNvPr id="1" name=""/>
+        <p:cNvGrpSpPr/>
+        <p:nvPr/>
+      </p:nvGrpSpPr>
+      <p:grpSpPr>
+        <a:xfrm>
+          <a:off x="0" y="0"/>
+          <a:ext cx="0" cy="0"/>
+          <a:chOff x="0" y="0"/>
+          <a:chExt cx="0" cy="0"/>
+        </a:xfrm>
+      </p:grpSpPr>
+      <p:sp>
+        <p:nvSpPr>
+          <p:cNvPr id="2" name="슬라이드 이미지 개체 틀 1"/>
+          <p:cNvSpPr>
+            <a:spLocks noGrp="1" noRot="1" noChangeAspect="1"/>
+          </p:cNvSpPr>
+          <p:nvPr>
+            <p:ph type="sldImg"/>
+          </p:nvPr>
+        </p:nvSpPr>
+        <p:spPr>
+          <a:xfrm>
+            <a:off x="1143000" y="685800"/>
+            <a:ext cx="4572000" cy="3429000"/>
+          </a:xfrm>
+        </p:spPr>
+      </p:sp>
+      <p:sp>
+        <p:nvSpPr>
+          <p:cNvPr id="3" name="슬라이드 노트 개체 틀 2"/>
+          <p:cNvSpPr>
+            <a:spLocks noGrp="1"/>
+          </p:cNvSpPr>
+          <p:nvPr>
+            <p:ph type="body" idx="1"/>
+          </p:nvPr>
+        </p:nvSpPr>
+        <p:spPr/>
+        <p:txBody>
+          <a:bodyPr/>
+          <a:lstStyle/>
+          <a:p>
+            <a:endParaRPr lang="ko-KR" altLang="en-US" dirty="0"/>
+          </a:p>
+        </p:txBody>
+      </p:sp>
+      <p:sp>
+        <p:nvSpPr>
+          <p:cNvPr id="4" name="슬라이드 번호 개체 틀 3"/>
+          <p:cNvSpPr>
+            <a:spLocks noGrp="1"/>
+          </p:cNvSpPr>
+          <p:nvPr>
+            <p:ph type="sldNum" sz="quarter" idx="10"/>
+          </p:nvPr>
+        </p:nvSpPr>
+        <p:spPr/>
+        <p:txBody>
+          <a:bodyPr/>
+          <a:lstStyle/>
+          <a:p>
+            <a:fld id="{0D86C537-12DC-4E7C-98DB-4438BEEFCAE6}" type="slidenum">
+              <a:rPr lang="ko-KR" altLang="en-US" smtClean="0"/>
+              <a:t>1</a:t>
+            </a:fld>
+            <a:endParaRPr lang="ko-KR" altLang="en-US" dirty="0"/>
+          </a:p>
+        </p:txBody>
+      </p:sp>
+    </p:spTree>
+    <p:extLst>
+      <p:ext uri="{BB962C8B-B14F-4D97-AF65-F5344CB8AC3E}">
+        <p14:creationId xmlns:p14="http://schemas.microsoft.com/office/powerpoint/2010/main" val="3610401401"/>
+      </p:ext>
+    </p:extLst>
+  </p:cSld>
+  <p:clrMapOvr>
+    <a:masterClrMapping/>
+  </p:clrMapOvr>
+</p:notes>
 </file>
 
 <file path=ppt/slideLayouts/slideLayout1.xml><?xml version="1.0" encoding="utf-8"?>
@@ -144,8 +594,8 @@
         </p:nvSpPr>
         <p:spPr>
           <a:xfrm>
-            <a:off x="1524000" y="1122363"/>
-            <a:ext cx="9144000" cy="2387600"/>
+            <a:off x="1143000" y="1122363"/>
+            <a:ext cx="6858000" cy="2387600"/>
           </a:xfrm>
         </p:spPr>
         <p:txBody>
@@ -176,8 +626,8 @@
         </p:nvSpPr>
         <p:spPr>
           <a:xfrm>
-            <a:off x="1524000" y="3602038"/>
-            <a:ext cx="9144000" cy="1655762"/>
+            <a:off x="1143000" y="3602038"/>
+            <a:ext cx="6858000" cy="1655762"/>
           </a:xfrm>
         </p:spPr>
         <p:txBody>
@@ -246,7 +696,7 @@
           <a:p>
             <a:fld id="{BB08E71B-FBB3-4A4C-95B1-3D078B151CFE}" type="datetimeFigureOut">
               <a:rPr lang="ko-KR" altLang="en-US" smtClean="0"/>
-              <a:t>2019-11-03</a:t>
+              <a:t>2019-11-04</a:t>
             </a:fld>
             <a:endParaRPr lang="ko-KR" altLang="en-US"/>
           </a:p>
@@ -416,7 +866,7 @@
           <a:p>
             <a:fld id="{BB08E71B-FBB3-4A4C-95B1-3D078B151CFE}" type="datetimeFigureOut">
               <a:rPr lang="ko-KR" altLang="en-US" smtClean="0"/>
-              <a:t>2019-11-03</a:t>
+              <a:t>2019-11-04</a:t>
             </a:fld>
             <a:endParaRPr lang="ko-KR" altLang="en-US"/>
           </a:p>
@@ -506,8 +956,8 @@
         </p:nvSpPr>
         <p:spPr>
           <a:xfrm>
-            <a:off x="8724900" y="365125"/>
-            <a:ext cx="2628900" cy="5811838"/>
+            <a:off x="6543675" y="365125"/>
+            <a:ext cx="1971675" cy="5811838"/>
           </a:xfrm>
         </p:spPr>
         <p:txBody>
@@ -534,8 +984,8 @@
         </p:nvSpPr>
         <p:spPr>
           <a:xfrm>
-            <a:off x="838200" y="365125"/>
-            <a:ext cx="7734300" cy="5811838"/>
+            <a:off x="628650" y="365125"/>
+            <a:ext cx="5800725" cy="5811838"/>
           </a:xfrm>
         </p:spPr>
         <p:txBody>
@@ -596,7 +1046,7 @@
           <a:p>
             <a:fld id="{BB08E71B-FBB3-4A4C-95B1-3D078B151CFE}" type="datetimeFigureOut">
               <a:rPr lang="ko-KR" altLang="en-US" smtClean="0"/>
-              <a:t>2019-11-03</a:t>
+              <a:t>2019-11-04</a:t>
             </a:fld>
             <a:endParaRPr lang="ko-KR" altLang="en-US"/>
           </a:p>
@@ -766,7 +1216,7 @@
           <a:p>
             <a:fld id="{BB08E71B-FBB3-4A4C-95B1-3D078B151CFE}" type="datetimeFigureOut">
               <a:rPr lang="ko-KR" altLang="en-US" smtClean="0"/>
-              <a:t>2019-11-03</a:t>
+              <a:t>2019-11-04</a:t>
             </a:fld>
             <a:endParaRPr lang="ko-KR" altLang="en-US"/>
           </a:p>
@@ -856,8 +1306,8 @@
         </p:nvSpPr>
         <p:spPr>
           <a:xfrm>
-            <a:off x="831850" y="1709738"/>
-            <a:ext cx="10515600" cy="2852737"/>
+            <a:off x="623888" y="1709739"/>
+            <a:ext cx="7886700" cy="2852737"/>
           </a:xfrm>
         </p:spPr>
         <p:txBody>
@@ -888,8 +1338,8 @@
         </p:nvSpPr>
         <p:spPr>
           <a:xfrm>
-            <a:off x="831850" y="4589463"/>
-            <a:ext cx="10515600" cy="1500187"/>
+            <a:off x="623888" y="4589464"/>
+            <a:ext cx="7886700" cy="1500187"/>
           </a:xfrm>
         </p:spPr>
         <p:txBody>
@@ -1012,7 +1462,7 @@
           <a:p>
             <a:fld id="{BB08E71B-FBB3-4A4C-95B1-3D078B151CFE}" type="datetimeFigureOut">
               <a:rPr lang="ko-KR" altLang="en-US" smtClean="0"/>
-              <a:t>2019-11-03</a:t>
+              <a:t>2019-11-04</a:t>
             </a:fld>
             <a:endParaRPr lang="ko-KR" altLang="en-US"/>
           </a:p>
@@ -1125,8 +1575,8 @@
         </p:nvSpPr>
         <p:spPr>
           <a:xfrm>
-            <a:off x="838200" y="1825625"/>
-            <a:ext cx="5181600" cy="4351338"/>
+            <a:off x="628650" y="1825625"/>
+            <a:ext cx="3886200" cy="4351338"/>
           </a:xfrm>
         </p:spPr>
         <p:txBody>
@@ -1182,8 +1632,8 @@
         </p:nvSpPr>
         <p:spPr>
           <a:xfrm>
-            <a:off x="6172200" y="1825625"/>
-            <a:ext cx="5181600" cy="4351338"/>
+            <a:off x="4629150" y="1825625"/>
+            <a:ext cx="3886200" cy="4351338"/>
           </a:xfrm>
         </p:spPr>
         <p:txBody>
@@ -1244,7 +1694,7 @@
           <a:p>
             <a:fld id="{BB08E71B-FBB3-4A4C-95B1-3D078B151CFE}" type="datetimeFigureOut">
               <a:rPr lang="ko-KR" altLang="en-US" smtClean="0"/>
-              <a:t>2019-11-03</a:t>
+              <a:t>2019-11-04</a:t>
             </a:fld>
             <a:endParaRPr lang="ko-KR" altLang="en-US"/>
           </a:p>
@@ -1334,8 +1784,8 @@
         </p:nvSpPr>
         <p:spPr>
           <a:xfrm>
-            <a:off x="839788" y="365125"/>
-            <a:ext cx="10515600" cy="1325563"/>
+            <a:off x="629841" y="365126"/>
+            <a:ext cx="7886700" cy="1325563"/>
           </a:xfrm>
         </p:spPr>
         <p:txBody>
@@ -1362,8 +1812,8 @@
         </p:nvSpPr>
         <p:spPr>
           <a:xfrm>
-            <a:off x="839788" y="1681163"/>
-            <a:ext cx="5157787" cy="823912"/>
+            <a:off x="629842" y="1681163"/>
+            <a:ext cx="3868340" cy="823912"/>
           </a:xfrm>
         </p:spPr>
         <p:txBody>
@@ -1427,8 +1877,8 @@
         </p:nvSpPr>
         <p:spPr>
           <a:xfrm>
-            <a:off x="839788" y="2505075"/>
-            <a:ext cx="5157787" cy="3684588"/>
+            <a:off x="629842" y="2505075"/>
+            <a:ext cx="3868340" cy="3684588"/>
           </a:xfrm>
         </p:spPr>
         <p:txBody>
@@ -1484,8 +1934,8 @@
         </p:nvSpPr>
         <p:spPr>
           <a:xfrm>
-            <a:off x="6172200" y="1681163"/>
-            <a:ext cx="5183188" cy="823912"/>
+            <a:off x="4629150" y="1681163"/>
+            <a:ext cx="3887391" cy="823912"/>
           </a:xfrm>
         </p:spPr>
         <p:txBody>
@@ -1549,8 +1999,8 @@
         </p:nvSpPr>
         <p:spPr>
           <a:xfrm>
-            <a:off x="6172200" y="2505075"/>
-            <a:ext cx="5183188" cy="3684588"/>
+            <a:off x="4629150" y="2505075"/>
+            <a:ext cx="3887391" cy="3684588"/>
           </a:xfrm>
         </p:spPr>
         <p:txBody>
@@ -1611,7 +2061,7 @@
           <a:p>
             <a:fld id="{BB08E71B-FBB3-4A4C-95B1-3D078B151CFE}" type="datetimeFigureOut">
               <a:rPr lang="ko-KR" altLang="en-US" smtClean="0"/>
-              <a:t>2019-11-03</a:t>
+              <a:t>2019-11-04</a:t>
             </a:fld>
             <a:endParaRPr lang="ko-KR" altLang="en-US"/>
           </a:p>
@@ -1729,7 +2179,7 @@
           <a:p>
             <a:fld id="{BB08E71B-FBB3-4A4C-95B1-3D078B151CFE}" type="datetimeFigureOut">
               <a:rPr lang="ko-KR" altLang="en-US" smtClean="0"/>
-              <a:t>2019-11-03</a:t>
+              <a:t>2019-11-04</a:t>
             </a:fld>
             <a:endParaRPr lang="ko-KR" altLang="en-US"/>
           </a:p>
@@ -1824,7 +2274,7 @@
           <a:p>
             <a:fld id="{BB08E71B-FBB3-4A4C-95B1-3D078B151CFE}" type="datetimeFigureOut">
               <a:rPr lang="ko-KR" altLang="en-US" smtClean="0"/>
-              <a:t>2019-11-03</a:t>
+              <a:t>2019-11-04</a:t>
             </a:fld>
             <a:endParaRPr lang="ko-KR" altLang="en-US"/>
           </a:p>
@@ -1914,8 +2364,8 @@
         </p:nvSpPr>
         <p:spPr>
           <a:xfrm>
-            <a:off x="839788" y="457200"/>
-            <a:ext cx="3932237" cy="1600200"/>
+            <a:off x="629841" y="457200"/>
+            <a:ext cx="2949178" cy="1600200"/>
           </a:xfrm>
         </p:spPr>
         <p:txBody>
@@ -1946,8 +2396,8 @@
         </p:nvSpPr>
         <p:spPr>
           <a:xfrm>
-            <a:off x="5183188" y="987425"/>
-            <a:ext cx="6172200" cy="4873625"/>
+            <a:off x="3887391" y="987426"/>
+            <a:ext cx="4629150" cy="4873625"/>
           </a:xfrm>
         </p:spPr>
         <p:txBody>
@@ -2031,8 +2481,8 @@
         </p:nvSpPr>
         <p:spPr>
           <a:xfrm>
-            <a:off x="839788" y="2057400"/>
-            <a:ext cx="3932237" cy="3811588"/>
+            <a:off x="629841" y="2057400"/>
+            <a:ext cx="2949178" cy="3811588"/>
           </a:xfrm>
         </p:spPr>
         <p:txBody>
@@ -2101,7 +2551,7 @@
           <a:p>
             <a:fld id="{BB08E71B-FBB3-4A4C-95B1-3D078B151CFE}" type="datetimeFigureOut">
               <a:rPr lang="ko-KR" altLang="en-US" smtClean="0"/>
-              <a:t>2019-11-03</a:t>
+              <a:t>2019-11-04</a:t>
             </a:fld>
             <a:endParaRPr lang="ko-KR" altLang="en-US"/>
           </a:p>
@@ -2191,8 +2641,8 @@
         </p:nvSpPr>
         <p:spPr>
           <a:xfrm>
-            <a:off x="839788" y="457200"/>
-            <a:ext cx="3932237" cy="1600200"/>
+            <a:off x="629841" y="457200"/>
+            <a:ext cx="2949178" cy="1600200"/>
           </a:xfrm>
         </p:spPr>
         <p:txBody>
@@ -2223,8 +2673,8 @@
         </p:nvSpPr>
         <p:spPr>
           <a:xfrm>
-            <a:off x="5183188" y="987425"/>
-            <a:ext cx="6172200" cy="4873625"/>
+            <a:off x="3887391" y="987426"/>
+            <a:ext cx="4629150" cy="4873625"/>
           </a:xfrm>
         </p:spPr>
         <p:txBody>
@@ -2284,8 +2734,8 @@
         </p:nvSpPr>
         <p:spPr>
           <a:xfrm>
-            <a:off x="839788" y="2057400"/>
-            <a:ext cx="3932237" cy="3811588"/>
+            <a:off x="629841" y="2057400"/>
+            <a:ext cx="2949178" cy="3811588"/>
           </a:xfrm>
         </p:spPr>
         <p:txBody>
@@ -2354,7 +2804,7 @@
           <a:p>
             <a:fld id="{BB08E71B-FBB3-4A4C-95B1-3D078B151CFE}" type="datetimeFigureOut">
               <a:rPr lang="ko-KR" altLang="en-US" smtClean="0"/>
-              <a:t>2019-11-03</a:t>
+              <a:t>2019-11-04</a:t>
             </a:fld>
             <a:endParaRPr lang="ko-KR" altLang="en-US"/>
           </a:p>
@@ -2449,8 +2899,8 @@
         </p:nvSpPr>
         <p:spPr>
           <a:xfrm>
-            <a:off x="838200" y="365125"/>
-            <a:ext cx="10515600" cy="1325563"/>
+            <a:off x="628650" y="365126"/>
+            <a:ext cx="7886700" cy="1325563"/>
           </a:xfrm>
           <a:prstGeom prst="rect">
             <a:avLst/>
@@ -2482,8 +2932,8 @@
         </p:nvSpPr>
         <p:spPr>
           <a:xfrm>
-            <a:off x="838200" y="1825625"/>
-            <a:ext cx="10515600" cy="4351338"/>
+            <a:off x="628650" y="1825625"/>
+            <a:ext cx="7886700" cy="4351338"/>
           </a:xfrm>
           <a:prstGeom prst="rect">
             <a:avLst/>
@@ -2544,8 +2994,8 @@
         </p:nvSpPr>
         <p:spPr>
           <a:xfrm>
-            <a:off x="838200" y="6356350"/>
-            <a:ext cx="2743200" cy="365125"/>
+            <a:off x="628650" y="6356351"/>
+            <a:ext cx="2057400" cy="365125"/>
           </a:xfrm>
           <a:prstGeom prst="rect">
             <a:avLst/>
@@ -2567,7 +3017,7 @@
           <a:p>
             <a:fld id="{BB08E71B-FBB3-4A4C-95B1-3D078B151CFE}" type="datetimeFigureOut">
               <a:rPr lang="ko-KR" altLang="en-US" smtClean="0"/>
-              <a:t>2019-11-03</a:t>
+              <a:t>2019-11-04</a:t>
             </a:fld>
             <a:endParaRPr lang="ko-KR" altLang="en-US"/>
           </a:p>
@@ -2585,8 +3035,8 @@
         </p:nvSpPr>
         <p:spPr>
           <a:xfrm>
-            <a:off x="4038600" y="6356350"/>
-            <a:ext cx="4114800" cy="365125"/>
+            <a:off x="3028950" y="6356351"/>
+            <a:ext cx="3086100" cy="365125"/>
           </a:xfrm>
           <a:prstGeom prst="rect">
             <a:avLst/>
@@ -2622,8 +3072,8 @@
         </p:nvSpPr>
         <p:spPr>
           <a:xfrm>
-            <a:off x="8610600" y="6356350"/>
-            <a:ext cx="2743200" cy="365125"/>
+            <a:off x="6457950" y="6356351"/>
+            <a:ext cx="2057400" cy="365125"/>
           </a:xfrm>
           <a:prstGeom prst="rect">
             <a:avLst/>
@@ -2981,7 +3431,7 @@
           <p:nvPr/>
         </p:nvPicPr>
         <p:blipFill>
-          <a:blip r:embed="rId2">
+          <a:blip r:embed="rId3">
             <a:extLst>
               <a:ext uri="{28A0092B-C50C-407E-A947-70E740481C1C}">
                 <a14:useLocalDpi xmlns:a14="http://schemas.microsoft.com/office/drawing/2010/main" val="0"/>
@@ -2995,8 +3445,8 @@
         </p:blipFill>
         <p:spPr bwMode="auto">
           <a:xfrm>
-            <a:off x="433137" y="751973"/>
-            <a:ext cx="5943600" cy="1990725"/>
+            <a:off x="324853" y="751973"/>
+            <a:ext cx="4457700" cy="1990725"/>
           </a:xfrm>
           <a:prstGeom prst="rect">
             <a:avLst/>
@@ -3021,23 +3471,21 @@
           </p:cNvPicPr>
           <p:nvPr/>
         </p:nvPicPr>
-        <p:blipFill>
-          <a:blip r:embed="rId3">
+        <p:blipFill rotWithShape="1">
+          <a:blip r:embed="rId4">
             <a:extLst>
               <a:ext uri="{28A0092B-C50C-407E-A947-70E740481C1C}">
                 <a14:useLocalDpi xmlns:a14="http://schemas.microsoft.com/office/drawing/2010/main" val="0"/>
               </a:ext>
             </a:extLst>
           </a:blip>
-          <a:srcRect/>
-          <a:stretch>
-            <a:fillRect/>
-          </a:stretch>
+          <a:srcRect l="1357" t="1674" r="1207" b="4204"/>
+          <a:stretch/>
         </p:blipFill>
         <p:spPr bwMode="auto">
           <a:xfrm>
-            <a:off x="433137" y="2903621"/>
-            <a:ext cx="5943600" cy="3505200"/>
+            <a:off x="385355" y="2962275"/>
+            <a:ext cx="4343400" cy="3299188"/>
           </a:xfrm>
           <a:prstGeom prst="rect">
             <a:avLst/>
@@ -3063,7 +3511,7 @@
           <p:nvPr/>
         </p:nvPicPr>
         <p:blipFill>
-          <a:blip r:embed="rId4">
+          <a:blip r:embed="rId5">
             <a:extLst>
               <a:ext uri="{28A0092B-C50C-407E-A947-70E740481C1C}">
                 <a14:useLocalDpi xmlns:a14="http://schemas.microsoft.com/office/drawing/2010/main" val="0"/>
@@ -3077,8 +3525,8 @@
         </p:blipFill>
         <p:spPr bwMode="auto">
           <a:xfrm>
-            <a:off x="6530976" y="275723"/>
-            <a:ext cx="5943600" cy="2466975"/>
+            <a:off x="4898232" y="275724"/>
+            <a:ext cx="4457700" cy="2466975"/>
           </a:xfrm>
           <a:prstGeom prst="rect">
             <a:avLst/>
@@ -3103,23 +3551,21 @@
           </p:cNvPicPr>
           <p:nvPr/>
         </p:nvPicPr>
-        <p:blipFill>
-          <a:blip r:embed="rId5">
+        <p:blipFill rotWithShape="1">
+          <a:blip r:embed="rId6">
             <a:extLst>
               <a:ext uri="{28A0092B-C50C-407E-A947-70E740481C1C}">
                 <a14:useLocalDpi xmlns:a14="http://schemas.microsoft.com/office/drawing/2010/main" val="0"/>
               </a:ext>
             </a:extLst>
           </a:blip>
-          <a:srcRect/>
-          <a:stretch>
-            <a:fillRect/>
-          </a:stretch>
+          <a:srcRect l="1180" t="1977" r="1530" b="4807"/>
+          <a:stretch/>
         </p:blipFill>
         <p:spPr bwMode="auto">
           <a:xfrm>
-            <a:off x="6530976" y="2962275"/>
-            <a:ext cx="5943600" cy="3895725"/>
+            <a:off x="4950823" y="3039292"/>
+            <a:ext cx="4336869" cy="3631475"/>
           </a:xfrm>
           <a:prstGeom prst="rect">
             <a:avLst/>
@@ -3149,7 +3595,1726 @@
 </p:sld>
 </file>
 
-<file path=ppt/slides/slide2.xml><?xml version="1.0" encoding="utf-8"?>
+<file path=ppt/slides/slide10.xml><?xml version="1.0" encoding="utf-8"?>
+<p:sld xmlns:a="http://schemas.openxmlformats.org/drawingml/2006/main" xmlns:r="http://schemas.openxmlformats.org/officeDocument/2006/relationships" xmlns:p="http://schemas.openxmlformats.org/presentationml/2006/main">
+  <p:cSld>
+    <p:spTree>
+      <p:nvGrpSpPr>
+        <p:cNvPr id="1" name=""/>
+        <p:cNvGrpSpPr/>
+        <p:nvPr/>
+      </p:nvGrpSpPr>
+      <p:grpSpPr>
+        <a:xfrm>
+          <a:off x="0" y="0"/>
+          <a:ext cx="0" cy="0"/>
+          <a:chOff x="0" y="0"/>
+          <a:chExt cx="0" cy="0"/>
+        </a:xfrm>
+      </p:grpSpPr>
+      <p:graphicFrame>
+        <p:nvGraphicFramePr>
+          <p:cNvPr id="4" name="표 3"/>
+          <p:cNvGraphicFramePr>
+            <a:graphicFrameLocks noGrp="1"/>
+          </p:cNvGraphicFramePr>
+          <p:nvPr>
+            <p:extLst>
+              <p:ext uri="{D42A27DB-BD31-4B8C-83A1-F6EECF244321}">
+                <p14:modId xmlns:p14="http://schemas.microsoft.com/office/powerpoint/2010/main" val="2711184676"/>
+              </p:ext>
+            </p:extLst>
+          </p:nvPr>
+        </p:nvGraphicFramePr>
+        <p:xfrm>
+          <a:off x="1907921" y="2523395"/>
+          <a:ext cx="5328158" cy="2955798"/>
+        </p:xfrm>
+        <a:graphic>
+          <a:graphicData uri="http://schemas.openxmlformats.org/drawingml/2006/table">
+            <a:tbl>
+              <a:tblPr/>
+              <a:tblGrid>
+                <a:gridCol w="2664079"/>
+                <a:gridCol w="2664079"/>
+              </a:tblGrid>
+              <a:tr h="188214">
+                <a:tc>
+                  <a:txBody>
+                    <a:bodyPr/>
+                    <a:lstStyle/>
+                    <a:p>
+                      <a:pPr marL="0" marR="0" indent="0" algn="l" fontAlgn="base" latinLnBrk="0">
+                        <a:lnSpc>
+                          <a:spcPct val="160000"/>
+                        </a:lnSpc>
+                        <a:spcBef>
+                          <a:spcPts val="0"/>
+                        </a:spcBef>
+                        <a:spcAft>
+                          <a:spcPts val="0"/>
+                        </a:spcAft>
+                      </a:pPr>
+                      <a:r>
+                        <a:rPr lang="en-US" sz="1200" kern="0" spc="0" dirty="0" err="1">
+                          <a:solidFill>
+                            <a:srgbClr val="000000"/>
+                          </a:solidFill>
+                          <a:effectLst/>
+                          <a:latin typeface="함초롬바탕"/>
+                        </a:rPr>
+                        <a:t>input_data_column_cnt</a:t>
+                      </a:r>
+                      <a:r>
+                        <a:rPr lang="en-US" sz="1200" kern="0" spc="0" dirty="0">
+                          <a:solidFill>
+                            <a:srgbClr val="000000"/>
+                          </a:solidFill>
+                          <a:effectLst/>
+                          <a:latin typeface="함초롬바탕"/>
+                        </a:rPr>
+                        <a:t> : 9</a:t>
+                      </a:r>
+                      <a:endParaRPr lang="en-US" sz="1000" kern="0" spc="0" dirty="0">
+                        <a:solidFill>
+                          <a:srgbClr val="000000"/>
+                        </a:solidFill>
+                        <a:effectLst/>
+                      </a:endParaRPr>
+                    </a:p>
+                  </a:txBody>
+                  <a:tcPr marL="64770" marR="64770" marT="17907" marB="17907" anchor="ctr">
+                    <a:lnL w="3556" cap="flat" cmpd="sng" algn="ctr">
+                      <a:solidFill>
+                        <a:srgbClr val="000000"/>
+                      </a:solidFill>
+                      <a:prstDash val="solid"/>
+                      <a:round/>
+                      <a:headEnd type="none" w="med" len="med"/>
+                      <a:tailEnd type="none" w="med" len="med"/>
+                    </a:lnL>
+                    <a:lnR w="3556" cap="flat" cmpd="sng" algn="ctr">
+                      <a:solidFill>
+                        <a:srgbClr val="000000"/>
+                      </a:solidFill>
+                      <a:prstDash val="solid"/>
+                      <a:round/>
+                      <a:headEnd type="none" w="med" len="med"/>
+                      <a:tailEnd type="none" w="med" len="med"/>
+                    </a:lnR>
+                    <a:lnT w="3556" cap="flat" cmpd="sng" algn="ctr">
+                      <a:solidFill>
+                        <a:srgbClr val="000000"/>
+                      </a:solidFill>
+                      <a:prstDash val="solid"/>
+                      <a:round/>
+                      <a:headEnd type="none" w="med" len="med"/>
+                      <a:tailEnd type="none" w="med" len="med"/>
+                    </a:lnT>
+                    <a:lnB w="3556" cap="flat" cmpd="sng" algn="ctr">
+                      <a:solidFill>
+                        <a:srgbClr val="000000"/>
+                      </a:solidFill>
+                      <a:prstDash val="solid"/>
+                      <a:round/>
+                      <a:headEnd type="none" w="med" len="med"/>
+                      <a:tailEnd type="none" w="med" len="med"/>
+                    </a:lnB>
+                  </a:tcPr>
+                </a:tc>
+                <a:tc>
+                  <a:txBody>
+                    <a:bodyPr/>
+                    <a:lstStyle/>
+                    <a:p>
+                      <a:pPr marL="0" marR="0" indent="0" algn="l" fontAlgn="base" latinLnBrk="0">
+                        <a:lnSpc>
+                          <a:spcPct val="160000"/>
+                        </a:lnSpc>
+                        <a:spcBef>
+                          <a:spcPts val="0"/>
+                        </a:spcBef>
+                        <a:spcAft>
+                          <a:spcPts val="0"/>
+                        </a:spcAft>
+                      </a:pPr>
+                      <a:r>
+                        <a:rPr lang="ko-KR" altLang="en-US" sz="1200" kern="0" spc="0">
+                          <a:solidFill>
+                            <a:srgbClr val="000000"/>
+                          </a:solidFill>
+                          <a:effectLst/>
+                          <a:ea typeface="함초롬바탕"/>
+                        </a:rPr>
+                        <a:t>입력데이터의 컬럼 개수</a:t>
+                      </a:r>
+                      <a:endParaRPr lang="ko-KR" altLang="en-US" sz="1000" kern="0" spc="0">
+                        <a:solidFill>
+                          <a:srgbClr val="000000"/>
+                        </a:solidFill>
+                        <a:effectLst/>
+                      </a:endParaRPr>
+                    </a:p>
+                  </a:txBody>
+                  <a:tcPr marL="64770" marR="64770" marT="17907" marB="17907" anchor="ctr">
+                    <a:lnL w="3556" cap="flat" cmpd="sng" algn="ctr">
+                      <a:solidFill>
+                        <a:srgbClr val="000000"/>
+                      </a:solidFill>
+                      <a:prstDash val="solid"/>
+                      <a:round/>
+                      <a:headEnd type="none" w="med" len="med"/>
+                      <a:tailEnd type="none" w="med" len="med"/>
+                    </a:lnL>
+                    <a:lnR w="3556" cap="flat" cmpd="sng" algn="ctr">
+                      <a:solidFill>
+                        <a:srgbClr val="000000"/>
+                      </a:solidFill>
+                      <a:prstDash val="solid"/>
+                      <a:round/>
+                      <a:headEnd type="none" w="med" len="med"/>
+                      <a:tailEnd type="none" w="med" len="med"/>
+                    </a:lnR>
+                    <a:lnT w="3556" cap="flat" cmpd="sng" algn="ctr">
+                      <a:solidFill>
+                        <a:srgbClr val="000000"/>
+                      </a:solidFill>
+                      <a:prstDash val="solid"/>
+                      <a:round/>
+                      <a:headEnd type="none" w="med" len="med"/>
+                      <a:tailEnd type="none" w="med" len="med"/>
+                    </a:lnT>
+                    <a:lnB w="3556" cap="flat" cmpd="sng" algn="ctr">
+                      <a:solidFill>
+                        <a:srgbClr val="000000"/>
+                      </a:solidFill>
+                      <a:prstDash val="solid"/>
+                      <a:round/>
+                      <a:headEnd type="none" w="med" len="med"/>
+                      <a:tailEnd type="none" w="med" len="med"/>
+                    </a:lnB>
+                  </a:tcPr>
+                </a:tc>
+              </a:tr>
+              <a:tr h="188214">
+                <a:tc>
+                  <a:txBody>
+                    <a:bodyPr/>
+                    <a:lstStyle/>
+                    <a:p>
+                      <a:pPr marL="0" marR="0" indent="0" algn="l" fontAlgn="base" latinLnBrk="0">
+                        <a:lnSpc>
+                          <a:spcPct val="160000"/>
+                        </a:lnSpc>
+                        <a:spcBef>
+                          <a:spcPts val="0"/>
+                        </a:spcBef>
+                        <a:spcAft>
+                          <a:spcPts val="0"/>
+                        </a:spcAft>
+                      </a:pPr>
+                      <a:r>
+                        <a:rPr lang="en-US" sz="1200" kern="0" spc="0" dirty="0" err="1">
+                          <a:solidFill>
+                            <a:srgbClr val="000000"/>
+                          </a:solidFill>
+                          <a:effectLst/>
+                          <a:latin typeface="함초롬바탕"/>
+                        </a:rPr>
+                        <a:t>output_data_column_cnt</a:t>
+                      </a:r>
+                      <a:r>
+                        <a:rPr lang="en-US" sz="1200" kern="0" spc="0" dirty="0">
+                          <a:solidFill>
+                            <a:srgbClr val="000000"/>
+                          </a:solidFill>
+                          <a:effectLst/>
+                          <a:latin typeface="함초롬바탕"/>
+                        </a:rPr>
+                        <a:t> : 1</a:t>
+                      </a:r>
+                      <a:endParaRPr lang="en-US" sz="1000" kern="0" spc="0" dirty="0">
+                        <a:solidFill>
+                          <a:srgbClr val="000000"/>
+                        </a:solidFill>
+                        <a:effectLst/>
+                      </a:endParaRPr>
+                    </a:p>
+                  </a:txBody>
+                  <a:tcPr marL="64770" marR="64770" marT="17907" marB="17907" anchor="ctr">
+                    <a:lnL w="3556" cap="flat" cmpd="sng" algn="ctr">
+                      <a:solidFill>
+                        <a:srgbClr val="000000"/>
+                      </a:solidFill>
+                      <a:prstDash val="solid"/>
+                      <a:round/>
+                      <a:headEnd type="none" w="med" len="med"/>
+                      <a:tailEnd type="none" w="med" len="med"/>
+                    </a:lnL>
+                    <a:lnR w="3556" cap="flat" cmpd="sng" algn="ctr">
+                      <a:solidFill>
+                        <a:srgbClr val="000000"/>
+                      </a:solidFill>
+                      <a:prstDash val="solid"/>
+                      <a:round/>
+                      <a:headEnd type="none" w="med" len="med"/>
+                      <a:tailEnd type="none" w="med" len="med"/>
+                    </a:lnR>
+                    <a:lnT w="3556" cap="flat" cmpd="sng" algn="ctr">
+                      <a:solidFill>
+                        <a:srgbClr val="000000"/>
+                      </a:solidFill>
+                      <a:prstDash val="solid"/>
+                      <a:round/>
+                      <a:headEnd type="none" w="med" len="med"/>
+                      <a:tailEnd type="none" w="med" len="med"/>
+                    </a:lnT>
+                    <a:lnB w="3556" cap="flat" cmpd="sng" algn="ctr">
+                      <a:solidFill>
+                        <a:srgbClr val="000000"/>
+                      </a:solidFill>
+                      <a:prstDash val="solid"/>
+                      <a:round/>
+                      <a:headEnd type="none" w="med" len="med"/>
+                      <a:tailEnd type="none" w="med" len="med"/>
+                    </a:lnB>
+                  </a:tcPr>
+                </a:tc>
+                <a:tc>
+                  <a:txBody>
+                    <a:bodyPr/>
+                    <a:lstStyle/>
+                    <a:p>
+                      <a:pPr marL="0" marR="0" indent="0" algn="l" fontAlgn="base" latinLnBrk="0">
+                        <a:lnSpc>
+                          <a:spcPct val="160000"/>
+                        </a:lnSpc>
+                        <a:spcBef>
+                          <a:spcPts val="0"/>
+                        </a:spcBef>
+                        <a:spcAft>
+                          <a:spcPts val="0"/>
+                        </a:spcAft>
+                      </a:pPr>
+                      <a:r>
+                        <a:rPr lang="ko-KR" altLang="en-US" sz="1200" kern="0" spc="0">
+                          <a:solidFill>
+                            <a:srgbClr val="000000"/>
+                          </a:solidFill>
+                          <a:effectLst/>
+                          <a:ea typeface="함초롬바탕"/>
+                        </a:rPr>
+                        <a:t>결과데이터의 컬럼 개수</a:t>
+                      </a:r>
+                      <a:endParaRPr lang="ko-KR" altLang="en-US" sz="1000" kern="0" spc="0">
+                        <a:solidFill>
+                          <a:srgbClr val="000000"/>
+                        </a:solidFill>
+                        <a:effectLst/>
+                      </a:endParaRPr>
+                    </a:p>
+                  </a:txBody>
+                  <a:tcPr marL="64770" marR="64770" marT="17907" marB="17907" anchor="ctr">
+                    <a:lnL w="3556" cap="flat" cmpd="sng" algn="ctr">
+                      <a:solidFill>
+                        <a:srgbClr val="000000"/>
+                      </a:solidFill>
+                      <a:prstDash val="solid"/>
+                      <a:round/>
+                      <a:headEnd type="none" w="med" len="med"/>
+                      <a:tailEnd type="none" w="med" len="med"/>
+                    </a:lnL>
+                    <a:lnR w="3556" cap="flat" cmpd="sng" algn="ctr">
+                      <a:solidFill>
+                        <a:srgbClr val="000000"/>
+                      </a:solidFill>
+                      <a:prstDash val="solid"/>
+                      <a:round/>
+                      <a:headEnd type="none" w="med" len="med"/>
+                      <a:tailEnd type="none" w="med" len="med"/>
+                    </a:lnR>
+                    <a:lnT w="3556" cap="flat" cmpd="sng" algn="ctr">
+                      <a:solidFill>
+                        <a:srgbClr val="000000"/>
+                      </a:solidFill>
+                      <a:prstDash val="solid"/>
+                      <a:round/>
+                      <a:headEnd type="none" w="med" len="med"/>
+                      <a:tailEnd type="none" w="med" len="med"/>
+                    </a:lnT>
+                    <a:lnB w="3556" cap="flat" cmpd="sng" algn="ctr">
+                      <a:solidFill>
+                        <a:srgbClr val="000000"/>
+                      </a:solidFill>
+                      <a:prstDash val="solid"/>
+                      <a:round/>
+                      <a:headEnd type="none" w="med" len="med"/>
+                      <a:tailEnd type="none" w="med" len="med"/>
+                    </a:lnB>
+                  </a:tcPr>
+                </a:tc>
+              </a:tr>
+              <a:tr h="0">
+                <a:tc>
+                  <a:txBody>
+                    <a:bodyPr/>
+                    <a:lstStyle/>
+                    <a:p>
+                      <a:pPr marL="0" marR="0" indent="0" algn="l" fontAlgn="base" latinLnBrk="0">
+                        <a:lnSpc>
+                          <a:spcPct val="160000"/>
+                        </a:lnSpc>
+                        <a:spcBef>
+                          <a:spcPts val="0"/>
+                        </a:spcBef>
+                        <a:spcAft>
+                          <a:spcPts val="0"/>
+                        </a:spcAft>
+                      </a:pPr>
+                      <a:r>
+                        <a:rPr lang="en-US" sz="1200" kern="0" spc="0" dirty="0" err="1">
+                          <a:solidFill>
+                            <a:srgbClr val="000000"/>
+                          </a:solidFill>
+                          <a:effectLst/>
+                          <a:latin typeface="함초롬바탕"/>
+                        </a:rPr>
+                        <a:t>seq_length</a:t>
+                      </a:r>
+                      <a:r>
+                        <a:rPr lang="en-US" sz="1200" kern="0" spc="0" dirty="0">
+                          <a:solidFill>
+                            <a:srgbClr val="000000"/>
+                          </a:solidFill>
+                          <a:effectLst/>
+                          <a:latin typeface="함초롬바탕"/>
+                        </a:rPr>
+                        <a:t> : </a:t>
+                      </a:r>
+                      <a:r>
+                        <a:rPr lang="en-US" sz="1200" kern="0" spc="0" dirty="0" smtClean="0">
+                          <a:solidFill>
+                            <a:srgbClr val="000000"/>
+                          </a:solidFill>
+                          <a:effectLst/>
+                          <a:latin typeface="함초롬바탕"/>
+                        </a:rPr>
+                        <a:t>30</a:t>
+                      </a:r>
+                      <a:endParaRPr lang="en-US" sz="1000" kern="0" spc="0" dirty="0">
+                        <a:solidFill>
+                          <a:srgbClr val="000000"/>
+                        </a:solidFill>
+                        <a:effectLst/>
+                      </a:endParaRPr>
+                    </a:p>
+                  </a:txBody>
+                  <a:tcPr marL="64770" marR="64770" marT="17907" marB="17907" anchor="ctr">
+                    <a:lnL w="3556" cap="flat" cmpd="sng" algn="ctr">
+                      <a:solidFill>
+                        <a:srgbClr val="000000"/>
+                      </a:solidFill>
+                      <a:prstDash val="solid"/>
+                      <a:round/>
+                      <a:headEnd type="none" w="med" len="med"/>
+                      <a:tailEnd type="none" w="med" len="med"/>
+                    </a:lnL>
+                    <a:lnR w="3556" cap="flat" cmpd="sng" algn="ctr">
+                      <a:solidFill>
+                        <a:srgbClr val="000000"/>
+                      </a:solidFill>
+                      <a:prstDash val="solid"/>
+                      <a:round/>
+                      <a:headEnd type="none" w="med" len="med"/>
+                      <a:tailEnd type="none" w="med" len="med"/>
+                    </a:lnR>
+                    <a:lnT w="3556" cap="flat" cmpd="sng" algn="ctr">
+                      <a:solidFill>
+                        <a:srgbClr val="000000"/>
+                      </a:solidFill>
+                      <a:prstDash val="solid"/>
+                      <a:round/>
+                      <a:headEnd type="none" w="med" len="med"/>
+                      <a:tailEnd type="none" w="med" len="med"/>
+                    </a:lnT>
+                    <a:lnB w="3556" cap="flat" cmpd="sng" algn="ctr">
+                      <a:solidFill>
+                        <a:srgbClr val="000000"/>
+                      </a:solidFill>
+                      <a:prstDash val="solid"/>
+                      <a:round/>
+                      <a:headEnd type="none" w="med" len="med"/>
+                      <a:tailEnd type="none" w="med" len="med"/>
+                    </a:lnB>
+                  </a:tcPr>
+                </a:tc>
+                <a:tc>
+                  <a:txBody>
+                    <a:bodyPr/>
+                    <a:lstStyle/>
+                    <a:p>
+                      <a:pPr marL="0" marR="0" indent="0" algn="l" fontAlgn="base" latinLnBrk="0">
+                        <a:lnSpc>
+                          <a:spcPct val="160000"/>
+                        </a:lnSpc>
+                        <a:spcBef>
+                          <a:spcPts val="0"/>
+                        </a:spcBef>
+                        <a:spcAft>
+                          <a:spcPts val="0"/>
+                        </a:spcAft>
+                      </a:pPr>
+                      <a:r>
+                        <a:rPr lang="en-US" altLang="ko-KR" sz="1200" kern="0" spc="0">
+                          <a:solidFill>
+                            <a:srgbClr val="000000"/>
+                          </a:solidFill>
+                          <a:effectLst/>
+                          <a:latin typeface="함초롬바탕"/>
+                        </a:rPr>
+                        <a:t>1</a:t>
+                      </a:r>
+                      <a:r>
+                        <a:rPr lang="ko-KR" altLang="en-US" sz="1200" kern="0" spc="0">
+                          <a:solidFill>
+                            <a:srgbClr val="000000"/>
+                          </a:solidFill>
+                          <a:effectLst/>
+                          <a:ea typeface="함초롬바탕"/>
+                        </a:rPr>
+                        <a:t>개 시퀀스의 길이</a:t>
+                      </a:r>
+                      <a:endParaRPr lang="ko-KR" altLang="en-US" sz="1000" kern="0" spc="0">
+                        <a:solidFill>
+                          <a:srgbClr val="000000"/>
+                        </a:solidFill>
+                        <a:effectLst/>
+                      </a:endParaRPr>
+                    </a:p>
+                  </a:txBody>
+                  <a:tcPr marL="64770" marR="64770" marT="17907" marB="17907" anchor="ctr">
+                    <a:lnL w="3556" cap="flat" cmpd="sng" algn="ctr">
+                      <a:solidFill>
+                        <a:srgbClr val="000000"/>
+                      </a:solidFill>
+                      <a:prstDash val="solid"/>
+                      <a:round/>
+                      <a:headEnd type="none" w="med" len="med"/>
+                      <a:tailEnd type="none" w="med" len="med"/>
+                    </a:lnL>
+                    <a:lnR w="3556" cap="flat" cmpd="sng" algn="ctr">
+                      <a:solidFill>
+                        <a:srgbClr val="000000"/>
+                      </a:solidFill>
+                      <a:prstDash val="solid"/>
+                      <a:round/>
+                      <a:headEnd type="none" w="med" len="med"/>
+                      <a:tailEnd type="none" w="med" len="med"/>
+                    </a:lnR>
+                    <a:lnT w="3556" cap="flat" cmpd="sng" algn="ctr">
+                      <a:solidFill>
+                        <a:srgbClr val="000000"/>
+                      </a:solidFill>
+                      <a:prstDash val="solid"/>
+                      <a:round/>
+                      <a:headEnd type="none" w="med" len="med"/>
+                      <a:tailEnd type="none" w="med" len="med"/>
+                    </a:lnT>
+                    <a:lnB w="3556" cap="flat" cmpd="sng" algn="ctr">
+                      <a:solidFill>
+                        <a:srgbClr val="000000"/>
+                      </a:solidFill>
+                      <a:prstDash val="solid"/>
+                      <a:round/>
+                      <a:headEnd type="none" w="med" len="med"/>
+                      <a:tailEnd type="none" w="med" len="med"/>
+                    </a:lnB>
+                  </a:tcPr>
+                </a:tc>
+              </a:tr>
+              <a:tr h="0">
+                <a:tc>
+                  <a:txBody>
+                    <a:bodyPr/>
+                    <a:lstStyle/>
+                    <a:p>
+                      <a:pPr marL="0" marR="0" indent="0" algn="l" fontAlgn="base" latinLnBrk="0">
+                        <a:lnSpc>
+                          <a:spcPct val="160000"/>
+                        </a:lnSpc>
+                        <a:spcBef>
+                          <a:spcPts val="0"/>
+                        </a:spcBef>
+                        <a:spcAft>
+                          <a:spcPts val="0"/>
+                        </a:spcAft>
+                      </a:pPr>
+                      <a:r>
+                        <a:rPr lang="en-US" sz="1200" kern="0" spc="0">
+                          <a:solidFill>
+                            <a:srgbClr val="000000"/>
+                          </a:solidFill>
+                          <a:effectLst/>
+                          <a:latin typeface="함초롬바탕"/>
+                        </a:rPr>
+                        <a:t>rnn_cell_hidden_dim : 20</a:t>
+                      </a:r>
+                      <a:endParaRPr lang="en-US" sz="1000" kern="0" spc="0">
+                        <a:solidFill>
+                          <a:srgbClr val="000000"/>
+                        </a:solidFill>
+                        <a:effectLst/>
+                      </a:endParaRPr>
+                    </a:p>
+                  </a:txBody>
+                  <a:tcPr marL="64770" marR="64770" marT="17907" marB="17907" anchor="ctr">
+                    <a:lnL w="3556" cap="flat" cmpd="sng" algn="ctr">
+                      <a:solidFill>
+                        <a:srgbClr val="000000"/>
+                      </a:solidFill>
+                      <a:prstDash val="solid"/>
+                      <a:round/>
+                      <a:headEnd type="none" w="med" len="med"/>
+                      <a:tailEnd type="none" w="med" len="med"/>
+                    </a:lnL>
+                    <a:lnR w="3556" cap="flat" cmpd="sng" algn="ctr">
+                      <a:solidFill>
+                        <a:srgbClr val="000000"/>
+                      </a:solidFill>
+                      <a:prstDash val="solid"/>
+                      <a:round/>
+                      <a:headEnd type="none" w="med" len="med"/>
+                      <a:tailEnd type="none" w="med" len="med"/>
+                    </a:lnR>
+                    <a:lnT w="3556" cap="flat" cmpd="sng" algn="ctr">
+                      <a:solidFill>
+                        <a:srgbClr val="000000"/>
+                      </a:solidFill>
+                      <a:prstDash val="solid"/>
+                      <a:round/>
+                      <a:headEnd type="none" w="med" len="med"/>
+                      <a:tailEnd type="none" w="med" len="med"/>
+                    </a:lnT>
+                    <a:lnB w="3556" cap="flat" cmpd="sng" algn="ctr">
+                      <a:solidFill>
+                        <a:srgbClr val="000000"/>
+                      </a:solidFill>
+                      <a:prstDash val="solid"/>
+                      <a:round/>
+                      <a:headEnd type="none" w="med" len="med"/>
+                      <a:tailEnd type="none" w="med" len="med"/>
+                    </a:lnB>
+                  </a:tcPr>
+                </a:tc>
+                <a:tc>
+                  <a:txBody>
+                    <a:bodyPr/>
+                    <a:lstStyle/>
+                    <a:p>
+                      <a:pPr marL="0" marR="0" indent="0" algn="l" fontAlgn="base" latinLnBrk="0">
+                        <a:lnSpc>
+                          <a:spcPct val="160000"/>
+                        </a:lnSpc>
+                        <a:spcBef>
+                          <a:spcPts val="0"/>
+                        </a:spcBef>
+                        <a:spcAft>
+                          <a:spcPts val="0"/>
+                        </a:spcAft>
+                      </a:pPr>
+                      <a:r>
+                        <a:rPr lang="ko-KR" altLang="en-US" sz="1200" kern="0" spc="0">
+                          <a:solidFill>
+                            <a:srgbClr val="000000"/>
+                          </a:solidFill>
+                          <a:effectLst/>
+                          <a:ea typeface="함초롬바탕"/>
+                        </a:rPr>
+                        <a:t>각 셀의 </a:t>
+                      </a:r>
+                      <a:r>
+                        <a:rPr lang="en-US" altLang="ko-KR" sz="1200" kern="0" spc="0">
+                          <a:solidFill>
+                            <a:srgbClr val="000000"/>
+                          </a:solidFill>
+                          <a:effectLst/>
+                          <a:latin typeface="함초롬바탕"/>
+                        </a:rPr>
+                        <a:t>(hidden)</a:t>
+                      </a:r>
+                      <a:r>
+                        <a:rPr lang="ko-KR" altLang="en-US" sz="1200" kern="0" spc="0">
+                          <a:solidFill>
+                            <a:srgbClr val="000000"/>
+                          </a:solidFill>
+                          <a:effectLst/>
+                          <a:ea typeface="함초롬바탕"/>
+                        </a:rPr>
+                        <a:t>출력 크기</a:t>
+                      </a:r>
+                      <a:endParaRPr lang="ko-KR" altLang="en-US" sz="1000" kern="0" spc="0">
+                        <a:solidFill>
+                          <a:srgbClr val="000000"/>
+                        </a:solidFill>
+                        <a:effectLst/>
+                      </a:endParaRPr>
+                    </a:p>
+                  </a:txBody>
+                  <a:tcPr marL="64770" marR="64770" marT="17907" marB="17907" anchor="ctr">
+                    <a:lnL w="3556" cap="flat" cmpd="sng" algn="ctr">
+                      <a:solidFill>
+                        <a:srgbClr val="000000"/>
+                      </a:solidFill>
+                      <a:prstDash val="solid"/>
+                      <a:round/>
+                      <a:headEnd type="none" w="med" len="med"/>
+                      <a:tailEnd type="none" w="med" len="med"/>
+                    </a:lnL>
+                    <a:lnR w="3556" cap="flat" cmpd="sng" algn="ctr">
+                      <a:solidFill>
+                        <a:srgbClr val="000000"/>
+                      </a:solidFill>
+                      <a:prstDash val="solid"/>
+                      <a:round/>
+                      <a:headEnd type="none" w="med" len="med"/>
+                      <a:tailEnd type="none" w="med" len="med"/>
+                    </a:lnR>
+                    <a:lnT w="3556" cap="flat" cmpd="sng" algn="ctr">
+                      <a:solidFill>
+                        <a:srgbClr val="000000"/>
+                      </a:solidFill>
+                      <a:prstDash val="solid"/>
+                      <a:round/>
+                      <a:headEnd type="none" w="med" len="med"/>
+                      <a:tailEnd type="none" w="med" len="med"/>
+                    </a:lnT>
+                    <a:lnB w="3556" cap="flat" cmpd="sng" algn="ctr">
+                      <a:solidFill>
+                        <a:srgbClr val="000000"/>
+                      </a:solidFill>
+                      <a:prstDash val="solid"/>
+                      <a:round/>
+                      <a:headEnd type="none" w="med" len="med"/>
+                      <a:tailEnd type="none" w="med" len="med"/>
+                    </a:lnB>
+                  </a:tcPr>
+                </a:tc>
+              </a:tr>
+              <a:tr h="0">
+                <a:tc>
+                  <a:txBody>
+                    <a:bodyPr/>
+                    <a:lstStyle/>
+                    <a:p>
+                      <a:pPr marL="0" marR="0" indent="0" algn="l" fontAlgn="base" latinLnBrk="0">
+                        <a:lnSpc>
+                          <a:spcPct val="160000"/>
+                        </a:lnSpc>
+                        <a:spcBef>
+                          <a:spcPts val="0"/>
+                        </a:spcBef>
+                        <a:spcAft>
+                          <a:spcPts val="0"/>
+                        </a:spcAft>
+                      </a:pPr>
+                      <a:r>
+                        <a:rPr lang="en-US" sz="1200" kern="0" spc="0" dirty="0" err="1">
+                          <a:solidFill>
+                            <a:srgbClr val="000000"/>
+                          </a:solidFill>
+                          <a:effectLst/>
+                          <a:latin typeface="함초롬바탕"/>
+                        </a:rPr>
+                        <a:t>forget_bias</a:t>
+                      </a:r>
+                      <a:r>
+                        <a:rPr lang="en-US" sz="1200" kern="0" spc="0" dirty="0">
+                          <a:solidFill>
+                            <a:srgbClr val="000000"/>
+                          </a:solidFill>
+                          <a:effectLst/>
+                          <a:latin typeface="함초롬바탕"/>
+                        </a:rPr>
+                        <a:t> : 1.0</a:t>
+                      </a:r>
+                      <a:endParaRPr lang="en-US" sz="1000" kern="0" spc="0" dirty="0">
+                        <a:solidFill>
+                          <a:srgbClr val="000000"/>
+                        </a:solidFill>
+                        <a:effectLst/>
+                      </a:endParaRPr>
+                    </a:p>
+                  </a:txBody>
+                  <a:tcPr marL="64770" marR="64770" marT="17907" marB="17907" anchor="ctr">
+                    <a:lnL w="3556" cap="flat" cmpd="sng" algn="ctr">
+                      <a:solidFill>
+                        <a:srgbClr val="000000"/>
+                      </a:solidFill>
+                      <a:prstDash val="solid"/>
+                      <a:round/>
+                      <a:headEnd type="none" w="med" len="med"/>
+                      <a:tailEnd type="none" w="med" len="med"/>
+                    </a:lnL>
+                    <a:lnR w="3556" cap="flat" cmpd="sng" algn="ctr">
+                      <a:solidFill>
+                        <a:srgbClr val="000000"/>
+                      </a:solidFill>
+                      <a:prstDash val="solid"/>
+                      <a:round/>
+                      <a:headEnd type="none" w="med" len="med"/>
+                      <a:tailEnd type="none" w="med" len="med"/>
+                    </a:lnR>
+                    <a:lnT w="3556" cap="flat" cmpd="sng" algn="ctr">
+                      <a:solidFill>
+                        <a:srgbClr val="000000"/>
+                      </a:solidFill>
+                      <a:prstDash val="solid"/>
+                      <a:round/>
+                      <a:headEnd type="none" w="med" len="med"/>
+                      <a:tailEnd type="none" w="med" len="med"/>
+                    </a:lnT>
+                    <a:lnB w="3556" cap="flat" cmpd="sng" algn="ctr">
+                      <a:solidFill>
+                        <a:srgbClr val="000000"/>
+                      </a:solidFill>
+                      <a:prstDash val="solid"/>
+                      <a:round/>
+                      <a:headEnd type="none" w="med" len="med"/>
+                      <a:tailEnd type="none" w="med" len="med"/>
+                    </a:lnB>
+                  </a:tcPr>
+                </a:tc>
+                <a:tc>
+                  <a:txBody>
+                    <a:bodyPr/>
+                    <a:lstStyle/>
+                    <a:p>
+                      <a:pPr marL="0" marR="0" indent="0" algn="l" fontAlgn="base" latinLnBrk="0">
+                        <a:lnSpc>
+                          <a:spcPct val="160000"/>
+                        </a:lnSpc>
+                        <a:spcBef>
+                          <a:spcPts val="0"/>
+                        </a:spcBef>
+                        <a:spcAft>
+                          <a:spcPts val="0"/>
+                        </a:spcAft>
+                      </a:pPr>
+                      <a:r>
+                        <a:rPr lang="ko-KR" altLang="en-US" sz="1200" kern="0" spc="0" dirty="0" err="1">
+                          <a:solidFill>
+                            <a:srgbClr val="000000"/>
+                          </a:solidFill>
+                          <a:effectLst/>
+                          <a:ea typeface="함초롬바탕"/>
+                        </a:rPr>
+                        <a:t>망각평향</a:t>
+                      </a:r>
+                      <a:r>
+                        <a:rPr lang="en-US" altLang="ko-KR" sz="1200" kern="0" spc="0" dirty="0">
+                          <a:solidFill>
+                            <a:srgbClr val="000000"/>
+                          </a:solidFill>
+                          <a:effectLst/>
+                          <a:latin typeface="함초롬바탕"/>
+                        </a:rPr>
+                        <a:t>(</a:t>
+                      </a:r>
+                      <a:r>
+                        <a:rPr lang="ko-KR" altLang="en-US" sz="1200" kern="0" spc="0" dirty="0">
+                          <a:solidFill>
+                            <a:srgbClr val="000000"/>
+                          </a:solidFill>
+                          <a:effectLst/>
+                          <a:ea typeface="함초롬바탕"/>
+                        </a:rPr>
+                        <a:t>기본값 </a:t>
+                      </a:r>
+                      <a:r>
+                        <a:rPr lang="en-US" altLang="ko-KR" sz="1200" kern="0" spc="0" dirty="0" smtClean="0">
+                          <a:solidFill>
+                            <a:srgbClr val="000000"/>
+                          </a:solidFill>
+                          <a:effectLst/>
+                          <a:latin typeface="함초롬바탕"/>
+                        </a:rPr>
+                        <a:t>1.0)</a:t>
+                      </a:r>
+                      <a:endParaRPr lang="ko-KR" altLang="en-US" sz="1000" kern="0" spc="0" dirty="0">
+                        <a:solidFill>
+                          <a:srgbClr val="000000"/>
+                        </a:solidFill>
+                        <a:effectLst/>
+                      </a:endParaRPr>
+                    </a:p>
+                  </a:txBody>
+                  <a:tcPr marL="64770" marR="64770" marT="17907" marB="17907" anchor="ctr">
+                    <a:lnL w="3556" cap="flat" cmpd="sng" algn="ctr">
+                      <a:solidFill>
+                        <a:srgbClr val="000000"/>
+                      </a:solidFill>
+                      <a:prstDash val="solid"/>
+                      <a:round/>
+                      <a:headEnd type="none" w="med" len="med"/>
+                      <a:tailEnd type="none" w="med" len="med"/>
+                    </a:lnL>
+                    <a:lnR w="3556" cap="flat" cmpd="sng" algn="ctr">
+                      <a:solidFill>
+                        <a:srgbClr val="000000"/>
+                      </a:solidFill>
+                      <a:prstDash val="solid"/>
+                      <a:round/>
+                      <a:headEnd type="none" w="med" len="med"/>
+                      <a:tailEnd type="none" w="med" len="med"/>
+                    </a:lnR>
+                    <a:lnT w="3556" cap="flat" cmpd="sng" algn="ctr">
+                      <a:solidFill>
+                        <a:srgbClr val="000000"/>
+                      </a:solidFill>
+                      <a:prstDash val="solid"/>
+                      <a:round/>
+                      <a:headEnd type="none" w="med" len="med"/>
+                      <a:tailEnd type="none" w="med" len="med"/>
+                    </a:lnT>
+                    <a:lnB w="3556" cap="flat" cmpd="sng" algn="ctr">
+                      <a:solidFill>
+                        <a:srgbClr val="000000"/>
+                      </a:solidFill>
+                      <a:prstDash val="solid"/>
+                      <a:round/>
+                      <a:headEnd type="none" w="med" len="med"/>
+                      <a:tailEnd type="none" w="med" len="med"/>
+                    </a:lnB>
+                  </a:tcPr>
+                </a:tc>
+              </a:tr>
+              <a:tr h="0">
+                <a:tc>
+                  <a:txBody>
+                    <a:bodyPr/>
+                    <a:lstStyle/>
+                    <a:p>
+                      <a:pPr marL="0" marR="0" indent="0" algn="l" fontAlgn="base" latinLnBrk="0">
+                        <a:lnSpc>
+                          <a:spcPct val="160000"/>
+                        </a:lnSpc>
+                        <a:spcBef>
+                          <a:spcPts val="0"/>
+                        </a:spcBef>
+                        <a:spcAft>
+                          <a:spcPts val="0"/>
+                        </a:spcAft>
+                      </a:pPr>
+                      <a:r>
+                        <a:rPr lang="en-US" sz="1200" kern="0" spc="0">
+                          <a:solidFill>
+                            <a:srgbClr val="000000"/>
+                          </a:solidFill>
+                          <a:effectLst/>
+                          <a:latin typeface="함초롬바탕"/>
+                        </a:rPr>
+                        <a:t>num_stacked_layers : 1 </a:t>
+                      </a:r>
+                      <a:endParaRPr lang="en-US" sz="1000" kern="0" spc="0">
+                        <a:solidFill>
+                          <a:srgbClr val="000000"/>
+                        </a:solidFill>
+                        <a:effectLst/>
+                      </a:endParaRPr>
+                    </a:p>
+                  </a:txBody>
+                  <a:tcPr marL="64770" marR="64770" marT="17907" marB="17907" anchor="ctr">
+                    <a:lnL w="3556" cap="flat" cmpd="sng" algn="ctr">
+                      <a:solidFill>
+                        <a:srgbClr val="000000"/>
+                      </a:solidFill>
+                      <a:prstDash val="solid"/>
+                      <a:round/>
+                      <a:headEnd type="none" w="med" len="med"/>
+                      <a:tailEnd type="none" w="med" len="med"/>
+                    </a:lnL>
+                    <a:lnR w="3556" cap="flat" cmpd="sng" algn="ctr">
+                      <a:solidFill>
+                        <a:srgbClr val="000000"/>
+                      </a:solidFill>
+                      <a:prstDash val="solid"/>
+                      <a:round/>
+                      <a:headEnd type="none" w="med" len="med"/>
+                      <a:tailEnd type="none" w="med" len="med"/>
+                    </a:lnR>
+                    <a:lnT w="3556" cap="flat" cmpd="sng" algn="ctr">
+                      <a:solidFill>
+                        <a:srgbClr val="000000"/>
+                      </a:solidFill>
+                      <a:prstDash val="solid"/>
+                      <a:round/>
+                      <a:headEnd type="none" w="med" len="med"/>
+                      <a:tailEnd type="none" w="med" len="med"/>
+                    </a:lnT>
+                    <a:lnB w="3556" cap="flat" cmpd="sng" algn="ctr">
+                      <a:solidFill>
+                        <a:srgbClr val="000000"/>
+                      </a:solidFill>
+                      <a:prstDash val="solid"/>
+                      <a:round/>
+                      <a:headEnd type="none" w="med" len="med"/>
+                      <a:tailEnd type="none" w="med" len="med"/>
+                    </a:lnB>
+                  </a:tcPr>
+                </a:tc>
+                <a:tc>
+                  <a:txBody>
+                    <a:bodyPr/>
+                    <a:lstStyle/>
+                    <a:p>
+                      <a:pPr marL="0" marR="0" indent="0" algn="l" fontAlgn="base" latinLnBrk="0">
+                        <a:lnSpc>
+                          <a:spcPct val="160000"/>
+                        </a:lnSpc>
+                        <a:spcBef>
+                          <a:spcPts val="0"/>
+                        </a:spcBef>
+                        <a:spcAft>
+                          <a:spcPts val="0"/>
+                        </a:spcAft>
+                      </a:pPr>
+                      <a:r>
+                        <a:rPr lang="en-US" sz="1200" kern="0" spc="0">
+                          <a:solidFill>
+                            <a:srgbClr val="000000"/>
+                          </a:solidFill>
+                          <a:effectLst/>
+                          <a:latin typeface="함초롬바탕"/>
+                        </a:rPr>
+                        <a:t>stacked LSTM layers </a:t>
+                      </a:r>
+                      <a:r>
+                        <a:rPr lang="ko-KR" altLang="en-US" sz="1200" kern="0" spc="0">
+                          <a:solidFill>
+                            <a:srgbClr val="000000"/>
+                          </a:solidFill>
+                          <a:effectLst/>
+                          <a:ea typeface="함초롬바탕"/>
+                        </a:rPr>
+                        <a:t>개수</a:t>
+                      </a:r>
+                      <a:endParaRPr lang="ko-KR" altLang="en-US" sz="1000" kern="0" spc="0">
+                        <a:solidFill>
+                          <a:srgbClr val="000000"/>
+                        </a:solidFill>
+                        <a:effectLst/>
+                      </a:endParaRPr>
+                    </a:p>
+                  </a:txBody>
+                  <a:tcPr marL="64770" marR="64770" marT="17907" marB="17907" anchor="ctr">
+                    <a:lnL w="3556" cap="flat" cmpd="sng" algn="ctr">
+                      <a:solidFill>
+                        <a:srgbClr val="000000"/>
+                      </a:solidFill>
+                      <a:prstDash val="solid"/>
+                      <a:round/>
+                      <a:headEnd type="none" w="med" len="med"/>
+                      <a:tailEnd type="none" w="med" len="med"/>
+                    </a:lnL>
+                    <a:lnR w="3556" cap="flat" cmpd="sng" algn="ctr">
+                      <a:solidFill>
+                        <a:srgbClr val="000000"/>
+                      </a:solidFill>
+                      <a:prstDash val="solid"/>
+                      <a:round/>
+                      <a:headEnd type="none" w="med" len="med"/>
+                      <a:tailEnd type="none" w="med" len="med"/>
+                    </a:lnR>
+                    <a:lnT w="3556" cap="flat" cmpd="sng" algn="ctr">
+                      <a:solidFill>
+                        <a:srgbClr val="000000"/>
+                      </a:solidFill>
+                      <a:prstDash val="solid"/>
+                      <a:round/>
+                      <a:headEnd type="none" w="med" len="med"/>
+                      <a:tailEnd type="none" w="med" len="med"/>
+                    </a:lnT>
+                    <a:lnB w="3556" cap="flat" cmpd="sng" algn="ctr">
+                      <a:solidFill>
+                        <a:srgbClr val="000000"/>
+                      </a:solidFill>
+                      <a:prstDash val="solid"/>
+                      <a:round/>
+                      <a:headEnd type="none" w="med" len="med"/>
+                      <a:tailEnd type="none" w="med" len="med"/>
+                    </a:lnB>
+                  </a:tcPr>
+                </a:tc>
+              </a:tr>
+              <a:tr h="0">
+                <a:tc>
+                  <a:txBody>
+                    <a:bodyPr/>
+                    <a:lstStyle/>
+                    <a:p>
+                      <a:pPr marL="0" marR="0" indent="0" algn="l" fontAlgn="base" latinLnBrk="0">
+                        <a:lnSpc>
+                          <a:spcPct val="160000"/>
+                        </a:lnSpc>
+                        <a:spcBef>
+                          <a:spcPts val="0"/>
+                        </a:spcBef>
+                        <a:spcAft>
+                          <a:spcPts val="0"/>
+                        </a:spcAft>
+                      </a:pPr>
+                      <a:r>
+                        <a:rPr lang="en-US" sz="1200" kern="0" spc="0">
+                          <a:solidFill>
+                            <a:srgbClr val="000000"/>
+                          </a:solidFill>
+                          <a:effectLst/>
+                          <a:latin typeface="함초롬바탕"/>
+                        </a:rPr>
+                        <a:t>keep_prob: 1 </a:t>
+                      </a:r>
+                      <a:endParaRPr lang="en-US" sz="1000" kern="0" spc="0">
+                        <a:solidFill>
+                          <a:srgbClr val="000000"/>
+                        </a:solidFill>
+                        <a:effectLst/>
+                      </a:endParaRPr>
+                    </a:p>
+                  </a:txBody>
+                  <a:tcPr marL="64770" marR="64770" marT="17907" marB="17907" anchor="ctr">
+                    <a:lnL w="3556" cap="flat" cmpd="sng" algn="ctr">
+                      <a:solidFill>
+                        <a:srgbClr val="000000"/>
+                      </a:solidFill>
+                      <a:prstDash val="solid"/>
+                      <a:round/>
+                      <a:headEnd type="none" w="med" len="med"/>
+                      <a:tailEnd type="none" w="med" len="med"/>
+                    </a:lnL>
+                    <a:lnR w="3556" cap="flat" cmpd="sng" algn="ctr">
+                      <a:solidFill>
+                        <a:srgbClr val="000000"/>
+                      </a:solidFill>
+                      <a:prstDash val="solid"/>
+                      <a:round/>
+                      <a:headEnd type="none" w="med" len="med"/>
+                      <a:tailEnd type="none" w="med" len="med"/>
+                    </a:lnR>
+                    <a:lnT w="3556" cap="flat" cmpd="sng" algn="ctr">
+                      <a:solidFill>
+                        <a:srgbClr val="000000"/>
+                      </a:solidFill>
+                      <a:prstDash val="solid"/>
+                      <a:round/>
+                      <a:headEnd type="none" w="med" len="med"/>
+                      <a:tailEnd type="none" w="med" len="med"/>
+                    </a:lnT>
+                    <a:lnB w="3556" cap="flat" cmpd="sng" algn="ctr">
+                      <a:solidFill>
+                        <a:srgbClr val="000000"/>
+                      </a:solidFill>
+                      <a:prstDash val="solid"/>
+                      <a:round/>
+                      <a:headEnd type="none" w="med" len="med"/>
+                      <a:tailEnd type="none" w="med" len="med"/>
+                    </a:lnB>
+                  </a:tcPr>
+                </a:tc>
+                <a:tc>
+                  <a:txBody>
+                    <a:bodyPr/>
+                    <a:lstStyle/>
+                    <a:p>
+                      <a:pPr marL="0" marR="0" indent="0" algn="l" fontAlgn="base" latinLnBrk="0">
+                        <a:lnSpc>
+                          <a:spcPct val="160000"/>
+                        </a:lnSpc>
+                        <a:spcBef>
+                          <a:spcPts val="0"/>
+                        </a:spcBef>
+                        <a:spcAft>
+                          <a:spcPts val="0"/>
+                        </a:spcAft>
+                      </a:pPr>
+                      <a:r>
+                        <a:rPr lang="en-US" altLang="ko-KR" sz="1200" kern="0" spc="0">
+                          <a:solidFill>
+                            <a:srgbClr val="000000"/>
+                          </a:solidFill>
+                          <a:effectLst/>
+                          <a:latin typeface="함초롬바탕"/>
+                        </a:rPr>
+                        <a:t>dropout </a:t>
+                      </a:r>
+                      <a:r>
+                        <a:rPr lang="ko-KR" altLang="en-US" sz="1200" kern="0" spc="0">
+                          <a:solidFill>
+                            <a:srgbClr val="000000"/>
+                          </a:solidFill>
+                          <a:effectLst/>
+                          <a:ea typeface="함초롬바탕"/>
+                        </a:rPr>
+                        <a:t>할 때 </a:t>
+                      </a:r>
+                      <a:r>
+                        <a:rPr lang="en-US" altLang="ko-KR" sz="1200" kern="0" spc="0">
+                          <a:solidFill>
+                            <a:srgbClr val="000000"/>
+                          </a:solidFill>
+                          <a:effectLst/>
+                          <a:latin typeface="함초롬바탕"/>
+                        </a:rPr>
+                        <a:t>keep</a:t>
+                      </a:r>
+                      <a:r>
+                        <a:rPr lang="ko-KR" altLang="en-US" sz="1200" kern="0" spc="0">
+                          <a:solidFill>
+                            <a:srgbClr val="000000"/>
+                          </a:solidFill>
+                          <a:effectLst/>
+                          <a:ea typeface="함초롬바탕"/>
+                        </a:rPr>
+                        <a:t>할 비율</a:t>
+                      </a:r>
+                      <a:endParaRPr lang="ko-KR" altLang="en-US" sz="1000" kern="0" spc="0">
+                        <a:solidFill>
+                          <a:srgbClr val="000000"/>
+                        </a:solidFill>
+                        <a:effectLst/>
+                      </a:endParaRPr>
+                    </a:p>
+                  </a:txBody>
+                  <a:tcPr marL="64770" marR="64770" marT="17907" marB="17907" anchor="ctr">
+                    <a:lnL w="3556" cap="flat" cmpd="sng" algn="ctr">
+                      <a:solidFill>
+                        <a:srgbClr val="000000"/>
+                      </a:solidFill>
+                      <a:prstDash val="solid"/>
+                      <a:round/>
+                      <a:headEnd type="none" w="med" len="med"/>
+                      <a:tailEnd type="none" w="med" len="med"/>
+                    </a:lnL>
+                    <a:lnR w="3556" cap="flat" cmpd="sng" algn="ctr">
+                      <a:solidFill>
+                        <a:srgbClr val="000000"/>
+                      </a:solidFill>
+                      <a:prstDash val="solid"/>
+                      <a:round/>
+                      <a:headEnd type="none" w="med" len="med"/>
+                      <a:tailEnd type="none" w="med" len="med"/>
+                    </a:lnR>
+                    <a:lnT w="3556" cap="flat" cmpd="sng" algn="ctr">
+                      <a:solidFill>
+                        <a:srgbClr val="000000"/>
+                      </a:solidFill>
+                      <a:prstDash val="solid"/>
+                      <a:round/>
+                      <a:headEnd type="none" w="med" len="med"/>
+                      <a:tailEnd type="none" w="med" len="med"/>
+                    </a:lnT>
+                    <a:lnB w="3556" cap="flat" cmpd="sng" algn="ctr">
+                      <a:solidFill>
+                        <a:srgbClr val="000000"/>
+                      </a:solidFill>
+                      <a:prstDash val="solid"/>
+                      <a:round/>
+                      <a:headEnd type="none" w="med" len="med"/>
+                      <a:tailEnd type="none" w="med" len="med"/>
+                    </a:lnB>
+                  </a:tcPr>
+                </a:tc>
+              </a:tr>
+              <a:tr h="0">
+                <a:tc>
+                  <a:txBody>
+                    <a:bodyPr/>
+                    <a:lstStyle/>
+                    <a:p>
+                      <a:pPr marL="0" marR="0" indent="0" algn="l" fontAlgn="base" latinLnBrk="0">
+                        <a:lnSpc>
+                          <a:spcPct val="160000"/>
+                        </a:lnSpc>
+                        <a:spcBef>
+                          <a:spcPts val="0"/>
+                        </a:spcBef>
+                        <a:spcAft>
+                          <a:spcPts val="0"/>
+                        </a:spcAft>
+                      </a:pPr>
+                      <a:r>
+                        <a:rPr lang="en-US" sz="1200" kern="0" spc="0">
+                          <a:solidFill>
+                            <a:srgbClr val="000000"/>
+                          </a:solidFill>
+                          <a:effectLst/>
+                          <a:latin typeface="함초롬바탕"/>
+                        </a:rPr>
+                        <a:t>epoch_num : 1000</a:t>
+                      </a:r>
+                      <a:endParaRPr lang="en-US" sz="1000" kern="0" spc="0">
+                        <a:solidFill>
+                          <a:srgbClr val="000000"/>
+                        </a:solidFill>
+                        <a:effectLst/>
+                      </a:endParaRPr>
+                    </a:p>
+                  </a:txBody>
+                  <a:tcPr marL="64770" marR="64770" marT="17907" marB="17907" anchor="ctr">
+                    <a:lnL w="3556" cap="flat" cmpd="sng" algn="ctr">
+                      <a:solidFill>
+                        <a:srgbClr val="000000"/>
+                      </a:solidFill>
+                      <a:prstDash val="solid"/>
+                      <a:round/>
+                      <a:headEnd type="none" w="med" len="med"/>
+                      <a:tailEnd type="none" w="med" len="med"/>
+                    </a:lnL>
+                    <a:lnR w="3556" cap="flat" cmpd="sng" algn="ctr">
+                      <a:solidFill>
+                        <a:srgbClr val="000000"/>
+                      </a:solidFill>
+                      <a:prstDash val="solid"/>
+                      <a:round/>
+                      <a:headEnd type="none" w="med" len="med"/>
+                      <a:tailEnd type="none" w="med" len="med"/>
+                    </a:lnR>
+                    <a:lnT w="3556" cap="flat" cmpd="sng" algn="ctr">
+                      <a:solidFill>
+                        <a:srgbClr val="000000"/>
+                      </a:solidFill>
+                      <a:prstDash val="solid"/>
+                      <a:round/>
+                      <a:headEnd type="none" w="med" len="med"/>
+                      <a:tailEnd type="none" w="med" len="med"/>
+                    </a:lnT>
+                    <a:lnB w="3556" cap="flat" cmpd="sng" algn="ctr">
+                      <a:solidFill>
+                        <a:srgbClr val="000000"/>
+                      </a:solidFill>
+                      <a:prstDash val="solid"/>
+                      <a:round/>
+                      <a:headEnd type="none" w="med" len="med"/>
+                      <a:tailEnd type="none" w="med" len="med"/>
+                    </a:lnB>
+                  </a:tcPr>
+                </a:tc>
+                <a:tc>
+                  <a:txBody>
+                    <a:bodyPr/>
+                    <a:lstStyle/>
+                    <a:p>
+                      <a:pPr marL="0" marR="0" indent="0" algn="l" fontAlgn="base" latinLnBrk="0">
+                        <a:lnSpc>
+                          <a:spcPct val="160000"/>
+                        </a:lnSpc>
+                        <a:spcBef>
+                          <a:spcPts val="0"/>
+                        </a:spcBef>
+                        <a:spcAft>
+                          <a:spcPts val="0"/>
+                        </a:spcAft>
+                      </a:pPr>
+                      <a:r>
+                        <a:rPr lang="ko-KR" altLang="en-US" sz="1200" kern="0" spc="0">
+                          <a:solidFill>
+                            <a:srgbClr val="000000"/>
+                          </a:solidFill>
+                          <a:effectLst/>
+                          <a:ea typeface="함초롬바탕"/>
+                        </a:rPr>
+                        <a:t>에폭 횟수</a:t>
+                      </a:r>
+                      <a:endParaRPr lang="ko-KR" altLang="en-US" sz="1000" kern="0" spc="0">
+                        <a:solidFill>
+                          <a:srgbClr val="000000"/>
+                        </a:solidFill>
+                        <a:effectLst/>
+                      </a:endParaRPr>
+                    </a:p>
+                  </a:txBody>
+                  <a:tcPr marL="64770" marR="64770" marT="17907" marB="17907" anchor="ctr">
+                    <a:lnL w="3556" cap="flat" cmpd="sng" algn="ctr">
+                      <a:solidFill>
+                        <a:srgbClr val="000000"/>
+                      </a:solidFill>
+                      <a:prstDash val="solid"/>
+                      <a:round/>
+                      <a:headEnd type="none" w="med" len="med"/>
+                      <a:tailEnd type="none" w="med" len="med"/>
+                    </a:lnL>
+                    <a:lnR w="3556" cap="flat" cmpd="sng" algn="ctr">
+                      <a:solidFill>
+                        <a:srgbClr val="000000"/>
+                      </a:solidFill>
+                      <a:prstDash val="solid"/>
+                      <a:round/>
+                      <a:headEnd type="none" w="med" len="med"/>
+                      <a:tailEnd type="none" w="med" len="med"/>
+                    </a:lnR>
+                    <a:lnT w="3556" cap="flat" cmpd="sng" algn="ctr">
+                      <a:solidFill>
+                        <a:srgbClr val="000000"/>
+                      </a:solidFill>
+                      <a:prstDash val="solid"/>
+                      <a:round/>
+                      <a:headEnd type="none" w="med" len="med"/>
+                      <a:tailEnd type="none" w="med" len="med"/>
+                    </a:lnT>
+                    <a:lnB w="3556" cap="flat" cmpd="sng" algn="ctr">
+                      <a:solidFill>
+                        <a:srgbClr val="000000"/>
+                      </a:solidFill>
+                      <a:prstDash val="solid"/>
+                      <a:round/>
+                      <a:headEnd type="none" w="med" len="med"/>
+                      <a:tailEnd type="none" w="med" len="med"/>
+                    </a:lnB>
+                  </a:tcPr>
+                </a:tc>
+              </a:tr>
+              <a:tr h="0">
+                <a:tc>
+                  <a:txBody>
+                    <a:bodyPr/>
+                    <a:lstStyle/>
+                    <a:p>
+                      <a:pPr marL="0" marR="0" indent="0" algn="l" fontAlgn="base" latinLnBrk="0">
+                        <a:lnSpc>
+                          <a:spcPct val="160000"/>
+                        </a:lnSpc>
+                        <a:spcBef>
+                          <a:spcPts val="0"/>
+                        </a:spcBef>
+                        <a:spcAft>
+                          <a:spcPts val="0"/>
+                        </a:spcAft>
+                      </a:pPr>
+                      <a:r>
+                        <a:rPr lang="en-US" sz="1200" kern="0" spc="0">
+                          <a:solidFill>
+                            <a:srgbClr val="000000"/>
+                          </a:solidFill>
+                          <a:effectLst/>
+                          <a:latin typeface="함초롬바탕"/>
+                        </a:rPr>
+                        <a:t>learning_rate : 0.01</a:t>
+                      </a:r>
+                      <a:endParaRPr lang="en-US" sz="1000" kern="0" spc="0">
+                        <a:solidFill>
+                          <a:srgbClr val="000000"/>
+                        </a:solidFill>
+                        <a:effectLst/>
+                      </a:endParaRPr>
+                    </a:p>
+                  </a:txBody>
+                  <a:tcPr marL="64770" marR="64770" marT="17907" marB="17907" anchor="ctr">
+                    <a:lnL w="3556" cap="flat" cmpd="sng" algn="ctr">
+                      <a:solidFill>
+                        <a:srgbClr val="000000"/>
+                      </a:solidFill>
+                      <a:prstDash val="solid"/>
+                      <a:round/>
+                      <a:headEnd type="none" w="med" len="med"/>
+                      <a:tailEnd type="none" w="med" len="med"/>
+                    </a:lnL>
+                    <a:lnR w="3556" cap="flat" cmpd="sng" algn="ctr">
+                      <a:solidFill>
+                        <a:srgbClr val="000000"/>
+                      </a:solidFill>
+                      <a:prstDash val="solid"/>
+                      <a:round/>
+                      <a:headEnd type="none" w="med" len="med"/>
+                      <a:tailEnd type="none" w="med" len="med"/>
+                    </a:lnR>
+                    <a:lnT w="3556" cap="flat" cmpd="sng" algn="ctr">
+                      <a:solidFill>
+                        <a:srgbClr val="000000"/>
+                      </a:solidFill>
+                      <a:prstDash val="solid"/>
+                      <a:round/>
+                      <a:headEnd type="none" w="med" len="med"/>
+                      <a:tailEnd type="none" w="med" len="med"/>
+                    </a:lnT>
+                    <a:lnB w="3556" cap="flat" cmpd="sng" algn="ctr">
+                      <a:solidFill>
+                        <a:srgbClr val="000000"/>
+                      </a:solidFill>
+                      <a:prstDash val="solid"/>
+                      <a:round/>
+                      <a:headEnd type="none" w="med" len="med"/>
+                      <a:tailEnd type="none" w="med" len="med"/>
+                    </a:lnB>
+                  </a:tcPr>
+                </a:tc>
+                <a:tc>
+                  <a:txBody>
+                    <a:bodyPr/>
+                    <a:lstStyle/>
+                    <a:p>
+                      <a:pPr marL="0" marR="0" indent="0" algn="l" fontAlgn="base" latinLnBrk="0">
+                        <a:lnSpc>
+                          <a:spcPct val="160000"/>
+                        </a:lnSpc>
+                        <a:spcBef>
+                          <a:spcPts val="0"/>
+                        </a:spcBef>
+                        <a:spcAft>
+                          <a:spcPts val="0"/>
+                        </a:spcAft>
+                      </a:pPr>
+                      <a:r>
+                        <a:rPr lang="ko-KR" altLang="en-US" sz="1200" kern="0" spc="0" dirty="0" err="1">
+                          <a:solidFill>
+                            <a:srgbClr val="000000"/>
+                          </a:solidFill>
+                          <a:effectLst/>
+                          <a:ea typeface="함초롬바탕"/>
+                        </a:rPr>
+                        <a:t>학습률</a:t>
+                      </a:r>
+                      <a:endParaRPr lang="ko-KR" altLang="en-US" sz="1000" kern="0" spc="0" dirty="0">
+                        <a:solidFill>
+                          <a:srgbClr val="000000"/>
+                        </a:solidFill>
+                        <a:effectLst/>
+                      </a:endParaRPr>
+                    </a:p>
+                  </a:txBody>
+                  <a:tcPr marL="64770" marR="64770" marT="17907" marB="17907" anchor="ctr">
+                    <a:lnL w="3556" cap="flat" cmpd="sng" algn="ctr">
+                      <a:solidFill>
+                        <a:srgbClr val="000000"/>
+                      </a:solidFill>
+                      <a:prstDash val="solid"/>
+                      <a:round/>
+                      <a:headEnd type="none" w="med" len="med"/>
+                      <a:tailEnd type="none" w="med" len="med"/>
+                    </a:lnL>
+                    <a:lnR w="3556" cap="flat" cmpd="sng" algn="ctr">
+                      <a:solidFill>
+                        <a:srgbClr val="000000"/>
+                      </a:solidFill>
+                      <a:prstDash val="solid"/>
+                      <a:round/>
+                      <a:headEnd type="none" w="med" len="med"/>
+                      <a:tailEnd type="none" w="med" len="med"/>
+                    </a:lnR>
+                    <a:lnT w="3556" cap="flat" cmpd="sng" algn="ctr">
+                      <a:solidFill>
+                        <a:srgbClr val="000000"/>
+                      </a:solidFill>
+                      <a:prstDash val="solid"/>
+                      <a:round/>
+                      <a:headEnd type="none" w="med" len="med"/>
+                      <a:tailEnd type="none" w="med" len="med"/>
+                    </a:lnT>
+                    <a:lnB w="3556" cap="flat" cmpd="sng" algn="ctr">
+                      <a:solidFill>
+                        <a:srgbClr val="000000"/>
+                      </a:solidFill>
+                      <a:prstDash val="solid"/>
+                      <a:round/>
+                      <a:headEnd type="none" w="med" len="med"/>
+                      <a:tailEnd type="none" w="med" len="med"/>
+                    </a:lnB>
+                  </a:tcPr>
+                </a:tc>
+              </a:tr>
+            </a:tbl>
+          </a:graphicData>
+        </a:graphic>
+      </p:graphicFrame>
+      <p:sp>
+        <p:nvSpPr>
+          <p:cNvPr id="5" name="Rectangle 1"/>
+          <p:cNvSpPr>
+            <a:spLocks noChangeArrowheads="1"/>
+          </p:cNvSpPr>
+          <p:nvPr/>
+        </p:nvSpPr>
+        <p:spPr bwMode="auto">
+          <a:xfrm>
+            <a:off x="1908175" y="2524125"/>
+            <a:ext cx="9144000" cy="457200"/>
+          </a:xfrm>
+          <a:prstGeom prst="rect">
+            <a:avLst/>
+          </a:prstGeom>
+          <a:noFill/>
+          <a:ln>
+            <a:noFill/>
+          </a:ln>
+          <a:effectLst/>
+          <a:extLst>
+            <a:ext uri="{909E8E84-426E-40DD-AFC4-6F175D3DCCD1}">
+              <a14:hiddenFill xmlns:a14="http://schemas.microsoft.com/office/drawing/2010/main">
+                <a:solidFill>
+                  <a:schemeClr val="accent1"/>
+                </a:solidFill>
+              </a14:hiddenFill>
+            </a:ext>
+            <a:ext uri="{91240B29-F687-4F45-9708-019B960494DF}">
+              <a14:hiddenLine xmlns:a14="http://schemas.microsoft.com/office/drawing/2010/main" w="9525">
+                <a:solidFill>
+                  <a:schemeClr val="tx1"/>
+                </a:solidFill>
+                <a:miter lim="800000"/>
+                <a:headEnd/>
+                <a:tailEnd/>
+              </a14:hiddenLine>
+            </a:ext>
+            <a:ext uri="{AF507438-7753-43E0-B8FC-AC1667EBCBE1}">
+              <a14:hiddenEffects xmlns:a14="http://schemas.microsoft.com/office/drawing/2010/main">
+                <a:effectLst>
+                  <a:outerShdw dist="35921" dir="2700000" algn="ctr" rotWithShape="0">
+                    <a:schemeClr val="bg2"/>
+                  </a:outerShdw>
+                </a:effectLst>
+              </a14:hiddenEffects>
+            </a:ext>
+          </a:extLst>
+        </p:spPr>
+        <p:txBody>
+          <a:bodyPr vert="horz" wrap="none" lIns="91440" tIns="45720" rIns="91440" bIns="45720" numCol="1" anchor="ctr" anchorCtr="0" compatLnSpc="1">
+            <a:prstTxWarp prst="textNoShape">
+              <a:avLst/>
+            </a:prstTxWarp>
+            <a:spAutoFit/>
+          </a:bodyPr>
+          <a:lstStyle/>
+          <a:p>
+            <a:endParaRPr lang="ko-KR" altLang="en-US"/>
+          </a:p>
+        </p:txBody>
+      </p:sp>
+      <p:sp>
+        <p:nvSpPr>
+          <p:cNvPr id="6" name="직사각형 5"/>
+          <p:cNvSpPr/>
+          <p:nvPr/>
+        </p:nvSpPr>
+        <p:spPr>
+          <a:xfrm>
+            <a:off x="101939" y="440174"/>
+            <a:ext cx="1696298" cy="369332"/>
+          </a:xfrm>
+          <a:prstGeom prst="rect">
+            <a:avLst/>
+          </a:prstGeom>
+        </p:spPr>
+        <p:txBody>
+          <a:bodyPr wrap="none">
+            <a:spAutoFit/>
+          </a:bodyPr>
+          <a:lstStyle/>
+          <a:p>
+            <a:r>
+              <a:rPr lang="en-US" altLang="ko-KR" b="1" dirty="0"/>
+              <a:t>9. </a:t>
+            </a:r>
+            <a:r>
+              <a:rPr lang="ko-KR" altLang="en-US" b="1" dirty="0"/>
+              <a:t>분석 </a:t>
+            </a:r>
+            <a:r>
+              <a:rPr lang="ko-KR" altLang="en-US" b="1" dirty="0" err="1"/>
+              <a:t>레이어</a:t>
+            </a:r>
+            <a:endParaRPr lang="ko-KR" altLang="en-US" dirty="0"/>
+          </a:p>
+        </p:txBody>
+      </p:sp>
+      <p:sp>
+        <p:nvSpPr>
+          <p:cNvPr id="7" name="직사각형 6"/>
+          <p:cNvSpPr/>
+          <p:nvPr/>
+        </p:nvSpPr>
+        <p:spPr>
+          <a:xfrm>
+            <a:off x="199207" y="1045420"/>
+            <a:ext cx="2834430" cy="369332"/>
+          </a:xfrm>
+          <a:prstGeom prst="rect">
+            <a:avLst/>
+          </a:prstGeom>
+        </p:spPr>
+        <p:txBody>
+          <a:bodyPr wrap="none">
+            <a:spAutoFit/>
+          </a:bodyPr>
+          <a:lstStyle/>
+          <a:p>
+            <a:r>
+              <a:rPr lang="en-US" altLang="ko-KR" b="1" dirty="0" smtClean="0"/>
+              <a:t>9.2 </a:t>
+            </a:r>
+            <a:r>
+              <a:rPr lang="ko-KR" altLang="en-US" b="1" dirty="0" smtClean="0"/>
+              <a:t>일일 전력소비량 예측</a:t>
+            </a:r>
+            <a:endParaRPr lang="ko-KR" altLang="en-US" dirty="0"/>
+          </a:p>
+        </p:txBody>
+      </p:sp>
+      <p:sp>
+        <p:nvSpPr>
+          <p:cNvPr id="8" name="직사각형 7"/>
+          <p:cNvSpPr/>
+          <p:nvPr/>
+        </p:nvSpPr>
+        <p:spPr>
+          <a:xfrm>
+            <a:off x="199207" y="1476897"/>
+            <a:ext cx="7994882" cy="369332"/>
+          </a:xfrm>
+          <a:prstGeom prst="rect">
+            <a:avLst/>
+          </a:prstGeom>
+        </p:spPr>
+        <p:txBody>
+          <a:bodyPr wrap="square">
+            <a:spAutoFit/>
+          </a:bodyPr>
+          <a:lstStyle/>
+          <a:p>
+            <a:r>
+              <a:rPr lang="en-US" altLang="ko-KR" dirty="0" smtClean="0"/>
+              <a:t> LSTM</a:t>
+            </a:r>
+            <a:r>
+              <a:rPr lang="ko-KR" altLang="en-US" dirty="0" smtClean="0"/>
+              <a:t>의 </a:t>
+            </a:r>
+            <a:r>
+              <a:rPr lang="ko-KR" altLang="en-US" dirty="0" err="1" smtClean="0"/>
+              <a:t>하이퍼파라미터</a:t>
+            </a:r>
+            <a:endParaRPr lang="ko-KR" altLang="en-US" dirty="0"/>
+          </a:p>
+        </p:txBody>
+      </p:sp>
+    </p:spTree>
+    <p:extLst>
+      <p:ext uri="{BB962C8B-B14F-4D97-AF65-F5344CB8AC3E}">
+        <p14:creationId xmlns:p14="http://schemas.microsoft.com/office/powerpoint/2010/main" val="2536684385"/>
+      </p:ext>
+    </p:extLst>
+  </p:cSld>
+  <p:clrMapOvr>
+    <a:masterClrMapping/>
+  </p:clrMapOvr>
+  <p:timing>
+    <p:tnLst>
+      <p:par>
+        <p:cTn id="1" dur="indefinite" restart="never" nodeType="tmRoot"/>
+      </p:par>
+    </p:tnLst>
+  </p:timing>
+</p:sld>
+</file>
+
+<file path=ppt/slides/slide11.xml><?xml version="1.0" encoding="utf-8"?>
 <p:sld xmlns:a="http://schemas.openxmlformats.org/drawingml/2006/main" xmlns:r="http://schemas.openxmlformats.org/officeDocument/2006/relationships" xmlns:p="http://schemas.openxmlformats.org/presentationml/2006/main">
   <p:cSld>
     <p:spTree>
@@ -3168,7 +5333,7 @@
       </p:grpSpPr>
       <p:pic>
         <p:nvPicPr>
-          <p:cNvPr id="2050" name="Picture 2" descr="https://lh6.googleusercontent.com/vKH0A4qbsbesizBNESH7BEqj7ZvbYry9SMoC-bWUY3PDoK3ctQngR75I6ST4V9pnsjOHusrzi7dEL-sPh31xBMUCXZu-1Yz1343U4Ydz6-eA2jpEp9i4R_HNBtg-7LCCxBDMOi19"/>
+          <p:cNvPr id="9222" name="Picture 6" descr="https://lh5.googleusercontent.com/aFWj-OFEUkxCcwpK7MAVHdBq4KQxSttnpIilcGJTJ25R6ZfbYbC92smKYfYOb-aSD44ajqP6sfKTIt35PsVqY6qyzD8soJGk1I2GWTa1_cxIduBrKu1fVED53dDZWi6hPtjxtr9D"/>
           <p:cNvPicPr>
             <a:picLocks noChangeAspect="1" noChangeArrowheads="1"/>
           </p:cNvPicPr>
@@ -3189,8 +5354,119 @@
         </p:blipFill>
         <p:spPr bwMode="auto">
           <a:xfrm>
-            <a:off x="146217" y="334879"/>
-            <a:ext cx="5943600" cy="3895725"/>
+            <a:off x="4698454" y="2759649"/>
+            <a:ext cx="3574689" cy="2737146"/>
+          </a:xfrm>
+          <a:prstGeom prst="rect">
+            <a:avLst/>
+          </a:prstGeom>
+          <a:noFill/>
+          <a:extLst>
+            <a:ext uri="{909E8E84-426E-40DD-AFC4-6F175D3DCCD1}">
+              <a14:hiddenFill xmlns:a14="http://schemas.microsoft.com/office/drawing/2010/main">
+                <a:solidFill>
+                  <a:srgbClr val="FFFFFF"/>
+                </a:solidFill>
+              </a14:hiddenFill>
+            </a:ext>
+          </a:extLst>
+        </p:spPr>
+      </p:pic>
+      <p:sp>
+        <p:nvSpPr>
+          <p:cNvPr id="7" name="직사각형 6"/>
+          <p:cNvSpPr/>
+          <p:nvPr/>
+        </p:nvSpPr>
+        <p:spPr>
+          <a:xfrm>
+            <a:off x="101939" y="440174"/>
+            <a:ext cx="1696298" cy="369332"/>
+          </a:xfrm>
+          <a:prstGeom prst="rect">
+            <a:avLst/>
+          </a:prstGeom>
+        </p:spPr>
+        <p:txBody>
+          <a:bodyPr wrap="none">
+            <a:spAutoFit/>
+          </a:bodyPr>
+          <a:lstStyle/>
+          <a:p>
+            <a:r>
+              <a:rPr lang="en-US" altLang="ko-KR" b="1" dirty="0"/>
+              <a:t>9. </a:t>
+            </a:r>
+            <a:r>
+              <a:rPr lang="ko-KR" altLang="en-US" b="1" dirty="0"/>
+              <a:t>분석 </a:t>
+            </a:r>
+            <a:r>
+              <a:rPr lang="ko-KR" altLang="en-US" b="1" dirty="0" err="1"/>
+              <a:t>레이어</a:t>
+            </a:r>
+            <a:endParaRPr lang="ko-KR" altLang="en-US" dirty="0"/>
+          </a:p>
+        </p:txBody>
+      </p:sp>
+      <p:sp>
+        <p:nvSpPr>
+          <p:cNvPr id="8" name="직사각형 7"/>
+          <p:cNvSpPr/>
+          <p:nvPr/>
+        </p:nvSpPr>
+        <p:spPr>
+          <a:xfrm>
+            <a:off x="199207" y="1045420"/>
+            <a:ext cx="2834430" cy="369332"/>
+          </a:xfrm>
+          <a:prstGeom prst="rect">
+            <a:avLst/>
+          </a:prstGeom>
+        </p:spPr>
+        <p:txBody>
+          <a:bodyPr wrap="none">
+            <a:spAutoFit/>
+          </a:bodyPr>
+          <a:lstStyle/>
+          <a:p>
+            <a:r>
+              <a:rPr lang="en-US" altLang="ko-KR" b="1" dirty="0" smtClean="0"/>
+              <a:t>9.2 </a:t>
+            </a:r>
+            <a:r>
+              <a:rPr lang="ko-KR" altLang="en-US" b="1" dirty="0" smtClean="0"/>
+              <a:t>일일 전력소비량 예측</a:t>
+            </a:r>
+            <a:endParaRPr lang="ko-KR" altLang="en-US" dirty="0"/>
+          </a:p>
+        </p:txBody>
+      </p:sp>
+      <p:pic>
+        <p:nvPicPr>
+          <p:cNvPr id="9223" name="Picture 7" descr="D:\Heechul\BigData_Project\Graph\lstm2.png"/>
+          <p:cNvPicPr>
+            <a:picLocks noChangeAspect="1" noChangeArrowheads="1"/>
+          </p:cNvPicPr>
+          <p:nvPr/>
+        </p:nvPicPr>
+        <p:blipFill>
+          <a:blip r:embed="rId3">
+            <a:extLst>
+              <a:ext uri="{28A0092B-C50C-407E-A947-70E740481C1C}">
+                <a14:useLocalDpi xmlns:a14="http://schemas.microsoft.com/office/drawing/2010/main" val="0"/>
+              </a:ext>
+            </a:extLst>
+          </a:blip>
+          <a:srcRect/>
+          <a:stretch>
+            <a:fillRect/>
+          </a:stretch>
+        </p:blipFill>
+        <p:spPr bwMode="auto">
+          <a:xfrm>
+            <a:off x="304601" y="2807955"/>
+            <a:ext cx="3675885" cy="2751429"/>
           </a:xfrm>
           <a:prstGeom prst="rect">
             <a:avLst/>
@@ -3209,6 +5485,269 @@
       </p:pic>
       <p:pic>
         <p:nvPicPr>
+          <p:cNvPr id="9224" name="Picture 8"/>
+          <p:cNvPicPr>
+            <a:picLocks noChangeAspect="1" noChangeArrowheads="1"/>
+          </p:cNvPicPr>
+          <p:nvPr/>
+        </p:nvPicPr>
+        <p:blipFill rotWithShape="1">
+          <a:blip r:embed="rId4">
+            <a:extLst>
+              <a:ext uri="{28A0092B-C50C-407E-A947-70E740481C1C}">
+                <a14:useLocalDpi xmlns:a14="http://schemas.microsoft.com/office/drawing/2010/main" val="0"/>
+              </a:ext>
+            </a:extLst>
+          </a:blip>
+          <a:srcRect b="58094"/>
+          <a:stretch/>
+        </p:blipFill>
+        <p:spPr bwMode="auto">
+          <a:xfrm>
+            <a:off x="809018" y="1723812"/>
+            <a:ext cx="2667049" cy="1097765"/>
+          </a:xfrm>
+          <a:prstGeom prst="rect">
+            <a:avLst/>
+          </a:prstGeom>
+          <a:noFill/>
+          <a:ln>
+            <a:noFill/>
+          </a:ln>
+          <a:extLst>
+            <a:ext uri="{909E8E84-426E-40DD-AFC4-6F175D3DCCD1}">
+              <a14:hiddenFill xmlns:a14="http://schemas.microsoft.com/office/drawing/2010/main">
+                <a:solidFill>
+                  <a:schemeClr val="accent1"/>
+                </a:solidFill>
+              </a14:hiddenFill>
+            </a:ext>
+            <a:ext uri="{91240B29-F687-4F45-9708-019B960494DF}">
+              <a14:hiddenLine xmlns:a14="http://schemas.microsoft.com/office/drawing/2010/main" w="9525">
+                <a:solidFill>
+                  <a:schemeClr val="tx1"/>
+                </a:solidFill>
+                <a:miter lim="800000"/>
+                <a:headEnd/>
+                <a:tailEnd/>
+              </a14:hiddenLine>
+            </a:ext>
+          </a:extLst>
+        </p:spPr>
+      </p:pic>
+      <p:pic>
+        <p:nvPicPr>
+          <p:cNvPr id="13" name="Picture 8"/>
+          <p:cNvPicPr>
+            <a:picLocks noChangeAspect="1" noChangeArrowheads="1"/>
+          </p:cNvPicPr>
+          <p:nvPr/>
+        </p:nvPicPr>
+        <p:blipFill rotWithShape="1">
+          <a:blip r:embed="rId4">
+            <a:extLst>
+              <a:ext uri="{28A0092B-C50C-407E-A947-70E740481C1C}">
+                <a14:useLocalDpi xmlns:a14="http://schemas.microsoft.com/office/drawing/2010/main" val="0"/>
+              </a:ext>
+            </a:extLst>
+          </a:blip>
+          <a:srcRect t="47195" b="3411"/>
+          <a:stretch/>
+        </p:blipFill>
+        <p:spPr bwMode="auto">
+          <a:xfrm>
+            <a:off x="5231497" y="1625733"/>
+            <a:ext cx="2667049" cy="1293922"/>
+          </a:xfrm>
+          <a:prstGeom prst="rect">
+            <a:avLst/>
+          </a:prstGeom>
+          <a:noFill/>
+          <a:ln>
+            <a:noFill/>
+          </a:ln>
+          <a:extLst>
+            <a:ext uri="{909E8E84-426E-40DD-AFC4-6F175D3DCCD1}">
+              <a14:hiddenFill xmlns:a14="http://schemas.microsoft.com/office/drawing/2010/main">
+                <a:solidFill>
+                  <a:schemeClr val="accent1"/>
+                </a:solidFill>
+              </a14:hiddenFill>
+            </a:ext>
+            <a:ext uri="{91240B29-F687-4F45-9708-019B960494DF}">
+              <a14:hiddenLine xmlns:a14="http://schemas.microsoft.com/office/drawing/2010/main" w="9525">
+                <a:solidFill>
+                  <a:schemeClr val="tx1"/>
+                </a:solidFill>
+                <a:miter lim="800000"/>
+                <a:headEnd/>
+                <a:tailEnd/>
+              </a14:hiddenLine>
+            </a:ext>
+          </a:extLst>
+        </p:spPr>
+      </p:pic>
+      <p:sp>
+        <p:nvSpPr>
+          <p:cNvPr id="15" name="직사각형 14"/>
+          <p:cNvSpPr/>
+          <p:nvPr/>
+        </p:nvSpPr>
+        <p:spPr>
+          <a:xfrm>
+            <a:off x="695266" y="5731304"/>
+            <a:ext cx="3285220" cy="923330"/>
+          </a:xfrm>
+          <a:prstGeom prst="rect">
+            <a:avLst/>
+          </a:prstGeom>
+        </p:spPr>
+        <p:txBody>
+          <a:bodyPr wrap="square">
+            <a:spAutoFit/>
+          </a:bodyPr>
+          <a:lstStyle/>
+          <a:p>
+            <a:r>
+              <a:rPr lang="en-US" altLang="ko-KR" dirty="0" err="1" smtClean="0"/>
+              <a:t>train_error</a:t>
+            </a:r>
+            <a:r>
+              <a:rPr lang="en-US" altLang="ko-KR" dirty="0" smtClean="0"/>
+              <a:t> : 0.055099946</a:t>
+            </a:r>
+          </a:p>
+          <a:p>
+            <a:r>
+              <a:rPr lang="en-US" altLang="ko-KR" dirty="0" err="1" smtClean="0"/>
+              <a:t>test_error</a:t>
+            </a:r>
+            <a:r>
+              <a:rPr lang="en-US" altLang="ko-KR" dirty="0" smtClean="0"/>
+              <a:t>  : 0.058008675</a:t>
+            </a:r>
+          </a:p>
+          <a:p>
+            <a:r>
+              <a:rPr lang="en-US" altLang="ko-KR" dirty="0" err="1" smtClean="0"/>
+              <a:t>min_test_error</a:t>
+            </a:r>
+            <a:r>
+              <a:rPr lang="en-US" altLang="ko-KR" dirty="0"/>
+              <a:t>: 0.055068526</a:t>
+            </a:r>
+          </a:p>
+        </p:txBody>
+      </p:sp>
+    </p:spTree>
+    <p:extLst>
+      <p:ext uri="{BB962C8B-B14F-4D97-AF65-F5344CB8AC3E}">
+        <p14:creationId xmlns:p14="http://schemas.microsoft.com/office/powerpoint/2010/main" val="3247068249"/>
+      </p:ext>
+    </p:extLst>
+  </p:cSld>
+  <p:clrMapOvr>
+    <a:masterClrMapping/>
+  </p:clrMapOvr>
+  <p:timing>
+    <p:tnLst>
+      <p:par>
+        <p:cTn id="1" dur="indefinite" restart="never" nodeType="tmRoot"/>
+      </p:par>
+    </p:tnLst>
+  </p:timing>
+</p:sld>
+</file>
+
+<file path=ppt/slides/slide12.xml><?xml version="1.0" encoding="utf-8"?>
+<p:sld xmlns:a="http://schemas.openxmlformats.org/drawingml/2006/main" xmlns:r="http://schemas.openxmlformats.org/officeDocument/2006/relationships" xmlns:p="http://schemas.openxmlformats.org/presentationml/2006/main">
+  <p:cSld>
+    <p:spTree>
+      <p:nvGrpSpPr>
+        <p:cNvPr id="1" name=""/>
+        <p:cNvGrpSpPr/>
+        <p:nvPr/>
+      </p:nvGrpSpPr>
+      <p:grpSpPr>
+        <a:xfrm>
+          <a:off x="0" y="0"/>
+          <a:ext cx="0" cy="0"/>
+          <a:chOff x="0" y="0"/>
+          <a:chExt cx="0" cy="0"/>
+        </a:xfrm>
+      </p:grpSpPr>
+      <p:sp>
+        <p:nvSpPr>
+          <p:cNvPr id="4" name="직사각형 3"/>
+          <p:cNvSpPr/>
+          <p:nvPr/>
+        </p:nvSpPr>
+        <p:spPr>
+          <a:xfrm>
+            <a:off x="101939" y="440174"/>
+            <a:ext cx="2008883" cy="369332"/>
+          </a:xfrm>
+          <a:prstGeom prst="rect">
+            <a:avLst/>
+          </a:prstGeom>
+        </p:spPr>
+        <p:txBody>
+          <a:bodyPr wrap="none">
+            <a:spAutoFit/>
+          </a:bodyPr>
+          <a:lstStyle/>
+          <a:p>
+            <a:r>
+              <a:rPr lang="en-US" altLang="ko-KR" b="1" dirty="0"/>
+              <a:t>9. </a:t>
+            </a:r>
+            <a:r>
+              <a:rPr lang="ko-KR" altLang="en-US" b="1" dirty="0" smtClean="0"/>
+              <a:t>결론 및 한계점</a:t>
+            </a:r>
+            <a:endParaRPr lang="ko-KR" altLang="en-US" dirty="0"/>
+          </a:p>
+        </p:txBody>
+      </p:sp>
+    </p:spTree>
+    <p:extLst>
+      <p:ext uri="{BB962C8B-B14F-4D97-AF65-F5344CB8AC3E}">
+        <p14:creationId xmlns:p14="http://schemas.microsoft.com/office/powerpoint/2010/main" val="638922265"/>
+      </p:ext>
+    </p:extLst>
+  </p:cSld>
+  <p:clrMapOvr>
+    <a:masterClrMapping/>
+  </p:clrMapOvr>
+  <p:timing>
+    <p:tnLst>
+      <p:par>
+        <p:cTn id="1" dur="indefinite" restart="never" nodeType="tmRoot"/>
+      </p:par>
+    </p:tnLst>
+  </p:timing>
+</p:sld>
+</file>
+
+<file path=ppt/slides/slide2.xml><?xml version="1.0" encoding="utf-8"?>
+<p:sld xmlns:a="http://schemas.openxmlformats.org/drawingml/2006/main" xmlns:r="http://schemas.openxmlformats.org/officeDocument/2006/relationships" xmlns:p="http://schemas.openxmlformats.org/presentationml/2006/main">
+  <p:cSld>
+    <p:spTree>
+      <p:nvGrpSpPr>
+        <p:cNvPr id="1" name=""/>
+        <p:cNvGrpSpPr/>
+        <p:nvPr/>
+      </p:nvGrpSpPr>
+      <p:grpSpPr>
+        <a:xfrm>
+          <a:off x="0" y="0"/>
+          <a:ext cx="0" cy="0"/>
+          <a:chOff x="0" y="0"/>
+          <a:chExt cx="0" cy="0"/>
+        </a:xfrm>
+      </p:grpSpPr>
+      <p:pic>
+        <p:nvPicPr>
           <p:cNvPr id="2" name="그림 1"/>
           <p:cNvPicPr>
             <a:picLocks noChangeAspect="1"/>
@@ -3216,21 +5755,1626 @@
           <p:nvPr/>
         </p:nvPicPr>
         <p:blipFill>
-          <a:blip r:embed="rId3"/>
+          <a:blip r:embed="rId2"/>
           <a:stretch>
             <a:fillRect/>
           </a:stretch>
         </p:blipFill>
         <p:spPr>
           <a:xfrm>
-            <a:off x="4548073" y="4230604"/>
-            <a:ext cx="7044319" cy="2421855"/>
+            <a:off x="3411055" y="4230605"/>
+            <a:ext cx="5283239" cy="2421855"/>
           </a:xfrm>
           <a:prstGeom prst="rect">
             <a:avLst/>
           </a:prstGeom>
         </p:spPr>
       </p:pic>
+      <p:graphicFrame>
+        <p:nvGraphicFramePr>
+          <p:cNvPr id="3" name="표 2"/>
+          <p:cNvGraphicFramePr>
+            <a:graphicFrameLocks noGrp="1"/>
+          </p:cNvGraphicFramePr>
+          <p:nvPr>
+            <p:extLst>
+              <p:ext uri="{D42A27DB-BD31-4B8C-83A1-F6EECF244321}">
+                <p14:modId xmlns:p14="http://schemas.microsoft.com/office/powerpoint/2010/main" val="2717119883"/>
+              </p:ext>
+            </p:extLst>
+          </p:nvPr>
+        </p:nvGraphicFramePr>
+        <p:xfrm>
+          <a:off x="-155943" y="843378"/>
+          <a:ext cx="3996118" cy="3541014"/>
+        </p:xfrm>
+        <a:graphic>
+          <a:graphicData uri="http://schemas.openxmlformats.org/drawingml/2006/table">
+            <a:tbl>
+              <a:tblPr/>
+              <a:tblGrid>
+                <a:gridCol w="1998059"/>
+                <a:gridCol w="1998059"/>
+              </a:tblGrid>
+              <a:tr h="188214">
+                <a:tc>
+                  <a:txBody>
+                    <a:bodyPr/>
+                    <a:lstStyle/>
+                    <a:p>
+                      <a:pPr marL="0" marR="0" indent="0" algn="l" fontAlgn="base" latinLnBrk="0">
+                        <a:lnSpc>
+                          <a:spcPct val="160000"/>
+                        </a:lnSpc>
+                        <a:spcBef>
+                          <a:spcPts val="0"/>
+                        </a:spcBef>
+                        <a:spcAft>
+                          <a:spcPts val="0"/>
+                        </a:spcAft>
+                      </a:pPr>
+                      <a:r>
+                        <a:rPr lang="en-US" sz="1200" kern="0" spc="0" dirty="0" err="1">
+                          <a:solidFill>
+                            <a:srgbClr val="000000"/>
+                          </a:solidFill>
+                          <a:effectLst/>
+                          <a:latin typeface="함초롬바탕"/>
+                        </a:rPr>
+                        <a:t>input_data_column_cnt</a:t>
+                      </a:r>
+                      <a:r>
+                        <a:rPr lang="en-US" sz="1200" kern="0" spc="0" dirty="0">
+                          <a:solidFill>
+                            <a:srgbClr val="000000"/>
+                          </a:solidFill>
+                          <a:effectLst/>
+                          <a:latin typeface="함초롬바탕"/>
+                        </a:rPr>
+                        <a:t> : 9</a:t>
+                      </a:r>
+                      <a:endParaRPr lang="en-US" sz="1000" kern="0" spc="0" dirty="0">
+                        <a:solidFill>
+                          <a:srgbClr val="000000"/>
+                        </a:solidFill>
+                        <a:effectLst/>
+                      </a:endParaRPr>
+                    </a:p>
+                  </a:txBody>
+                  <a:tcPr marL="48578" marR="48578" marT="17907" marB="17907" anchor="ctr">
+                    <a:lnL w="3556" cap="flat" cmpd="sng" algn="ctr">
+                      <a:solidFill>
+                        <a:srgbClr val="000000"/>
+                      </a:solidFill>
+                      <a:prstDash val="solid"/>
+                      <a:round/>
+                      <a:headEnd type="none" w="med" len="med"/>
+                      <a:tailEnd type="none" w="med" len="med"/>
+                    </a:lnL>
+                    <a:lnR w="3556" cap="flat" cmpd="sng" algn="ctr">
+                      <a:solidFill>
+                        <a:srgbClr val="000000"/>
+                      </a:solidFill>
+                      <a:prstDash val="solid"/>
+                      <a:round/>
+                      <a:headEnd type="none" w="med" len="med"/>
+                      <a:tailEnd type="none" w="med" len="med"/>
+                    </a:lnR>
+                    <a:lnT w="3556" cap="flat" cmpd="sng" algn="ctr">
+                      <a:solidFill>
+                        <a:srgbClr val="000000"/>
+                      </a:solidFill>
+                      <a:prstDash val="solid"/>
+                      <a:round/>
+                      <a:headEnd type="none" w="med" len="med"/>
+                      <a:tailEnd type="none" w="med" len="med"/>
+                    </a:lnT>
+                    <a:lnB w="3556" cap="flat" cmpd="sng" algn="ctr">
+                      <a:solidFill>
+                        <a:srgbClr val="000000"/>
+                      </a:solidFill>
+                      <a:prstDash val="solid"/>
+                      <a:round/>
+                      <a:headEnd type="none" w="med" len="med"/>
+                      <a:tailEnd type="none" w="med" len="med"/>
+                    </a:lnB>
+                  </a:tcPr>
+                </a:tc>
+                <a:tc>
+                  <a:txBody>
+                    <a:bodyPr/>
+                    <a:lstStyle/>
+                    <a:p>
+                      <a:pPr marL="0" marR="0" indent="0" algn="l" fontAlgn="base" latinLnBrk="0">
+                        <a:lnSpc>
+                          <a:spcPct val="160000"/>
+                        </a:lnSpc>
+                        <a:spcBef>
+                          <a:spcPts val="0"/>
+                        </a:spcBef>
+                        <a:spcAft>
+                          <a:spcPts val="0"/>
+                        </a:spcAft>
+                      </a:pPr>
+                      <a:r>
+                        <a:rPr lang="ko-KR" altLang="en-US" sz="1200" kern="0" spc="0" dirty="0">
+                          <a:solidFill>
+                            <a:srgbClr val="000000"/>
+                          </a:solidFill>
+                          <a:effectLst/>
+                          <a:ea typeface="함초롬바탕"/>
+                        </a:rPr>
+                        <a:t>입력데이터의 </a:t>
+                      </a:r>
+                      <a:r>
+                        <a:rPr lang="ko-KR" altLang="en-US" sz="1200" kern="0" spc="0" dirty="0" err="1">
+                          <a:solidFill>
+                            <a:srgbClr val="000000"/>
+                          </a:solidFill>
+                          <a:effectLst/>
+                          <a:ea typeface="함초롬바탕"/>
+                        </a:rPr>
+                        <a:t>컬럼</a:t>
+                      </a:r>
+                      <a:r>
+                        <a:rPr lang="ko-KR" altLang="en-US" sz="1200" kern="0" spc="0" dirty="0">
+                          <a:solidFill>
+                            <a:srgbClr val="000000"/>
+                          </a:solidFill>
+                          <a:effectLst/>
+                          <a:ea typeface="함초롬바탕"/>
+                        </a:rPr>
+                        <a:t> 개수</a:t>
+                      </a:r>
+                      <a:endParaRPr lang="ko-KR" altLang="en-US" sz="1000" kern="0" spc="0" dirty="0">
+                        <a:solidFill>
+                          <a:srgbClr val="000000"/>
+                        </a:solidFill>
+                        <a:effectLst/>
+                      </a:endParaRPr>
+                    </a:p>
+                  </a:txBody>
+                  <a:tcPr marL="48578" marR="48578" marT="17907" marB="17907" anchor="ctr">
+                    <a:lnL w="3556" cap="flat" cmpd="sng" algn="ctr">
+                      <a:solidFill>
+                        <a:srgbClr val="000000"/>
+                      </a:solidFill>
+                      <a:prstDash val="solid"/>
+                      <a:round/>
+                      <a:headEnd type="none" w="med" len="med"/>
+                      <a:tailEnd type="none" w="med" len="med"/>
+                    </a:lnL>
+                    <a:lnR w="3556" cap="flat" cmpd="sng" algn="ctr">
+                      <a:solidFill>
+                        <a:srgbClr val="000000"/>
+                      </a:solidFill>
+                      <a:prstDash val="solid"/>
+                      <a:round/>
+                      <a:headEnd type="none" w="med" len="med"/>
+                      <a:tailEnd type="none" w="med" len="med"/>
+                    </a:lnR>
+                    <a:lnT w="3556" cap="flat" cmpd="sng" algn="ctr">
+                      <a:solidFill>
+                        <a:srgbClr val="000000"/>
+                      </a:solidFill>
+                      <a:prstDash val="solid"/>
+                      <a:round/>
+                      <a:headEnd type="none" w="med" len="med"/>
+                      <a:tailEnd type="none" w="med" len="med"/>
+                    </a:lnT>
+                    <a:lnB w="3556" cap="flat" cmpd="sng" algn="ctr">
+                      <a:solidFill>
+                        <a:srgbClr val="000000"/>
+                      </a:solidFill>
+                      <a:prstDash val="solid"/>
+                      <a:round/>
+                      <a:headEnd type="none" w="med" len="med"/>
+                      <a:tailEnd type="none" w="med" len="med"/>
+                    </a:lnB>
+                  </a:tcPr>
+                </a:tc>
+              </a:tr>
+              <a:tr h="188214">
+                <a:tc>
+                  <a:txBody>
+                    <a:bodyPr/>
+                    <a:lstStyle/>
+                    <a:p>
+                      <a:pPr marL="0" marR="0" indent="0" algn="l" fontAlgn="base" latinLnBrk="0">
+                        <a:lnSpc>
+                          <a:spcPct val="160000"/>
+                        </a:lnSpc>
+                        <a:spcBef>
+                          <a:spcPts val="0"/>
+                        </a:spcBef>
+                        <a:spcAft>
+                          <a:spcPts val="0"/>
+                        </a:spcAft>
+                      </a:pPr>
+                      <a:r>
+                        <a:rPr lang="en-US" sz="1200" kern="0" spc="0" dirty="0" err="1">
+                          <a:solidFill>
+                            <a:srgbClr val="000000"/>
+                          </a:solidFill>
+                          <a:effectLst/>
+                          <a:latin typeface="함초롬바탕"/>
+                        </a:rPr>
+                        <a:t>output_data_column_cnt</a:t>
+                      </a:r>
+                      <a:r>
+                        <a:rPr lang="en-US" sz="1200" kern="0" spc="0" dirty="0">
+                          <a:solidFill>
+                            <a:srgbClr val="000000"/>
+                          </a:solidFill>
+                          <a:effectLst/>
+                          <a:latin typeface="함초롬바탕"/>
+                        </a:rPr>
+                        <a:t> : 1</a:t>
+                      </a:r>
+                      <a:endParaRPr lang="en-US" sz="1000" kern="0" spc="0" dirty="0">
+                        <a:solidFill>
+                          <a:srgbClr val="000000"/>
+                        </a:solidFill>
+                        <a:effectLst/>
+                      </a:endParaRPr>
+                    </a:p>
+                  </a:txBody>
+                  <a:tcPr marL="48578" marR="48578" marT="17907" marB="17907" anchor="ctr">
+                    <a:lnL w="3556" cap="flat" cmpd="sng" algn="ctr">
+                      <a:solidFill>
+                        <a:srgbClr val="000000"/>
+                      </a:solidFill>
+                      <a:prstDash val="solid"/>
+                      <a:round/>
+                      <a:headEnd type="none" w="med" len="med"/>
+                      <a:tailEnd type="none" w="med" len="med"/>
+                    </a:lnL>
+                    <a:lnR w="3556" cap="flat" cmpd="sng" algn="ctr">
+                      <a:solidFill>
+                        <a:srgbClr val="000000"/>
+                      </a:solidFill>
+                      <a:prstDash val="solid"/>
+                      <a:round/>
+                      <a:headEnd type="none" w="med" len="med"/>
+                      <a:tailEnd type="none" w="med" len="med"/>
+                    </a:lnR>
+                    <a:lnT w="3556" cap="flat" cmpd="sng" algn="ctr">
+                      <a:solidFill>
+                        <a:srgbClr val="000000"/>
+                      </a:solidFill>
+                      <a:prstDash val="solid"/>
+                      <a:round/>
+                      <a:headEnd type="none" w="med" len="med"/>
+                      <a:tailEnd type="none" w="med" len="med"/>
+                    </a:lnT>
+                    <a:lnB w="3556" cap="flat" cmpd="sng" algn="ctr">
+                      <a:solidFill>
+                        <a:srgbClr val="000000"/>
+                      </a:solidFill>
+                      <a:prstDash val="solid"/>
+                      <a:round/>
+                      <a:headEnd type="none" w="med" len="med"/>
+                      <a:tailEnd type="none" w="med" len="med"/>
+                    </a:lnB>
+                  </a:tcPr>
+                </a:tc>
+                <a:tc>
+                  <a:txBody>
+                    <a:bodyPr/>
+                    <a:lstStyle/>
+                    <a:p>
+                      <a:pPr marL="0" marR="0" indent="0" algn="l" fontAlgn="base" latinLnBrk="0">
+                        <a:lnSpc>
+                          <a:spcPct val="160000"/>
+                        </a:lnSpc>
+                        <a:spcBef>
+                          <a:spcPts val="0"/>
+                        </a:spcBef>
+                        <a:spcAft>
+                          <a:spcPts val="0"/>
+                        </a:spcAft>
+                      </a:pPr>
+                      <a:r>
+                        <a:rPr lang="ko-KR" altLang="en-US" sz="1200" kern="0" spc="0" dirty="0">
+                          <a:solidFill>
+                            <a:srgbClr val="000000"/>
+                          </a:solidFill>
+                          <a:effectLst/>
+                          <a:ea typeface="함초롬바탕"/>
+                        </a:rPr>
+                        <a:t>결과데이터의 </a:t>
+                      </a:r>
+                      <a:r>
+                        <a:rPr lang="ko-KR" altLang="en-US" sz="1200" kern="0" spc="0" dirty="0" err="1">
+                          <a:solidFill>
+                            <a:srgbClr val="000000"/>
+                          </a:solidFill>
+                          <a:effectLst/>
+                          <a:ea typeface="함초롬바탕"/>
+                        </a:rPr>
+                        <a:t>컬럼</a:t>
+                      </a:r>
+                      <a:r>
+                        <a:rPr lang="ko-KR" altLang="en-US" sz="1200" kern="0" spc="0" dirty="0">
+                          <a:solidFill>
+                            <a:srgbClr val="000000"/>
+                          </a:solidFill>
+                          <a:effectLst/>
+                          <a:ea typeface="함초롬바탕"/>
+                        </a:rPr>
+                        <a:t> 개수</a:t>
+                      </a:r>
+                      <a:endParaRPr lang="ko-KR" altLang="en-US" sz="1000" kern="0" spc="0" dirty="0">
+                        <a:solidFill>
+                          <a:srgbClr val="000000"/>
+                        </a:solidFill>
+                        <a:effectLst/>
+                      </a:endParaRPr>
+                    </a:p>
+                  </a:txBody>
+                  <a:tcPr marL="48578" marR="48578" marT="17907" marB="17907" anchor="ctr">
+                    <a:lnL w="3556" cap="flat" cmpd="sng" algn="ctr">
+                      <a:solidFill>
+                        <a:srgbClr val="000000"/>
+                      </a:solidFill>
+                      <a:prstDash val="solid"/>
+                      <a:round/>
+                      <a:headEnd type="none" w="med" len="med"/>
+                      <a:tailEnd type="none" w="med" len="med"/>
+                    </a:lnL>
+                    <a:lnR w="3556" cap="flat" cmpd="sng" algn="ctr">
+                      <a:solidFill>
+                        <a:srgbClr val="000000"/>
+                      </a:solidFill>
+                      <a:prstDash val="solid"/>
+                      <a:round/>
+                      <a:headEnd type="none" w="med" len="med"/>
+                      <a:tailEnd type="none" w="med" len="med"/>
+                    </a:lnR>
+                    <a:lnT w="3556" cap="flat" cmpd="sng" algn="ctr">
+                      <a:solidFill>
+                        <a:srgbClr val="000000"/>
+                      </a:solidFill>
+                      <a:prstDash val="solid"/>
+                      <a:round/>
+                      <a:headEnd type="none" w="med" len="med"/>
+                      <a:tailEnd type="none" w="med" len="med"/>
+                    </a:lnT>
+                    <a:lnB w="3556" cap="flat" cmpd="sng" algn="ctr">
+                      <a:solidFill>
+                        <a:srgbClr val="000000"/>
+                      </a:solidFill>
+                      <a:prstDash val="solid"/>
+                      <a:round/>
+                      <a:headEnd type="none" w="med" len="med"/>
+                      <a:tailEnd type="none" w="med" len="med"/>
+                    </a:lnB>
+                  </a:tcPr>
+                </a:tc>
+              </a:tr>
+              <a:tr h="0">
+                <a:tc>
+                  <a:txBody>
+                    <a:bodyPr/>
+                    <a:lstStyle/>
+                    <a:p>
+                      <a:pPr marL="0" marR="0" indent="0" algn="l" fontAlgn="base" latinLnBrk="0">
+                        <a:lnSpc>
+                          <a:spcPct val="160000"/>
+                        </a:lnSpc>
+                        <a:spcBef>
+                          <a:spcPts val="0"/>
+                        </a:spcBef>
+                        <a:spcAft>
+                          <a:spcPts val="0"/>
+                        </a:spcAft>
+                      </a:pPr>
+                      <a:r>
+                        <a:rPr lang="en-US" sz="1200" kern="0" spc="0">
+                          <a:solidFill>
+                            <a:srgbClr val="000000"/>
+                          </a:solidFill>
+                          <a:effectLst/>
+                          <a:latin typeface="함초롬바탕"/>
+                        </a:rPr>
+                        <a:t>seq_length : 1826</a:t>
+                      </a:r>
+                      <a:endParaRPr lang="en-US" sz="1000" kern="0" spc="0">
+                        <a:solidFill>
+                          <a:srgbClr val="000000"/>
+                        </a:solidFill>
+                        <a:effectLst/>
+                      </a:endParaRPr>
+                    </a:p>
+                  </a:txBody>
+                  <a:tcPr marL="48578" marR="48578" marT="17907" marB="17907" anchor="ctr">
+                    <a:lnL w="3556" cap="flat" cmpd="sng" algn="ctr">
+                      <a:solidFill>
+                        <a:srgbClr val="000000"/>
+                      </a:solidFill>
+                      <a:prstDash val="solid"/>
+                      <a:round/>
+                      <a:headEnd type="none" w="med" len="med"/>
+                      <a:tailEnd type="none" w="med" len="med"/>
+                    </a:lnL>
+                    <a:lnR w="3556" cap="flat" cmpd="sng" algn="ctr">
+                      <a:solidFill>
+                        <a:srgbClr val="000000"/>
+                      </a:solidFill>
+                      <a:prstDash val="solid"/>
+                      <a:round/>
+                      <a:headEnd type="none" w="med" len="med"/>
+                      <a:tailEnd type="none" w="med" len="med"/>
+                    </a:lnR>
+                    <a:lnT w="3556" cap="flat" cmpd="sng" algn="ctr">
+                      <a:solidFill>
+                        <a:srgbClr val="000000"/>
+                      </a:solidFill>
+                      <a:prstDash val="solid"/>
+                      <a:round/>
+                      <a:headEnd type="none" w="med" len="med"/>
+                      <a:tailEnd type="none" w="med" len="med"/>
+                    </a:lnT>
+                    <a:lnB w="3556" cap="flat" cmpd="sng" algn="ctr">
+                      <a:solidFill>
+                        <a:srgbClr val="000000"/>
+                      </a:solidFill>
+                      <a:prstDash val="solid"/>
+                      <a:round/>
+                      <a:headEnd type="none" w="med" len="med"/>
+                      <a:tailEnd type="none" w="med" len="med"/>
+                    </a:lnB>
+                  </a:tcPr>
+                </a:tc>
+                <a:tc>
+                  <a:txBody>
+                    <a:bodyPr/>
+                    <a:lstStyle/>
+                    <a:p>
+                      <a:pPr marL="0" marR="0" indent="0" algn="l" fontAlgn="base" latinLnBrk="0">
+                        <a:lnSpc>
+                          <a:spcPct val="160000"/>
+                        </a:lnSpc>
+                        <a:spcBef>
+                          <a:spcPts val="0"/>
+                        </a:spcBef>
+                        <a:spcAft>
+                          <a:spcPts val="0"/>
+                        </a:spcAft>
+                      </a:pPr>
+                      <a:r>
+                        <a:rPr lang="en-US" altLang="ko-KR" sz="1200" kern="0" spc="0" dirty="0">
+                          <a:solidFill>
+                            <a:srgbClr val="000000"/>
+                          </a:solidFill>
+                          <a:effectLst/>
+                          <a:latin typeface="함초롬바탕"/>
+                        </a:rPr>
+                        <a:t>1</a:t>
+                      </a:r>
+                      <a:r>
+                        <a:rPr lang="ko-KR" altLang="en-US" sz="1200" kern="0" spc="0" dirty="0">
+                          <a:solidFill>
+                            <a:srgbClr val="000000"/>
+                          </a:solidFill>
+                          <a:effectLst/>
+                          <a:ea typeface="함초롬바탕"/>
+                        </a:rPr>
+                        <a:t>개 시퀀스의 길이</a:t>
+                      </a:r>
+                      <a:endParaRPr lang="ko-KR" altLang="en-US" sz="1000" kern="0" spc="0" dirty="0">
+                        <a:solidFill>
+                          <a:srgbClr val="000000"/>
+                        </a:solidFill>
+                        <a:effectLst/>
+                      </a:endParaRPr>
+                    </a:p>
+                  </a:txBody>
+                  <a:tcPr marL="48578" marR="48578" marT="17907" marB="17907" anchor="ctr">
+                    <a:lnL w="3556" cap="flat" cmpd="sng" algn="ctr">
+                      <a:solidFill>
+                        <a:srgbClr val="000000"/>
+                      </a:solidFill>
+                      <a:prstDash val="solid"/>
+                      <a:round/>
+                      <a:headEnd type="none" w="med" len="med"/>
+                      <a:tailEnd type="none" w="med" len="med"/>
+                    </a:lnL>
+                    <a:lnR w="3556" cap="flat" cmpd="sng" algn="ctr">
+                      <a:solidFill>
+                        <a:srgbClr val="000000"/>
+                      </a:solidFill>
+                      <a:prstDash val="solid"/>
+                      <a:round/>
+                      <a:headEnd type="none" w="med" len="med"/>
+                      <a:tailEnd type="none" w="med" len="med"/>
+                    </a:lnR>
+                    <a:lnT w="3556" cap="flat" cmpd="sng" algn="ctr">
+                      <a:solidFill>
+                        <a:srgbClr val="000000"/>
+                      </a:solidFill>
+                      <a:prstDash val="solid"/>
+                      <a:round/>
+                      <a:headEnd type="none" w="med" len="med"/>
+                      <a:tailEnd type="none" w="med" len="med"/>
+                    </a:lnT>
+                    <a:lnB w="3556" cap="flat" cmpd="sng" algn="ctr">
+                      <a:solidFill>
+                        <a:srgbClr val="000000"/>
+                      </a:solidFill>
+                      <a:prstDash val="solid"/>
+                      <a:round/>
+                      <a:headEnd type="none" w="med" len="med"/>
+                      <a:tailEnd type="none" w="med" len="med"/>
+                    </a:lnB>
+                  </a:tcPr>
+                </a:tc>
+              </a:tr>
+              <a:tr h="0">
+                <a:tc>
+                  <a:txBody>
+                    <a:bodyPr/>
+                    <a:lstStyle/>
+                    <a:p>
+                      <a:pPr marL="0" marR="0" indent="0" algn="l" fontAlgn="base" latinLnBrk="0">
+                        <a:lnSpc>
+                          <a:spcPct val="160000"/>
+                        </a:lnSpc>
+                        <a:spcBef>
+                          <a:spcPts val="0"/>
+                        </a:spcBef>
+                        <a:spcAft>
+                          <a:spcPts val="0"/>
+                        </a:spcAft>
+                      </a:pPr>
+                      <a:r>
+                        <a:rPr lang="en-US" sz="1200" kern="0" spc="0">
+                          <a:solidFill>
+                            <a:srgbClr val="000000"/>
+                          </a:solidFill>
+                          <a:effectLst/>
+                          <a:latin typeface="함초롬바탕"/>
+                        </a:rPr>
+                        <a:t>rnn_cell_hidden_dim : 20</a:t>
+                      </a:r>
+                      <a:endParaRPr lang="en-US" sz="1000" kern="0" spc="0">
+                        <a:solidFill>
+                          <a:srgbClr val="000000"/>
+                        </a:solidFill>
+                        <a:effectLst/>
+                      </a:endParaRPr>
+                    </a:p>
+                  </a:txBody>
+                  <a:tcPr marL="48578" marR="48578" marT="17907" marB="17907" anchor="ctr">
+                    <a:lnL w="3556" cap="flat" cmpd="sng" algn="ctr">
+                      <a:solidFill>
+                        <a:srgbClr val="000000"/>
+                      </a:solidFill>
+                      <a:prstDash val="solid"/>
+                      <a:round/>
+                      <a:headEnd type="none" w="med" len="med"/>
+                      <a:tailEnd type="none" w="med" len="med"/>
+                    </a:lnL>
+                    <a:lnR w="3556" cap="flat" cmpd="sng" algn="ctr">
+                      <a:solidFill>
+                        <a:srgbClr val="000000"/>
+                      </a:solidFill>
+                      <a:prstDash val="solid"/>
+                      <a:round/>
+                      <a:headEnd type="none" w="med" len="med"/>
+                      <a:tailEnd type="none" w="med" len="med"/>
+                    </a:lnR>
+                    <a:lnT w="3556" cap="flat" cmpd="sng" algn="ctr">
+                      <a:solidFill>
+                        <a:srgbClr val="000000"/>
+                      </a:solidFill>
+                      <a:prstDash val="solid"/>
+                      <a:round/>
+                      <a:headEnd type="none" w="med" len="med"/>
+                      <a:tailEnd type="none" w="med" len="med"/>
+                    </a:lnT>
+                    <a:lnB w="3556" cap="flat" cmpd="sng" algn="ctr">
+                      <a:solidFill>
+                        <a:srgbClr val="000000"/>
+                      </a:solidFill>
+                      <a:prstDash val="solid"/>
+                      <a:round/>
+                      <a:headEnd type="none" w="med" len="med"/>
+                      <a:tailEnd type="none" w="med" len="med"/>
+                    </a:lnB>
+                  </a:tcPr>
+                </a:tc>
+                <a:tc>
+                  <a:txBody>
+                    <a:bodyPr/>
+                    <a:lstStyle/>
+                    <a:p>
+                      <a:pPr marL="0" marR="0" indent="0" algn="l" fontAlgn="base" latinLnBrk="0">
+                        <a:lnSpc>
+                          <a:spcPct val="160000"/>
+                        </a:lnSpc>
+                        <a:spcBef>
+                          <a:spcPts val="0"/>
+                        </a:spcBef>
+                        <a:spcAft>
+                          <a:spcPts val="0"/>
+                        </a:spcAft>
+                      </a:pPr>
+                      <a:r>
+                        <a:rPr lang="ko-KR" altLang="en-US" sz="1200" kern="0" spc="0" dirty="0">
+                          <a:solidFill>
+                            <a:srgbClr val="000000"/>
+                          </a:solidFill>
+                          <a:effectLst/>
+                          <a:ea typeface="함초롬바탕"/>
+                        </a:rPr>
+                        <a:t>각 셀의 </a:t>
+                      </a:r>
+                      <a:r>
+                        <a:rPr lang="en-US" altLang="ko-KR" sz="1200" kern="0" spc="0" dirty="0">
+                          <a:solidFill>
+                            <a:srgbClr val="000000"/>
+                          </a:solidFill>
+                          <a:effectLst/>
+                          <a:latin typeface="함초롬바탕"/>
+                        </a:rPr>
+                        <a:t>(hidden)</a:t>
+                      </a:r>
+                      <a:r>
+                        <a:rPr lang="ko-KR" altLang="en-US" sz="1200" kern="0" spc="0" dirty="0">
+                          <a:solidFill>
+                            <a:srgbClr val="000000"/>
+                          </a:solidFill>
+                          <a:effectLst/>
+                          <a:ea typeface="함초롬바탕"/>
+                        </a:rPr>
+                        <a:t>출력 크기</a:t>
+                      </a:r>
+                      <a:endParaRPr lang="ko-KR" altLang="en-US" sz="1000" kern="0" spc="0" dirty="0">
+                        <a:solidFill>
+                          <a:srgbClr val="000000"/>
+                        </a:solidFill>
+                        <a:effectLst/>
+                      </a:endParaRPr>
+                    </a:p>
+                  </a:txBody>
+                  <a:tcPr marL="48578" marR="48578" marT="17907" marB="17907" anchor="ctr">
+                    <a:lnL w="3556" cap="flat" cmpd="sng" algn="ctr">
+                      <a:solidFill>
+                        <a:srgbClr val="000000"/>
+                      </a:solidFill>
+                      <a:prstDash val="solid"/>
+                      <a:round/>
+                      <a:headEnd type="none" w="med" len="med"/>
+                      <a:tailEnd type="none" w="med" len="med"/>
+                    </a:lnL>
+                    <a:lnR w="3556" cap="flat" cmpd="sng" algn="ctr">
+                      <a:solidFill>
+                        <a:srgbClr val="000000"/>
+                      </a:solidFill>
+                      <a:prstDash val="solid"/>
+                      <a:round/>
+                      <a:headEnd type="none" w="med" len="med"/>
+                      <a:tailEnd type="none" w="med" len="med"/>
+                    </a:lnR>
+                    <a:lnT w="3556" cap="flat" cmpd="sng" algn="ctr">
+                      <a:solidFill>
+                        <a:srgbClr val="000000"/>
+                      </a:solidFill>
+                      <a:prstDash val="solid"/>
+                      <a:round/>
+                      <a:headEnd type="none" w="med" len="med"/>
+                      <a:tailEnd type="none" w="med" len="med"/>
+                    </a:lnT>
+                    <a:lnB w="3556" cap="flat" cmpd="sng" algn="ctr">
+                      <a:solidFill>
+                        <a:srgbClr val="000000"/>
+                      </a:solidFill>
+                      <a:prstDash val="solid"/>
+                      <a:round/>
+                      <a:headEnd type="none" w="med" len="med"/>
+                      <a:tailEnd type="none" w="med" len="med"/>
+                    </a:lnB>
+                  </a:tcPr>
+                </a:tc>
+              </a:tr>
+              <a:tr h="0">
+                <a:tc>
+                  <a:txBody>
+                    <a:bodyPr/>
+                    <a:lstStyle/>
+                    <a:p>
+                      <a:pPr marL="0" marR="0" indent="0" algn="l" fontAlgn="base" latinLnBrk="0">
+                        <a:lnSpc>
+                          <a:spcPct val="160000"/>
+                        </a:lnSpc>
+                        <a:spcBef>
+                          <a:spcPts val="0"/>
+                        </a:spcBef>
+                        <a:spcAft>
+                          <a:spcPts val="0"/>
+                        </a:spcAft>
+                      </a:pPr>
+                      <a:r>
+                        <a:rPr lang="en-US" sz="1200" kern="0" spc="0" dirty="0" err="1">
+                          <a:solidFill>
+                            <a:srgbClr val="000000"/>
+                          </a:solidFill>
+                          <a:effectLst/>
+                          <a:latin typeface="함초롬바탕"/>
+                        </a:rPr>
+                        <a:t>forget_bias</a:t>
+                      </a:r>
+                      <a:r>
+                        <a:rPr lang="en-US" sz="1200" kern="0" spc="0" dirty="0">
+                          <a:solidFill>
+                            <a:srgbClr val="000000"/>
+                          </a:solidFill>
+                          <a:effectLst/>
+                          <a:latin typeface="함초롬바탕"/>
+                        </a:rPr>
+                        <a:t> : 1.0</a:t>
+                      </a:r>
+                      <a:endParaRPr lang="en-US" sz="1000" kern="0" spc="0" dirty="0">
+                        <a:solidFill>
+                          <a:srgbClr val="000000"/>
+                        </a:solidFill>
+                        <a:effectLst/>
+                      </a:endParaRPr>
+                    </a:p>
+                  </a:txBody>
+                  <a:tcPr marL="48578" marR="48578" marT="17907" marB="17907" anchor="ctr">
+                    <a:lnL w="3556" cap="flat" cmpd="sng" algn="ctr">
+                      <a:solidFill>
+                        <a:srgbClr val="000000"/>
+                      </a:solidFill>
+                      <a:prstDash val="solid"/>
+                      <a:round/>
+                      <a:headEnd type="none" w="med" len="med"/>
+                      <a:tailEnd type="none" w="med" len="med"/>
+                    </a:lnL>
+                    <a:lnR w="3556" cap="flat" cmpd="sng" algn="ctr">
+                      <a:solidFill>
+                        <a:srgbClr val="000000"/>
+                      </a:solidFill>
+                      <a:prstDash val="solid"/>
+                      <a:round/>
+                      <a:headEnd type="none" w="med" len="med"/>
+                      <a:tailEnd type="none" w="med" len="med"/>
+                    </a:lnR>
+                    <a:lnT w="3556" cap="flat" cmpd="sng" algn="ctr">
+                      <a:solidFill>
+                        <a:srgbClr val="000000"/>
+                      </a:solidFill>
+                      <a:prstDash val="solid"/>
+                      <a:round/>
+                      <a:headEnd type="none" w="med" len="med"/>
+                      <a:tailEnd type="none" w="med" len="med"/>
+                    </a:lnT>
+                    <a:lnB w="3556" cap="flat" cmpd="sng" algn="ctr">
+                      <a:solidFill>
+                        <a:srgbClr val="000000"/>
+                      </a:solidFill>
+                      <a:prstDash val="solid"/>
+                      <a:round/>
+                      <a:headEnd type="none" w="med" len="med"/>
+                      <a:tailEnd type="none" w="med" len="med"/>
+                    </a:lnB>
+                  </a:tcPr>
+                </a:tc>
+                <a:tc>
+                  <a:txBody>
+                    <a:bodyPr/>
+                    <a:lstStyle/>
+                    <a:p>
+                      <a:pPr marL="0" marR="0" indent="0" algn="l" fontAlgn="base" latinLnBrk="0">
+                        <a:lnSpc>
+                          <a:spcPct val="160000"/>
+                        </a:lnSpc>
+                        <a:spcBef>
+                          <a:spcPts val="0"/>
+                        </a:spcBef>
+                        <a:spcAft>
+                          <a:spcPts val="0"/>
+                        </a:spcAft>
+                      </a:pPr>
+                      <a:r>
+                        <a:rPr lang="ko-KR" altLang="en-US" sz="1200" kern="0" spc="0" dirty="0" err="1">
+                          <a:solidFill>
+                            <a:srgbClr val="000000"/>
+                          </a:solidFill>
+                          <a:effectLst/>
+                          <a:ea typeface="함초롬바탕"/>
+                        </a:rPr>
+                        <a:t>망각평향</a:t>
+                      </a:r>
+                      <a:r>
+                        <a:rPr lang="en-US" altLang="ko-KR" sz="1200" kern="0" spc="0" dirty="0">
+                          <a:solidFill>
+                            <a:srgbClr val="000000"/>
+                          </a:solidFill>
+                          <a:effectLst/>
+                          <a:latin typeface="함초롬바탕"/>
+                        </a:rPr>
+                        <a:t>(</a:t>
+                      </a:r>
+                      <a:r>
+                        <a:rPr lang="ko-KR" altLang="en-US" sz="1200" kern="0" spc="0" dirty="0">
+                          <a:solidFill>
+                            <a:srgbClr val="000000"/>
+                          </a:solidFill>
+                          <a:effectLst/>
+                          <a:ea typeface="함초롬바탕"/>
+                        </a:rPr>
+                        <a:t>기본값 </a:t>
+                      </a:r>
+                      <a:r>
+                        <a:rPr lang="en-US" altLang="ko-KR" sz="1200" kern="0" spc="0" dirty="0">
+                          <a:solidFill>
+                            <a:srgbClr val="000000"/>
+                          </a:solidFill>
+                          <a:effectLst/>
+                          <a:latin typeface="함초롬바탕"/>
+                        </a:rPr>
+                        <a:t>1.0</a:t>
+                      </a:r>
+                      <a:endParaRPr lang="ko-KR" altLang="en-US" sz="1000" kern="0" spc="0" dirty="0">
+                        <a:solidFill>
+                          <a:srgbClr val="000000"/>
+                        </a:solidFill>
+                        <a:effectLst/>
+                      </a:endParaRPr>
+                    </a:p>
+                  </a:txBody>
+                  <a:tcPr marL="48578" marR="48578" marT="17907" marB="17907" anchor="ctr">
+                    <a:lnL w="3556" cap="flat" cmpd="sng" algn="ctr">
+                      <a:solidFill>
+                        <a:srgbClr val="000000"/>
+                      </a:solidFill>
+                      <a:prstDash val="solid"/>
+                      <a:round/>
+                      <a:headEnd type="none" w="med" len="med"/>
+                      <a:tailEnd type="none" w="med" len="med"/>
+                    </a:lnL>
+                    <a:lnR w="3556" cap="flat" cmpd="sng" algn="ctr">
+                      <a:solidFill>
+                        <a:srgbClr val="000000"/>
+                      </a:solidFill>
+                      <a:prstDash val="solid"/>
+                      <a:round/>
+                      <a:headEnd type="none" w="med" len="med"/>
+                      <a:tailEnd type="none" w="med" len="med"/>
+                    </a:lnR>
+                    <a:lnT w="3556" cap="flat" cmpd="sng" algn="ctr">
+                      <a:solidFill>
+                        <a:srgbClr val="000000"/>
+                      </a:solidFill>
+                      <a:prstDash val="solid"/>
+                      <a:round/>
+                      <a:headEnd type="none" w="med" len="med"/>
+                      <a:tailEnd type="none" w="med" len="med"/>
+                    </a:lnT>
+                    <a:lnB w="3556" cap="flat" cmpd="sng" algn="ctr">
+                      <a:solidFill>
+                        <a:srgbClr val="000000"/>
+                      </a:solidFill>
+                      <a:prstDash val="solid"/>
+                      <a:round/>
+                      <a:headEnd type="none" w="med" len="med"/>
+                      <a:tailEnd type="none" w="med" len="med"/>
+                    </a:lnB>
+                  </a:tcPr>
+                </a:tc>
+              </a:tr>
+              <a:tr h="0">
+                <a:tc>
+                  <a:txBody>
+                    <a:bodyPr/>
+                    <a:lstStyle/>
+                    <a:p>
+                      <a:pPr marL="0" marR="0" indent="0" algn="l" fontAlgn="base" latinLnBrk="0">
+                        <a:lnSpc>
+                          <a:spcPct val="160000"/>
+                        </a:lnSpc>
+                        <a:spcBef>
+                          <a:spcPts val="0"/>
+                        </a:spcBef>
+                        <a:spcAft>
+                          <a:spcPts val="0"/>
+                        </a:spcAft>
+                      </a:pPr>
+                      <a:r>
+                        <a:rPr lang="en-US" sz="1200" kern="0" spc="0">
+                          <a:solidFill>
+                            <a:srgbClr val="000000"/>
+                          </a:solidFill>
+                          <a:effectLst/>
+                          <a:latin typeface="함초롬바탕"/>
+                        </a:rPr>
+                        <a:t>num_stacked_layers : 1 </a:t>
+                      </a:r>
+                      <a:endParaRPr lang="en-US" sz="1000" kern="0" spc="0">
+                        <a:solidFill>
+                          <a:srgbClr val="000000"/>
+                        </a:solidFill>
+                        <a:effectLst/>
+                      </a:endParaRPr>
+                    </a:p>
+                  </a:txBody>
+                  <a:tcPr marL="48578" marR="48578" marT="17907" marB="17907" anchor="ctr">
+                    <a:lnL w="3556" cap="flat" cmpd="sng" algn="ctr">
+                      <a:solidFill>
+                        <a:srgbClr val="000000"/>
+                      </a:solidFill>
+                      <a:prstDash val="solid"/>
+                      <a:round/>
+                      <a:headEnd type="none" w="med" len="med"/>
+                      <a:tailEnd type="none" w="med" len="med"/>
+                    </a:lnL>
+                    <a:lnR w="3556" cap="flat" cmpd="sng" algn="ctr">
+                      <a:solidFill>
+                        <a:srgbClr val="000000"/>
+                      </a:solidFill>
+                      <a:prstDash val="solid"/>
+                      <a:round/>
+                      <a:headEnd type="none" w="med" len="med"/>
+                      <a:tailEnd type="none" w="med" len="med"/>
+                    </a:lnR>
+                    <a:lnT w="3556" cap="flat" cmpd="sng" algn="ctr">
+                      <a:solidFill>
+                        <a:srgbClr val="000000"/>
+                      </a:solidFill>
+                      <a:prstDash val="solid"/>
+                      <a:round/>
+                      <a:headEnd type="none" w="med" len="med"/>
+                      <a:tailEnd type="none" w="med" len="med"/>
+                    </a:lnT>
+                    <a:lnB w="3556" cap="flat" cmpd="sng" algn="ctr">
+                      <a:solidFill>
+                        <a:srgbClr val="000000"/>
+                      </a:solidFill>
+                      <a:prstDash val="solid"/>
+                      <a:round/>
+                      <a:headEnd type="none" w="med" len="med"/>
+                      <a:tailEnd type="none" w="med" len="med"/>
+                    </a:lnB>
+                  </a:tcPr>
+                </a:tc>
+                <a:tc>
+                  <a:txBody>
+                    <a:bodyPr/>
+                    <a:lstStyle/>
+                    <a:p>
+                      <a:pPr marL="0" marR="0" indent="0" algn="l" fontAlgn="base" latinLnBrk="0">
+                        <a:lnSpc>
+                          <a:spcPct val="160000"/>
+                        </a:lnSpc>
+                        <a:spcBef>
+                          <a:spcPts val="0"/>
+                        </a:spcBef>
+                        <a:spcAft>
+                          <a:spcPts val="0"/>
+                        </a:spcAft>
+                      </a:pPr>
+                      <a:r>
+                        <a:rPr lang="en-US" sz="1200" kern="0" spc="0" dirty="0">
+                          <a:solidFill>
+                            <a:srgbClr val="000000"/>
+                          </a:solidFill>
+                          <a:effectLst/>
+                          <a:latin typeface="함초롬바탕"/>
+                        </a:rPr>
+                        <a:t>stacked LSTM layers </a:t>
+                      </a:r>
+                      <a:r>
+                        <a:rPr lang="ko-KR" altLang="en-US" sz="1200" kern="0" spc="0" dirty="0">
+                          <a:solidFill>
+                            <a:srgbClr val="000000"/>
+                          </a:solidFill>
+                          <a:effectLst/>
+                          <a:ea typeface="함초롬바탕"/>
+                        </a:rPr>
+                        <a:t>개수</a:t>
+                      </a:r>
+                      <a:endParaRPr lang="ko-KR" altLang="en-US" sz="1000" kern="0" spc="0" dirty="0">
+                        <a:solidFill>
+                          <a:srgbClr val="000000"/>
+                        </a:solidFill>
+                        <a:effectLst/>
+                      </a:endParaRPr>
+                    </a:p>
+                  </a:txBody>
+                  <a:tcPr marL="48578" marR="48578" marT="17907" marB="17907" anchor="ctr">
+                    <a:lnL w="3556" cap="flat" cmpd="sng" algn="ctr">
+                      <a:solidFill>
+                        <a:srgbClr val="000000"/>
+                      </a:solidFill>
+                      <a:prstDash val="solid"/>
+                      <a:round/>
+                      <a:headEnd type="none" w="med" len="med"/>
+                      <a:tailEnd type="none" w="med" len="med"/>
+                    </a:lnL>
+                    <a:lnR w="3556" cap="flat" cmpd="sng" algn="ctr">
+                      <a:solidFill>
+                        <a:srgbClr val="000000"/>
+                      </a:solidFill>
+                      <a:prstDash val="solid"/>
+                      <a:round/>
+                      <a:headEnd type="none" w="med" len="med"/>
+                      <a:tailEnd type="none" w="med" len="med"/>
+                    </a:lnR>
+                    <a:lnT w="3556" cap="flat" cmpd="sng" algn="ctr">
+                      <a:solidFill>
+                        <a:srgbClr val="000000"/>
+                      </a:solidFill>
+                      <a:prstDash val="solid"/>
+                      <a:round/>
+                      <a:headEnd type="none" w="med" len="med"/>
+                      <a:tailEnd type="none" w="med" len="med"/>
+                    </a:lnT>
+                    <a:lnB w="3556" cap="flat" cmpd="sng" algn="ctr">
+                      <a:solidFill>
+                        <a:srgbClr val="000000"/>
+                      </a:solidFill>
+                      <a:prstDash val="solid"/>
+                      <a:round/>
+                      <a:headEnd type="none" w="med" len="med"/>
+                      <a:tailEnd type="none" w="med" len="med"/>
+                    </a:lnB>
+                  </a:tcPr>
+                </a:tc>
+              </a:tr>
+              <a:tr h="0">
+                <a:tc>
+                  <a:txBody>
+                    <a:bodyPr/>
+                    <a:lstStyle/>
+                    <a:p>
+                      <a:pPr marL="0" marR="0" indent="0" algn="l" fontAlgn="base" latinLnBrk="0">
+                        <a:lnSpc>
+                          <a:spcPct val="160000"/>
+                        </a:lnSpc>
+                        <a:spcBef>
+                          <a:spcPts val="0"/>
+                        </a:spcBef>
+                        <a:spcAft>
+                          <a:spcPts val="0"/>
+                        </a:spcAft>
+                      </a:pPr>
+                      <a:r>
+                        <a:rPr lang="en-US" sz="1200" kern="0" spc="0">
+                          <a:solidFill>
+                            <a:srgbClr val="000000"/>
+                          </a:solidFill>
+                          <a:effectLst/>
+                          <a:latin typeface="함초롬바탕"/>
+                        </a:rPr>
+                        <a:t>keep_prob: 1 </a:t>
+                      </a:r>
+                      <a:endParaRPr lang="en-US" sz="1000" kern="0" spc="0">
+                        <a:solidFill>
+                          <a:srgbClr val="000000"/>
+                        </a:solidFill>
+                        <a:effectLst/>
+                      </a:endParaRPr>
+                    </a:p>
+                  </a:txBody>
+                  <a:tcPr marL="48578" marR="48578" marT="17907" marB="17907" anchor="ctr">
+                    <a:lnL w="3556" cap="flat" cmpd="sng" algn="ctr">
+                      <a:solidFill>
+                        <a:srgbClr val="000000"/>
+                      </a:solidFill>
+                      <a:prstDash val="solid"/>
+                      <a:round/>
+                      <a:headEnd type="none" w="med" len="med"/>
+                      <a:tailEnd type="none" w="med" len="med"/>
+                    </a:lnL>
+                    <a:lnR w="3556" cap="flat" cmpd="sng" algn="ctr">
+                      <a:solidFill>
+                        <a:srgbClr val="000000"/>
+                      </a:solidFill>
+                      <a:prstDash val="solid"/>
+                      <a:round/>
+                      <a:headEnd type="none" w="med" len="med"/>
+                      <a:tailEnd type="none" w="med" len="med"/>
+                    </a:lnR>
+                    <a:lnT w="3556" cap="flat" cmpd="sng" algn="ctr">
+                      <a:solidFill>
+                        <a:srgbClr val="000000"/>
+                      </a:solidFill>
+                      <a:prstDash val="solid"/>
+                      <a:round/>
+                      <a:headEnd type="none" w="med" len="med"/>
+                      <a:tailEnd type="none" w="med" len="med"/>
+                    </a:lnT>
+                    <a:lnB w="3556" cap="flat" cmpd="sng" algn="ctr">
+                      <a:solidFill>
+                        <a:srgbClr val="000000"/>
+                      </a:solidFill>
+                      <a:prstDash val="solid"/>
+                      <a:round/>
+                      <a:headEnd type="none" w="med" len="med"/>
+                      <a:tailEnd type="none" w="med" len="med"/>
+                    </a:lnB>
+                  </a:tcPr>
+                </a:tc>
+                <a:tc>
+                  <a:txBody>
+                    <a:bodyPr/>
+                    <a:lstStyle/>
+                    <a:p>
+                      <a:pPr marL="0" marR="0" indent="0" algn="l" fontAlgn="base" latinLnBrk="0">
+                        <a:lnSpc>
+                          <a:spcPct val="160000"/>
+                        </a:lnSpc>
+                        <a:spcBef>
+                          <a:spcPts val="0"/>
+                        </a:spcBef>
+                        <a:spcAft>
+                          <a:spcPts val="0"/>
+                        </a:spcAft>
+                      </a:pPr>
+                      <a:r>
+                        <a:rPr lang="en-US" altLang="ko-KR" sz="1200" kern="0" spc="0" dirty="0">
+                          <a:solidFill>
+                            <a:srgbClr val="000000"/>
+                          </a:solidFill>
+                          <a:effectLst/>
+                          <a:latin typeface="함초롬바탕"/>
+                        </a:rPr>
+                        <a:t>dropout </a:t>
+                      </a:r>
+                      <a:r>
+                        <a:rPr lang="ko-KR" altLang="en-US" sz="1200" kern="0" spc="0" dirty="0">
+                          <a:solidFill>
+                            <a:srgbClr val="000000"/>
+                          </a:solidFill>
+                          <a:effectLst/>
+                          <a:ea typeface="함초롬바탕"/>
+                        </a:rPr>
+                        <a:t>할 때 </a:t>
+                      </a:r>
+                      <a:r>
+                        <a:rPr lang="en-US" altLang="ko-KR" sz="1200" kern="0" spc="0" dirty="0">
+                          <a:solidFill>
+                            <a:srgbClr val="000000"/>
+                          </a:solidFill>
+                          <a:effectLst/>
+                          <a:latin typeface="함초롬바탕"/>
+                        </a:rPr>
+                        <a:t>keep</a:t>
+                      </a:r>
+                      <a:r>
+                        <a:rPr lang="ko-KR" altLang="en-US" sz="1200" kern="0" spc="0" dirty="0">
+                          <a:solidFill>
+                            <a:srgbClr val="000000"/>
+                          </a:solidFill>
+                          <a:effectLst/>
+                          <a:ea typeface="함초롬바탕"/>
+                        </a:rPr>
+                        <a:t>할 비율</a:t>
+                      </a:r>
+                      <a:endParaRPr lang="ko-KR" altLang="en-US" sz="1000" kern="0" spc="0" dirty="0">
+                        <a:solidFill>
+                          <a:srgbClr val="000000"/>
+                        </a:solidFill>
+                        <a:effectLst/>
+                      </a:endParaRPr>
+                    </a:p>
+                  </a:txBody>
+                  <a:tcPr marL="48578" marR="48578" marT="17907" marB="17907" anchor="ctr">
+                    <a:lnL w="3556" cap="flat" cmpd="sng" algn="ctr">
+                      <a:solidFill>
+                        <a:srgbClr val="000000"/>
+                      </a:solidFill>
+                      <a:prstDash val="solid"/>
+                      <a:round/>
+                      <a:headEnd type="none" w="med" len="med"/>
+                      <a:tailEnd type="none" w="med" len="med"/>
+                    </a:lnL>
+                    <a:lnR w="3556" cap="flat" cmpd="sng" algn="ctr">
+                      <a:solidFill>
+                        <a:srgbClr val="000000"/>
+                      </a:solidFill>
+                      <a:prstDash val="solid"/>
+                      <a:round/>
+                      <a:headEnd type="none" w="med" len="med"/>
+                      <a:tailEnd type="none" w="med" len="med"/>
+                    </a:lnR>
+                    <a:lnT w="3556" cap="flat" cmpd="sng" algn="ctr">
+                      <a:solidFill>
+                        <a:srgbClr val="000000"/>
+                      </a:solidFill>
+                      <a:prstDash val="solid"/>
+                      <a:round/>
+                      <a:headEnd type="none" w="med" len="med"/>
+                      <a:tailEnd type="none" w="med" len="med"/>
+                    </a:lnT>
+                    <a:lnB w="3556" cap="flat" cmpd="sng" algn="ctr">
+                      <a:solidFill>
+                        <a:srgbClr val="000000"/>
+                      </a:solidFill>
+                      <a:prstDash val="solid"/>
+                      <a:round/>
+                      <a:headEnd type="none" w="med" len="med"/>
+                      <a:tailEnd type="none" w="med" len="med"/>
+                    </a:lnB>
+                  </a:tcPr>
+                </a:tc>
+              </a:tr>
+              <a:tr h="0">
+                <a:tc>
+                  <a:txBody>
+                    <a:bodyPr/>
+                    <a:lstStyle/>
+                    <a:p>
+                      <a:pPr marL="0" marR="0" indent="0" algn="l" fontAlgn="base" latinLnBrk="0">
+                        <a:lnSpc>
+                          <a:spcPct val="160000"/>
+                        </a:lnSpc>
+                        <a:spcBef>
+                          <a:spcPts val="0"/>
+                        </a:spcBef>
+                        <a:spcAft>
+                          <a:spcPts val="0"/>
+                        </a:spcAft>
+                      </a:pPr>
+                      <a:r>
+                        <a:rPr lang="en-US" sz="1200" kern="0" spc="0">
+                          <a:solidFill>
+                            <a:srgbClr val="000000"/>
+                          </a:solidFill>
+                          <a:effectLst/>
+                          <a:latin typeface="함초롬바탕"/>
+                        </a:rPr>
+                        <a:t>epoch_num : 1000</a:t>
+                      </a:r>
+                      <a:endParaRPr lang="en-US" sz="1000" kern="0" spc="0">
+                        <a:solidFill>
+                          <a:srgbClr val="000000"/>
+                        </a:solidFill>
+                        <a:effectLst/>
+                      </a:endParaRPr>
+                    </a:p>
+                  </a:txBody>
+                  <a:tcPr marL="48578" marR="48578" marT="17907" marB="17907" anchor="ctr">
+                    <a:lnL w="3556" cap="flat" cmpd="sng" algn="ctr">
+                      <a:solidFill>
+                        <a:srgbClr val="000000"/>
+                      </a:solidFill>
+                      <a:prstDash val="solid"/>
+                      <a:round/>
+                      <a:headEnd type="none" w="med" len="med"/>
+                      <a:tailEnd type="none" w="med" len="med"/>
+                    </a:lnL>
+                    <a:lnR w="3556" cap="flat" cmpd="sng" algn="ctr">
+                      <a:solidFill>
+                        <a:srgbClr val="000000"/>
+                      </a:solidFill>
+                      <a:prstDash val="solid"/>
+                      <a:round/>
+                      <a:headEnd type="none" w="med" len="med"/>
+                      <a:tailEnd type="none" w="med" len="med"/>
+                    </a:lnR>
+                    <a:lnT w="3556" cap="flat" cmpd="sng" algn="ctr">
+                      <a:solidFill>
+                        <a:srgbClr val="000000"/>
+                      </a:solidFill>
+                      <a:prstDash val="solid"/>
+                      <a:round/>
+                      <a:headEnd type="none" w="med" len="med"/>
+                      <a:tailEnd type="none" w="med" len="med"/>
+                    </a:lnT>
+                    <a:lnB w="3556" cap="flat" cmpd="sng" algn="ctr">
+                      <a:solidFill>
+                        <a:srgbClr val="000000"/>
+                      </a:solidFill>
+                      <a:prstDash val="solid"/>
+                      <a:round/>
+                      <a:headEnd type="none" w="med" len="med"/>
+                      <a:tailEnd type="none" w="med" len="med"/>
+                    </a:lnB>
+                  </a:tcPr>
+                </a:tc>
+                <a:tc>
+                  <a:txBody>
+                    <a:bodyPr/>
+                    <a:lstStyle/>
+                    <a:p>
+                      <a:pPr marL="0" marR="0" indent="0" algn="l" fontAlgn="base" latinLnBrk="0">
+                        <a:lnSpc>
+                          <a:spcPct val="160000"/>
+                        </a:lnSpc>
+                        <a:spcBef>
+                          <a:spcPts val="0"/>
+                        </a:spcBef>
+                        <a:spcAft>
+                          <a:spcPts val="0"/>
+                        </a:spcAft>
+                      </a:pPr>
+                      <a:r>
+                        <a:rPr lang="ko-KR" altLang="en-US" sz="1200" kern="0" spc="0" dirty="0" err="1">
+                          <a:solidFill>
+                            <a:srgbClr val="000000"/>
+                          </a:solidFill>
+                          <a:effectLst/>
+                          <a:ea typeface="함초롬바탕"/>
+                        </a:rPr>
+                        <a:t>에폭</a:t>
+                      </a:r>
+                      <a:r>
+                        <a:rPr lang="ko-KR" altLang="en-US" sz="1200" kern="0" spc="0" dirty="0">
+                          <a:solidFill>
+                            <a:srgbClr val="000000"/>
+                          </a:solidFill>
+                          <a:effectLst/>
+                          <a:ea typeface="함초롬바탕"/>
+                        </a:rPr>
+                        <a:t> 횟수</a:t>
+                      </a:r>
+                      <a:endParaRPr lang="ko-KR" altLang="en-US" sz="1000" kern="0" spc="0" dirty="0">
+                        <a:solidFill>
+                          <a:srgbClr val="000000"/>
+                        </a:solidFill>
+                        <a:effectLst/>
+                      </a:endParaRPr>
+                    </a:p>
+                  </a:txBody>
+                  <a:tcPr marL="48578" marR="48578" marT="17907" marB="17907" anchor="ctr">
+                    <a:lnL w="3556" cap="flat" cmpd="sng" algn="ctr">
+                      <a:solidFill>
+                        <a:srgbClr val="000000"/>
+                      </a:solidFill>
+                      <a:prstDash val="solid"/>
+                      <a:round/>
+                      <a:headEnd type="none" w="med" len="med"/>
+                      <a:tailEnd type="none" w="med" len="med"/>
+                    </a:lnL>
+                    <a:lnR w="3556" cap="flat" cmpd="sng" algn="ctr">
+                      <a:solidFill>
+                        <a:srgbClr val="000000"/>
+                      </a:solidFill>
+                      <a:prstDash val="solid"/>
+                      <a:round/>
+                      <a:headEnd type="none" w="med" len="med"/>
+                      <a:tailEnd type="none" w="med" len="med"/>
+                    </a:lnR>
+                    <a:lnT w="3556" cap="flat" cmpd="sng" algn="ctr">
+                      <a:solidFill>
+                        <a:srgbClr val="000000"/>
+                      </a:solidFill>
+                      <a:prstDash val="solid"/>
+                      <a:round/>
+                      <a:headEnd type="none" w="med" len="med"/>
+                      <a:tailEnd type="none" w="med" len="med"/>
+                    </a:lnT>
+                    <a:lnB w="3556" cap="flat" cmpd="sng" algn="ctr">
+                      <a:solidFill>
+                        <a:srgbClr val="000000"/>
+                      </a:solidFill>
+                      <a:prstDash val="solid"/>
+                      <a:round/>
+                      <a:headEnd type="none" w="med" len="med"/>
+                      <a:tailEnd type="none" w="med" len="med"/>
+                    </a:lnB>
+                  </a:tcPr>
+                </a:tc>
+              </a:tr>
+              <a:tr h="0">
+                <a:tc>
+                  <a:txBody>
+                    <a:bodyPr/>
+                    <a:lstStyle/>
+                    <a:p>
+                      <a:pPr marL="0" marR="0" indent="0" algn="l" fontAlgn="base" latinLnBrk="0">
+                        <a:lnSpc>
+                          <a:spcPct val="160000"/>
+                        </a:lnSpc>
+                        <a:spcBef>
+                          <a:spcPts val="0"/>
+                        </a:spcBef>
+                        <a:spcAft>
+                          <a:spcPts val="0"/>
+                        </a:spcAft>
+                      </a:pPr>
+                      <a:r>
+                        <a:rPr lang="en-US" sz="1200" kern="0" spc="0">
+                          <a:solidFill>
+                            <a:srgbClr val="000000"/>
+                          </a:solidFill>
+                          <a:effectLst/>
+                          <a:latin typeface="함초롬바탕"/>
+                        </a:rPr>
+                        <a:t>learning_rate : 0.01</a:t>
+                      </a:r>
+                      <a:endParaRPr lang="en-US" sz="1000" kern="0" spc="0">
+                        <a:solidFill>
+                          <a:srgbClr val="000000"/>
+                        </a:solidFill>
+                        <a:effectLst/>
+                      </a:endParaRPr>
+                    </a:p>
+                  </a:txBody>
+                  <a:tcPr marL="48578" marR="48578" marT="17907" marB="17907" anchor="ctr">
+                    <a:lnL w="3556" cap="flat" cmpd="sng" algn="ctr">
+                      <a:solidFill>
+                        <a:srgbClr val="000000"/>
+                      </a:solidFill>
+                      <a:prstDash val="solid"/>
+                      <a:round/>
+                      <a:headEnd type="none" w="med" len="med"/>
+                      <a:tailEnd type="none" w="med" len="med"/>
+                    </a:lnL>
+                    <a:lnR w="3556" cap="flat" cmpd="sng" algn="ctr">
+                      <a:solidFill>
+                        <a:srgbClr val="000000"/>
+                      </a:solidFill>
+                      <a:prstDash val="solid"/>
+                      <a:round/>
+                      <a:headEnd type="none" w="med" len="med"/>
+                      <a:tailEnd type="none" w="med" len="med"/>
+                    </a:lnR>
+                    <a:lnT w="3556" cap="flat" cmpd="sng" algn="ctr">
+                      <a:solidFill>
+                        <a:srgbClr val="000000"/>
+                      </a:solidFill>
+                      <a:prstDash val="solid"/>
+                      <a:round/>
+                      <a:headEnd type="none" w="med" len="med"/>
+                      <a:tailEnd type="none" w="med" len="med"/>
+                    </a:lnT>
+                    <a:lnB w="3556" cap="flat" cmpd="sng" algn="ctr">
+                      <a:solidFill>
+                        <a:srgbClr val="000000"/>
+                      </a:solidFill>
+                      <a:prstDash val="solid"/>
+                      <a:round/>
+                      <a:headEnd type="none" w="med" len="med"/>
+                      <a:tailEnd type="none" w="med" len="med"/>
+                    </a:lnB>
+                  </a:tcPr>
+                </a:tc>
+                <a:tc>
+                  <a:txBody>
+                    <a:bodyPr/>
+                    <a:lstStyle/>
+                    <a:p>
+                      <a:pPr marL="0" marR="0" indent="0" algn="l" fontAlgn="base" latinLnBrk="0">
+                        <a:lnSpc>
+                          <a:spcPct val="160000"/>
+                        </a:lnSpc>
+                        <a:spcBef>
+                          <a:spcPts val="0"/>
+                        </a:spcBef>
+                        <a:spcAft>
+                          <a:spcPts val="0"/>
+                        </a:spcAft>
+                      </a:pPr>
+                      <a:r>
+                        <a:rPr lang="ko-KR" altLang="en-US" sz="1200" kern="0" spc="0" dirty="0" err="1">
+                          <a:solidFill>
+                            <a:srgbClr val="000000"/>
+                          </a:solidFill>
+                          <a:effectLst/>
+                          <a:ea typeface="함초롬바탕"/>
+                        </a:rPr>
+                        <a:t>학습률</a:t>
+                      </a:r>
+                      <a:endParaRPr lang="ko-KR" altLang="en-US" sz="1000" kern="0" spc="0" dirty="0">
+                        <a:solidFill>
+                          <a:srgbClr val="000000"/>
+                        </a:solidFill>
+                        <a:effectLst/>
+                      </a:endParaRPr>
+                    </a:p>
+                  </a:txBody>
+                  <a:tcPr marL="48578" marR="48578" marT="17907" marB="17907" anchor="ctr">
+                    <a:lnL w="3556" cap="flat" cmpd="sng" algn="ctr">
+                      <a:solidFill>
+                        <a:srgbClr val="000000"/>
+                      </a:solidFill>
+                      <a:prstDash val="solid"/>
+                      <a:round/>
+                      <a:headEnd type="none" w="med" len="med"/>
+                      <a:tailEnd type="none" w="med" len="med"/>
+                    </a:lnL>
+                    <a:lnR w="3556" cap="flat" cmpd="sng" algn="ctr">
+                      <a:solidFill>
+                        <a:srgbClr val="000000"/>
+                      </a:solidFill>
+                      <a:prstDash val="solid"/>
+                      <a:round/>
+                      <a:headEnd type="none" w="med" len="med"/>
+                      <a:tailEnd type="none" w="med" len="med"/>
+                    </a:lnR>
+                    <a:lnT w="3556" cap="flat" cmpd="sng" algn="ctr">
+                      <a:solidFill>
+                        <a:srgbClr val="000000"/>
+                      </a:solidFill>
+                      <a:prstDash val="solid"/>
+                      <a:round/>
+                      <a:headEnd type="none" w="med" len="med"/>
+                      <a:tailEnd type="none" w="med" len="med"/>
+                    </a:lnT>
+                    <a:lnB w="3556" cap="flat" cmpd="sng" algn="ctr">
+                      <a:solidFill>
+                        <a:srgbClr val="000000"/>
+                      </a:solidFill>
+                      <a:prstDash val="solid"/>
+                      <a:round/>
+                      <a:headEnd type="none" w="med" len="med"/>
+                      <a:tailEnd type="none" w="med" len="med"/>
+                    </a:lnB>
+                  </a:tcPr>
+                </a:tc>
+              </a:tr>
+            </a:tbl>
+          </a:graphicData>
+        </a:graphic>
+      </p:graphicFrame>
+      <p:sp>
+        <p:nvSpPr>
+          <p:cNvPr id="4" name="Rectangle 1"/>
+          <p:cNvSpPr>
+            <a:spLocks noChangeArrowheads="1"/>
+          </p:cNvSpPr>
+          <p:nvPr/>
+        </p:nvSpPr>
+        <p:spPr bwMode="auto">
+          <a:xfrm>
+            <a:off x="2574131" y="2568059"/>
+            <a:ext cx="184731" cy="369332"/>
+          </a:xfrm>
+          <a:prstGeom prst="rect">
+            <a:avLst/>
+          </a:prstGeom>
+          <a:noFill/>
+          <a:ln>
+            <a:noFill/>
+          </a:ln>
+          <a:effectLst/>
+          <a:extLst>
+            <a:ext uri="{909E8E84-426E-40DD-AFC4-6F175D3DCCD1}">
+              <a14:hiddenFill xmlns:a14="http://schemas.microsoft.com/office/drawing/2010/main">
+                <a:solidFill>
+                  <a:schemeClr val="accent1"/>
+                </a:solidFill>
+              </a14:hiddenFill>
+            </a:ext>
+            <a:ext uri="{91240B29-F687-4F45-9708-019B960494DF}">
+              <a14:hiddenLine xmlns:a14="http://schemas.microsoft.com/office/drawing/2010/main" w="9525">
+                <a:solidFill>
+                  <a:schemeClr val="tx1"/>
+                </a:solidFill>
+                <a:miter lim="800000"/>
+                <a:headEnd/>
+                <a:tailEnd/>
+              </a14:hiddenLine>
+            </a:ext>
+            <a:ext uri="{AF507438-7753-43E0-B8FC-AC1667EBCBE1}">
+              <a14:hiddenEffects xmlns:a14="http://schemas.microsoft.com/office/drawing/2010/main">
+                <a:effectLst>
+                  <a:outerShdw dist="35921" dir="2700000" algn="ctr" rotWithShape="0">
+                    <a:schemeClr val="bg2"/>
+                  </a:outerShdw>
+                </a:effectLst>
+              </a14:hiddenEffects>
+            </a:ext>
+          </a:extLst>
+        </p:spPr>
+        <p:txBody>
+          <a:bodyPr vert="horz" wrap="none" lIns="91440" tIns="45720" rIns="91440" bIns="45720" numCol="1" anchor="ctr" anchorCtr="0" compatLnSpc="1">
+            <a:prstTxWarp prst="textNoShape">
+              <a:avLst/>
+            </a:prstTxWarp>
+            <a:spAutoFit/>
+          </a:bodyPr>
+          <a:lstStyle/>
+          <a:p>
+            <a:endParaRPr lang="ko-KR" altLang="en-US"/>
+          </a:p>
+        </p:txBody>
+      </p:sp>
     </p:spTree>
     <p:extLst>
       <p:ext uri="{BB962C8B-B14F-4D97-AF65-F5344CB8AC3E}">
@@ -3283,8 +7427,8 @@
         </p:blipFill>
         <p:spPr>
           <a:xfrm>
-            <a:off x="5208576" y="774312"/>
-            <a:ext cx="5852172" cy="4379985"/>
+            <a:off x="3906432" y="774313"/>
+            <a:ext cx="4389129" cy="4379985"/>
           </a:xfrm>
           <a:prstGeom prst="rect">
             <a:avLst/>
@@ -3313,8 +7457,8 @@
         </p:blipFill>
         <p:spPr>
           <a:xfrm>
-            <a:off x="366752" y="969184"/>
-            <a:ext cx="5852172" cy="4379985"/>
+            <a:off x="275064" y="969185"/>
+            <a:ext cx="4389129" cy="4379985"/>
           </a:xfrm>
           <a:prstGeom prst="rect">
             <a:avLst/>
@@ -3359,20 +7503,136 @@
           </p:cNvPicPr>
           <p:nvPr/>
         </p:nvPicPr>
+        <p:blipFill rotWithShape="1">
+          <a:blip r:embed="rId2"/>
+          <a:srcRect b="60746"/>
+          <a:stretch/>
+        </p:blipFill>
+        <p:spPr>
+          <a:xfrm>
+            <a:off x="7336007" y="1715009"/>
+            <a:ext cx="1543050" cy="2314439"/>
+          </a:xfrm>
+          <a:prstGeom prst="rect">
+            <a:avLst/>
+          </a:prstGeom>
+        </p:spPr>
+      </p:pic>
+      <p:sp>
+        <p:nvSpPr>
+          <p:cNvPr id="3" name="Rectangle 1"/>
+          <p:cNvSpPr>
+            <a:spLocks noChangeArrowheads="1"/>
+          </p:cNvSpPr>
+          <p:nvPr/>
+        </p:nvSpPr>
+        <p:spPr bwMode="auto">
+          <a:xfrm>
+            <a:off x="2574131" y="2568059"/>
+            <a:ext cx="184731" cy="369332"/>
+          </a:xfrm>
+          <a:prstGeom prst="rect">
+            <a:avLst/>
+          </a:prstGeom>
+          <a:noFill/>
+          <a:ln>
+            <a:noFill/>
+          </a:ln>
+          <a:effectLst/>
+          <a:extLst>
+            <a:ext uri="{909E8E84-426E-40DD-AFC4-6F175D3DCCD1}">
+              <a14:hiddenFill xmlns:a14="http://schemas.microsoft.com/office/drawing/2010/main">
+                <a:solidFill>
+                  <a:schemeClr val="accent1"/>
+                </a:solidFill>
+              </a14:hiddenFill>
+            </a:ext>
+            <a:ext uri="{91240B29-F687-4F45-9708-019B960494DF}">
+              <a14:hiddenLine xmlns:a14="http://schemas.microsoft.com/office/drawing/2010/main" w="9525">
+                <a:solidFill>
+                  <a:schemeClr val="tx1"/>
+                </a:solidFill>
+                <a:miter lim="800000"/>
+                <a:headEnd/>
+                <a:tailEnd/>
+              </a14:hiddenLine>
+            </a:ext>
+            <a:ext uri="{AF507438-7753-43E0-B8FC-AC1667EBCBE1}">
+              <a14:hiddenEffects xmlns:a14="http://schemas.microsoft.com/office/drawing/2010/main">
+                <a:effectLst>
+                  <a:outerShdw dist="35921" dir="2700000" algn="ctr" rotWithShape="0">
+                    <a:schemeClr val="bg2"/>
+                  </a:outerShdw>
+                </a:effectLst>
+              </a14:hiddenEffects>
+            </a:ext>
+          </a:extLst>
+        </p:spPr>
+        <p:txBody>
+          <a:bodyPr vert="horz" wrap="none" lIns="91440" tIns="45720" rIns="91440" bIns="45720" numCol="1" anchor="ctr" anchorCtr="0" compatLnSpc="1">
+            <a:prstTxWarp prst="textNoShape">
+              <a:avLst/>
+            </a:prstTxWarp>
+            <a:spAutoFit/>
+          </a:bodyPr>
+          <a:lstStyle/>
+          <a:p>
+            <a:endParaRPr lang="ko-KR" altLang="en-US"/>
+          </a:p>
+        </p:txBody>
+      </p:sp>
+      <p:pic>
+        <p:nvPicPr>
+          <p:cNvPr id="2050" name="Picture 2"/>
+          <p:cNvPicPr>
+            <a:picLocks noChangeAspect="1" noChangeArrowheads="1"/>
+          </p:cNvPicPr>
+          <p:nvPr/>
+        </p:nvPicPr>
         <p:blipFill>
-          <a:blip r:embed="rId2"/>
+          <a:blip r:embed="rId3">
+            <a:extLst>
+              <a:ext uri="{28A0092B-C50C-407E-A947-70E740481C1C}">
+                <a14:useLocalDpi xmlns:a14="http://schemas.microsoft.com/office/drawing/2010/main" val="0"/>
+              </a:ext>
+            </a:extLst>
+          </a:blip>
+          <a:srcRect/>
           <a:stretch>
             <a:fillRect/>
           </a:stretch>
         </p:blipFill>
-        <p:spPr>
+        <p:spPr bwMode="auto">
           <a:xfrm>
-            <a:off x="5067300" y="481012"/>
-            <a:ext cx="2057400" cy="5895975"/>
+            <a:off x="458171" y="1963815"/>
+            <a:ext cx="5457825" cy="2362200"/>
           </a:xfrm>
           <a:prstGeom prst="rect">
             <a:avLst/>
           </a:prstGeom>
+          <a:noFill/>
+          <a:ln>
+            <a:noFill/>
+          </a:ln>
+          <a:extLst>
+            <a:ext uri="{909E8E84-426E-40DD-AFC4-6F175D3DCCD1}">
+              <a14:hiddenFill xmlns:a14="http://schemas.microsoft.com/office/drawing/2010/main">
+                <a:solidFill>
+                  <a:schemeClr val="accent1"/>
+                </a:solidFill>
+              </a14:hiddenFill>
+            </a:ext>
+            <a:ext uri="{91240B29-F687-4F45-9708-019B960494DF}">
+              <a14:hiddenLine xmlns:a14="http://schemas.microsoft.com/office/drawing/2010/main" w="9525">
+                <a:solidFill>
+                  <a:schemeClr val="tx1"/>
+                </a:solidFill>
+                <a:miter lim="800000"/>
+                <a:headEnd/>
+                <a:tailEnd/>
+              </a14:hiddenLine>
+            </a:ext>
+          </a:extLst>
         </p:spPr>
       </p:pic>
     </p:spTree>
@@ -3385,6 +7645,2124 @@
   <p:clrMapOvr>
     <a:masterClrMapping/>
   </p:clrMapOvr>
+</p:sld>
+</file>
+
+<file path=ppt/slides/slide5.xml><?xml version="1.0" encoding="utf-8"?>
+<p:sld xmlns:a="http://schemas.openxmlformats.org/drawingml/2006/main" xmlns:r="http://schemas.openxmlformats.org/officeDocument/2006/relationships" xmlns:p="http://schemas.openxmlformats.org/presentationml/2006/main">
+  <p:cSld>
+    <p:spTree>
+      <p:nvGrpSpPr>
+        <p:cNvPr id="1" name=""/>
+        <p:cNvGrpSpPr/>
+        <p:nvPr/>
+      </p:nvGrpSpPr>
+      <p:grpSpPr>
+        <a:xfrm>
+          <a:off x="0" y="0"/>
+          <a:ext cx="0" cy="0"/>
+          <a:chOff x="0" y="0"/>
+          <a:chExt cx="0" cy="0"/>
+        </a:xfrm>
+      </p:grpSpPr>
+      <p:pic>
+        <p:nvPicPr>
+          <p:cNvPr id="3076" name="Picture 4" descr="https://lh5.googleusercontent.com/uFR4RtP2q4LaD0NrfZeFBMBRRigK8BtPEcyHhVvGAH5E11rE-0jZsZsAS-gk42y71Uxqv3Fqwf_Olc29OAMRu5a3fWRcUe2RU_sIV7AA6Zg8uaeb6Agmiuo_vzG0Rjm4Q9TKEcbu"/>
+          <p:cNvPicPr>
+            <a:picLocks noChangeAspect="1" noChangeArrowheads="1"/>
+          </p:cNvPicPr>
+          <p:nvPr/>
+        </p:nvPicPr>
+        <p:blipFill>
+          <a:blip r:embed="rId2">
+            <a:extLst>
+              <a:ext uri="{28A0092B-C50C-407E-A947-70E740481C1C}">
+                <a14:useLocalDpi xmlns:a14="http://schemas.microsoft.com/office/drawing/2010/main" val="0"/>
+              </a:ext>
+            </a:extLst>
+          </a:blip>
+          <a:srcRect/>
+          <a:stretch>
+            <a:fillRect/>
+          </a:stretch>
+        </p:blipFill>
+        <p:spPr bwMode="auto">
+          <a:xfrm>
+            <a:off x="2121797" y="2454730"/>
+            <a:ext cx="4457700" cy="3895725"/>
+          </a:xfrm>
+          <a:prstGeom prst="rect">
+            <a:avLst/>
+          </a:prstGeom>
+          <a:noFill/>
+          <a:extLst>
+            <a:ext uri="{909E8E84-426E-40DD-AFC4-6F175D3DCCD1}">
+              <a14:hiddenFill xmlns:a14="http://schemas.microsoft.com/office/drawing/2010/main">
+                <a:solidFill>
+                  <a:srgbClr val="FFFFFF"/>
+                </a:solidFill>
+              </a14:hiddenFill>
+            </a:ext>
+          </a:extLst>
+        </p:spPr>
+      </p:pic>
+    </p:spTree>
+    <p:extLst>
+      <p:ext uri="{BB962C8B-B14F-4D97-AF65-F5344CB8AC3E}">
+        <p14:creationId xmlns:p14="http://schemas.microsoft.com/office/powerpoint/2010/main" val="2011005991"/>
+      </p:ext>
+    </p:extLst>
+  </p:cSld>
+  <p:clrMapOvr>
+    <a:masterClrMapping/>
+  </p:clrMapOvr>
+  <p:timing>
+    <p:tnLst>
+      <p:par>
+        <p:cTn id="1" dur="indefinite" restart="never" nodeType="tmRoot"/>
+      </p:par>
+    </p:tnLst>
+  </p:timing>
+</p:sld>
+</file>
+
+<file path=ppt/slides/slide6.xml><?xml version="1.0" encoding="utf-8"?>
+<p:sld xmlns:a="http://schemas.openxmlformats.org/drawingml/2006/main" xmlns:r="http://schemas.openxmlformats.org/officeDocument/2006/relationships" xmlns:p="http://schemas.openxmlformats.org/presentationml/2006/main">
+  <p:cSld>
+    <p:spTree>
+      <p:nvGrpSpPr>
+        <p:cNvPr id="1" name=""/>
+        <p:cNvGrpSpPr/>
+        <p:nvPr/>
+      </p:nvGrpSpPr>
+      <p:grpSpPr>
+        <a:xfrm>
+          <a:off x="0" y="0"/>
+          <a:ext cx="0" cy="0"/>
+          <a:chOff x="0" y="0"/>
+          <a:chExt cx="0" cy="0"/>
+        </a:xfrm>
+      </p:grpSpPr>
+      <p:sp>
+        <p:nvSpPr>
+          <p:cNvPr id="4" name="직사각형 3"/>
+          <p:cNvSpPr/>
+          <p:nvPr/>
+        </p:nvSpPr>
+        <p:spPr>
+          <a:xfrm>
+            <a:off x="101939" y="440174"/>
+            <a:ext cx="1696298" cy="369332"/>
+          </a:xfrm>
+          <a:prstGeom prst="rect">
+            <a:avLst/>
+          </a:prstGeom>
+        </p:spPr>
+        <p:txBody>
+          <a:bodyPr wrap="none">
+            <a:spAutoFit/>
+          </a:bodyPr>
+          <a:lstStyle/>
+          <a:p>
+            <a:r>
+              <a:rPr lang="en-US" altLang="ko-KR" b="1" dirty="0"/>
+              <a:t>9. </a:t>
+            </a:r>
+            <a:r>
+              <a:rPr lang="ko-KR" altLang="en-US" b="1" dirty="0"/>
+              <a:t>분석 </a:t>
+            </a:r>
+            <a:r>
+              <a:rPr lang="ko-KR" altLang="en-US" b="1" dirty="0" err="1"/>
+              <a:t>레이어</a:t>
+            </a:r>
+            <a:endParaRPr lang="ko-KR" altLang="en-US" dirty="0"/>
+          </a:p>
+        </p:txBody>
+      </p:sp>
+      <p:grpSp>
+        <p:nvGrpSpPr>
+          <p:cNvPr id="6" name="그룹 5"/>
+          <p:cNvGrpSpPr/>
+          <p:nvPr/>
+        </p:nvGrpSpPr>
+        <p:grpSpPr>
+          <a:xfrm>
+            <a:off x="130622" y="2715506"/>
+            <a:ext cx="2821577" cy="2840586"/>
+            <a:chOff x="365760" y="2236511"/>
+            <a:chExt cx="3762103" cy="2840586"/>
+          </a:xfrm>
+        </p:grpSpPr>
+        <p:pic>
+          <p:nvPicPr>
+            <p:cNvPr id="4100" name="Picture 4" descr="하둡 이미지 검색결과&quot;"/>
+            <p:cNvPicPr>
+              <a:picLocks noChangeAspect="1" noChangeArrowheads="1"/>
+            </p:cNvPicPr>
+            <p:nvPr/>
+          </p:nvPicPr>
+          <p:blipFill>
+            <a:blip r:embed="rId2">
+              <a:extLst>
+                <a:ext uri="{28A0092B-C50C-407E-A947-70E740481C1C}">
+                  <a14:useLocalDpi xmlns:a14="http://schemas.microsoft.com/office/drawing/2010/main" val="0"/>
+                </a:ext>
+              </a:extLst>
+            </a:blip>
+            <a:srcRect/>
+            <a:stretch>
+              <a:fillRect/>
+            </a:stretch>
+          </p:blipFill>
+          <p:spPr bwMode="auto">
+            <a:xfrm>
+              <a:off x="984068" y="2236511"/>
+              <a:ext cx="2531382" cy="1152215"/>
+            </a:xfrm>
+            <a:prstGeom prst="rect">
+              <a:avLst/>
+            </a:prstGeom>
+            <a:noFill/>
+            <a:extLst>
+              <a:ext uri="{909E8E84-426E-40DD-AFC4-6F175D3DCCD1}">
+                <a14:hiddenFill xmlns:a14="http://schemas.microsoft.com/office/drawing/2010/main">
+                  <a:solidFill>
+                    <a:srgbClr val="FFFFFF"/>
+                  </a:solidFill>
+                </a14:hiddenFill>
+              </a:ext>
+            </a:extLst>
+          </p:spPr>
+        </p:pic>
+        <p:pic>
+          <p:nvPicPr>
+            <p:cNvPr id="4101" name="Picture 5"/>
+            <p:cNvPicPr>
+              <a:picLocks noChangeAspect="1" noChangeArrowheads="1"/>
+            </p:cNvPicPr>
+            <p:nvPr/>
+          </p:nvPicPr>
+          <p:blipFill rotWithShape="1">
+            <a:blip r:embed="rId3">
+              <a:extLst>
+                <a:ext uri="{28A0092B-C50C-407E-A947-70E740481C1C}">
+                  <a14:useLocalDpi xmlns:a14="http://schemas.microsoft.com/office/drawing/2010/main" val="0"/>
+                </a:ext>
+              </a:extLst>
+            </a:blip>
+            <a:srcRect t="68430" r="22819"/>
+            <a:stretch/>
+          </p:blipFill>
+          <p:spPr bwMode="auto">
+            <a:xfrm>
+              <a:off x="535314" y="3488089"/>
+              <a:ext cx="3428889" cy="1390487"/>
+            </a:xfrm>
+            <a:prstGeom prst="rect">
+              <a:avLst/>
+            </a:prstGeom>
+            <a:noFill/>
+            <a:ln>
+              <a:noFill/>
+            </a:ln>
+            <a:extLst>
+              <a:ext uri="{909E8E84-426E-40DD-AFC4-6F175D3DCCD1}">
+                <a14:hiddenFill xmlns:a14="http://schemas.microsoft.com/office/drawing/2010/main">
+                  <a:solidFill>
+                    <a:schemeClr val="accent1"/>
+                  </a:solidFill>
+                </a14:hiddenFill>
+              </a:ext>
+              <a:ext uri="{91240B29-F687-4F45-9708-019B960494DF}">
+                <a14:hiddenLine xmlns:a14="http://schemas.microsoft.com/office/drawing/2010/main" w="9525">
+                  <a:solidFill>
+                    <a:schemeClr val="tx1"/>
+                  </a:solidFill>
+                  <a:miter lim="800000"/>
+                  <a:headEnd/>
+                  <a:tailEnd/>
+                </a14:hiddenLine>
+              </a:ext>
+            </a:extLst>
+          </p:spPr>
+        </p:pic>
+        <p:sp>
+          <p:nvSpPr>
+            <p:cNvPr id="5" name="직사각형 4"/>
+            <p:cNvSpPr/>
+            <p:nvPr/>
+          </p:nvSpPr>
+          <p:spPr>
+            <a:xfrm>
+              <a:off x="365760" y="2236511"/>
+              <a:ext cx="3762103" cy="2840586"/>
+            </a:xfrm>
+            <a:prstGeom prst="rect">
+              <a:avLst/>
+            </a:prstGeom>
+            <a:noFill/>
+            <a:ln>
+              <a:solidFill>
+                <a:schemeClr val="tx1"/>
+              </a:solidFill>
+            </a:ln>
+          </p:spPr>
+          <p:style>
+            <a:lnRef idx="2">
+              <a:schemeClr val="accent1">
+                <a:shade val="50000"/>
+              </a:schemeClr>
+            </a:lnRef>
+            <a:fillRef idx="1">
+              <a:schemeClr val="accent1"/>
+            </a:fillRef>
+            <a:effectRef idx="0">
+              <a:schemeClr val="accent1"/>
+            </a:effectRef>
+            <a:fontRef idx="minor">
+              <a:schemeClr val="lt1"/>
+            </a:fontRef>
+          </p:style>
+          <p:txBody>
+            <a:bodyPr rtlCol="0" anchor="ctr"/>
+            <a:lstStyle/>
+            <a:p>
+              <a:pPr algn="ctr"/>
+              <a:endParaRPr lang="ko-KR" altLang="en-US"/>
+            </a:p>
+          </p:txBody>
+        </p:sp>
+      </p:grpSp>
+      <p:grpSp>
+        <p:nvGrpSpPr>
+          <p:cNvPr id="8" name="그룹 7"/>
+          <p:cNvGrpSpPr/>
+          <p:nvPr/>
+        </p:nvGrpSpPr>
+        <p:grpSpPr>
+          <a:xfrm>
+            <a:off x="3151432" y="2715506"/>
+            <a:ext cx="2821577" cy="2840586"/>
+            <a:chOff x="4201908" y="2236511"/>
+            <a:chExt cx="3762103" cy="2840586"/>
+          </a:xfrm>
+        </p:grpSpPr>
+        <p:pic>
+          <p:nvPicPr>
+            <p:cNvPr id="4102" name="Picture 6"/>
+            <p:cNvPicPr>
+              <a:picLocks noChangeAspect="1" noChangeArrowheads="1"/>
+            </p:cNvPicPr>
+            <p:nvPr/>
+          </p:nvPicPr>
+          <p:blipFill rotWithShape="1">
+            <a:blip r:embed="rId4">
+              <a:extLst>
+                <a:ext uri="{28A0092B-C50C-407E-A947-70E740481C1C}">
+                  <a14:useLocalDpi xmlns:a14="http://schemas.microsoft.com/office/drawing/2010/main" val="0"/>
+                </a:ext>
+              </a:extLst>
+            </a:blip>
+            <a:srcRect l="2350" r="2798" b="12424"/>
+            <a:stretch/>
+          </p:blipFill>
+          <p:spPr bwMode="auto">
+            <a:xfrm>
+              <a:off x="4371703" y="3388689"/>
+              <a:ext cx="3431178" cy="1563173"/>
+            </a:xfrm>
+            <a:prstGeom prst="rect">
+              <a:avLst/>
+            </a:prstGeom>
+            <a:noFill/>
+            <a:ln>
+              <a:noFill/>
+            </a:ln>
+            <a:extLst>
+              <a:ext uri="{909E8E84-426E-40DD-AFC4-6F175D3DCCD1}">
+                <a14:hiddenFill xmlns:a14="http://schemas.microsoft.com/office/drawing/2010/main">
+                  <a:solidFill>
+                    <a:schemeClr val="accent1"/>
+                  </a:solidFill>
+                </a14:hiddenFill>
+              </a:ext>
+              <a:ext uri="{91240B29-F687-4F45-9708-019B960494DF}">
+                <a14:hiddenLine xmlns:a14="http://schemas.microsoft.com/office/drawing/2010/main" w="9525">
+                  <a:solidFill>
+                    <a:schemeClr val="tx1"/>
+                  </a:solidFill>
+                  <a:miter lim="800000"/>
+                  <a:headEnd/>
+                  <a:tailEnd/>
+                </a14:hiddenLine>
+              </a:ext>
+            </a:extLst>
+          </p:spPr>
+        </p:pic>
+        <p:pic>
+          <p:nvPicPr>
+            <p:cNvPr id="4104" name="Picture 8" descr="하이브 이미지 검색결과&quot;"/>
+            <p:cNvPicPr>
+              <a:picLocks noChangeAspect="1" noChangeArrowheads="1"/>
+            </p:cNvPicPr>
+            <p:nvPr/>
+          </p:nvPicPr>
+          <p:blipFill>
+            <a:blip r:embed="rId5" cstate="print">
+              <a:extLst>
+                <a:ext uri="{28A0092B-C50C-407E-A947-70E740481C1C}">
+                  <a14:useLocalDpi xmlns:a14="http://schemas.microsoft.com/office/drawing/2010/main" val="0"/>
+                </a:ext>
+              </a:extLst>
+            </a:blip>
+            <a:srcRect/>
+            <a:stretch>
+              <a:fillRect/>
+            </a:stretch>
+          </p:blipFill>
+          <p:spPr bwMode="auto">
+            <a:xfrm>
+              <a:off x="5582025" y="2348722"/>
+              <a:ext cx="1001867" cy="901680"/>
+            </a:xfrm>
+            <a:prstGeom prst="rect">
+              <a:avLst/>
+            </a:prstGeom>
+            <a:noFill/>
+            <a:extLst>
+              <a:ext uri="{909E8E84-426E-40DD-AFC4-6F175D3DCCD1}">
+                <a14:hiddenFill xmlns:a14="http://schemas.microsoft.com/office/drawing/2010/main">
+                  <a:solidFill>
+                    <a:srgbClr val="FFFFFF"/>
+                  </a:solidFill>
+                </a14:hiddenFill>
+              </a:ext>
+            </a:extLst>
+          </p:spPr>
+        </p:pic>
+        <p:sp>
+          <p:nvSpPr>
+            <p:cNvPr id="12" name="직사각형 11"/>
+            <p:cNvSpPr/>
+            <p:nvPr/>
+          </p:nvSpPr>
+          <p:spPr>
+            <a:xfrm>
+              <a:off x="4201908" y="2236511"/>
+              <a:ext cx="3762103" cy="2840586"/>
+            </a:xfrm>
+            <a:prstGeom prst="rect">
+              <a:avLst/>
+            </a:prstGeom>
+            <a:noFill/>
+            <a:ln>
+              <a:solidFill>
+                <a:schemeClr val="tx1"/>
+              </a:solidFill>
+            </a:ln>
+          </p:spPr>
+          <p:style>
+            <a:lnRef idx="2">
+              <a:schemeClr val="accent1">
+                <a:shade val="50000"/>
+              </a:schemeClr>
+            </a:lnRef>
+            <a:fillRef idx="1">
+              <a:schemeClr val="accent1"/>
+            </a:fillRef>
+            <a:effectRef idx="0">
+              <a:schemeClr val="accent1"/>
+            </a:effectRef>
+            <a:fontRef idx="minor">
+              <a:schemeClr val="lt1"/>
+            </a:fontRef>
+          </p:style>
+          <p:txBody>
+            <a:bodyPr rtlCol="0" anchor="ctr"/>
+            <a:lstStyle/>
+            <a:p>
+              <a:pPr algn="ctr"/>
+              <a:endParaRPr lang="ko-KR" altLang="en-US"/>
+            </a:p>
+          </p:txBody>
+        </p:sp>
+      </p:grpSp>
+      <p:grpSp>
+        <p:nvGrpSpPr>
+          <p:cNvPr id="9" name="그룹 8"/>
+          <p:cNvGrpSpPr/>
+          <p:nvPr/>
+        </p:nvGrpSpPr>
+        <p:grpSpPr>
+          <a:xfrm>
+            <a:off x="6139560" y="2728562"/>
+            <a:ext cx="2821577" cy="2840586"/>
+            <a:chOff x="8186079" y="2249567"/>
+            <a:chExt cx="3762103" cy="2840586"/>
+          </a:xfrm>
+        </p:grpSpPr>
+        <p:pic>
+          <p:nvPicPr>
+            <p:cNvPr id="4098" name="Picture 2"/>
+            <p:cNvPicPr>
+              <a:picLocks noChangeAspect="1" noChangeArrowheads="1"/>
+            </p:cNvPicPr>
+            <p:nvPr/>
+          </p:nvPicPr>
+          <p:blipFill rotWithShape="1">
+            <a:blip r:embed="rId6">
+              <a:extLst>
+                <a:ext uri="{28A0092B-C50C-407E-A947-70E740481C1C}">
+                  <a14:useLocalDpi xmlns:a14="http://schemas.microsoft.com/office/drawing/2010/main" val="0"/>
+                </a:ext>
+              </a:extLst>
+            </a:blip>
+            <a:srcRect r="19229"/>
+            <a:stretch/>
+          </p:blipFill>
+          <p:spPr bwMode="auto">
+            <a:xfrm>
+              <a:off x="8290588" y="2579104"/>
+              <a:ext cx="3587910" cy="2201902"/>
+            </a:xfrm>
+            <a:prstGeom prst="rect">
+              <a:avLst/>
+            </a:prstGeom>
+            <a:noFill/>
+            <a:ln>
+              <a:noFill/>
+            </a:ln>
+            <a:extLst>
+              <a:ext uri="{909E8E84-426E-40DD-AFC4-6F175D3DCCD1}">
+                <a14:hiddenFill xmlns:a14="http://schemas.microsoft.com/office/drawing/2010/main">
+                  <a:solidFill>
+                    <a:schemeClr val="accent1"/>
+                  </a:solidFill>
+                </a14:hiddenFill>
+              </a:ext>
+              <a:ext uri="{91240B29-F687-4F45-9708-019B960494DF}">
+                <a14:hiddenLine xmlns:a14="http://schemas.microsoft.com/office/drawing/2010/main" w="9525">
+                  <a:solidFill>
+                    <a:schemeClr val="tx1"/>
+                  </a:solidFill>
+                  <a:miter lim="800000"/>
+                  <a:headEnd/>
+                  <a:tailEnd/>
+                </a14:hiddenLine>
+              </a:ext>
+            </a:extLst>
+          </p:spPr>
+        </p:pic>
+        <p:sp>
+          <p:nvSpPr>
+            <p:cNvPr id="13" name="직사각형 12"/>
+            <p:cNvSpPr/>
+            <p:nvPr/>
+          </p:nvSpPr>
+          <p:spPr>
+            <a:xfrm>
+              <a:off x="8186079" y="2249567"/>
+              <a:ext cx="3762103" cy="2840586"/>
+            </a:xfrm>
+            <a:prstGeom prst="rect">
+              <a:avLst/>
+            </a:prstGeom>
+            <a:noFill/>
+            <a:ln>
+              <a:solidFill>
+                <a:schemeClr val="tx1"/>
+              </a:solidFill>
+            </a:ln>
+          </p:spPr>
+          <p:style>
+            <a:lnRef idx="2">
+              <a:schemeClr val="accent1">
+                <a:shade val="50000"/>
+              </a:schemeClr>
+            </a:lnRef>
+            <a:fillRef idx="1">
+              <a:schemeClr val="accent1"/>
+            </a:fillRef>
+            <a:effectRef idx="0">
+              <a:schemeClr val="accent1"/>
+            </a:effectRef>
+            <a:fontRef idx="minor">
+              <a:schemeClr val="lt1"/>
+            </a:fontRef>
+          </p:style>
+          <p:txBody>
+            <a:bodyPr rtlCol="0" anchor="ctr"/>
+            <a:lstStyle/>
+            <a:p>
+              <a:pPr algn="ctr"/>
+              <a:endParaRPr lang="ko-KR" altLang="en-US"/>
+            </a:p>
+          </p:txBody>
+        </p:sp>
+      </p:grpSp>
+      <p:sp>
+        <p:nvSpPr>
+          <p:cNvPr id="7" name="갈매기형 수장 6"/>
+          <p:cNvSpPr/>
+          <p:nvPr/>
+        </p:nvSpPr>
+        <p:spPr>
+          <a:xfrm>
+            <a:off x="132832" y="2062431"/>
+            <a:ext cx="2821577" cy="484632"/>
+          </a:xfrm>
+          <a:prstGeom prst="chevron">
+            <a:avLst/>
+          </a:prstGeom>
+          <a:solidFill>
+            <a:schemeClr val="tx1">
+              <a:lumMod val="50000"/>
+              <a:lumOff val="50000"/>
+              <a:alpha val="50000"/>
+            </a:schemeClr>
+          </a:solidFill>
+          <a:ln w="19050">
+            <a:solidFill>
+              <a:schemeClr val="tx1"/>
+            </a:solidFill>
+          </a:ln>
+        </p:spPr>
+        <p:style>
+          <a:lnRef idx="2">
+            <a:schemeClr val="accent1">
+              <a:shade val="50000"/>
+            </a:schemeClr>
+          </a:lnRef>
+          <a:fillRef idx="1">
+            <a:schemeClr val="accent1"/>
+          </a:fillRef>
+          <a:effectRef idx="0">
+            <a:schemeClr val="accent1"/>
+          </a:effectRef>
+          <a:fontRef idx="minor">
+            <a:schemeClr val="lt1"/>
+          </a:fontRef>
+        </p:style>
+        <p:txBody>
+          <a:bodyPr rtlCol="0" anchor="ctr"/>
+          <a:lstStyle/>
+          <a:p>
+            <a:pPr algn="ctr"/>
+            <a:r>
+              <a:rPr lang="en-US" altLang="ko-KR" sz="1400" dirty="0" smtClean="0">
+                <a:solidFill>
+                  <a:schemeClr val="tx1"/>
+                </a:solidFill>
+              </a:rPr>
+              <a:t>15</a:t>
+            </a:r>
+            <a:r>
+              <a:rPr lang="ko-KR" altLang="en-US" sz="1400" dirty="0" smtClean="0">
+                <a:solidFill>
+                  <a:schemeClr val="tx1"/>
+                </a:solidFill>
+              </a:rPr>
+              <a:t>분마다 적재된 데이터</a:t>
+            </a:r>
+            <a:endParaRPr lang="ko-KR" altLang="en-US" sz="1400" dirty="0">
+              <a:solidFill>
+                <a:schemeClr val="tx1"/>
+              </a:solidFill>
+            </a:endParaRPr>
+          </a:p>
+        </p:txBody>
+      </p:sp>
+      <p:sp>
+        <p:nvSpPr>
+          <p:cNvPr id="16" name="갈매기형 수장 15"/>
+          <p:cNvSpPr/>
+          <p:nvPr/>
+        </p:nvSpPr>
+        <p:spPr>
+          <a:xfrm>
+            <a:off x="3154681" y="2062431"/>
+            <a:ext cx="2821577" cy="484632"/>
+          </a:xfrm>
+          <a:prstGeom prst="chevron">
+            <a:avLst/>
+          </a:prstGeom>
+          <a:solidFill>
+            <a:schemeClr val="tx1">
+              <a:lumMod val="50000"/>
+              <a:lumOff val="50000"/>
+              <a:alpha val="50000"/>
+            </a:schemeClr>
+          </a:solidFill>
+          <a:ln w="19050">
+            <a:solidFill>
+              <a:schemeClr val="tx1"/>
+            </a:solidFill>
+          </a:ln>
+        </p:spPr>
+        <p:style>
+          <a:lnRef idx="2">
+            <a:schemeClr val="accent1">
+              <a:shade val="50000"/>
+            </a:schemeClr>
+          </a:lnRef>
+          <a:fillRef idx="1">
+            <a:schemeClr val="accent1"/>
+          </a:fillRef>
+          <a:effectRef idx="0">
+            <a:schemeClr val="accent1"/>
+          </a:effectRef>
+          <a:fontRef idx="minor">
+            <a:schemeClr val="lt1"/>
+          </a:fontRef>
+        </p:style>
+        <p:txBody>
+          <a:bodyPr rtlCol="0" anchor="ctr"/>
+          <a:lstStyle/>
+          <a:p>
+            <a:pPr algn="ctr"/>
+            <a:r>
+              <a:rPr lang="ko-KR" altLang="en-US" sz="1400" dirty="0" err="1" smtClean="0">
+                <a:solidFill>
+                  <a:schemeClr val="tx1"/>
+                </a:solidFill>
+              </a:rPr>
+              <a:t>하이브로</a:t>
+            </a:r>
+            <a:r>
+              <a:rPr lang="ko-KR" altLang="en-US" sz="1400" dirty="0" smtClean="0">
+                <a:solidFill>
+                  <a:schemeClr val="tx1"/>
+                </a:solidFill>
+              </a:rPr>
+              <a:t> 탐색 및 처리</a:t>
+            </a:r>
+            <a:endParaRPr lang="ko-KR" altLang="en-US" sz="1400" dirty="0">
+              <a:solidFill>
+                <a:schemeClr val="tx1"/>
+              </a:solidFill>
+            </a:endParaRPr>
+          </a:p>
+        </p:txBody>
+      </p:sp>
+      <p:sp>
+        <p:nvSpPr>
+          <p:cNvPr id="19" name="갈매기형 수장 18"/>
+          <p:cNvSpPr/>
+          <p:nvPr/>
+        </p:nvSpPr>
+        <p:spPr>
+          <a:xfrm>
+            <a:off x="6217942" y="2062431"/>
+            <a:ext cx="2821577" cy="484632"/>
+          </a:xfrm>
+          <a:prstGeom prst="chevron">
+            <a:avLst/>
+          </a:prstGeom>
+          <a:solidFill>
+            <a:schemeClr val="tx1">
+              <a:lumMod val="50000"/>
+              <a:lumOff val="50000"/>
+              <a:alpha val="50000"/>
+            </a:schemeClr>
+          </a:solidFill>
+          <a:ln w="19050">
+            <a:solidFill>
+              <a:schemeClr val="tx1"/>
+            </a:solidFill>
+          </a:ln>
+        </p:spPr>
+        <p:style>
+          <a:lnRef idx="2">
+            <a:schemeClr val="accent1">
+              <a:shade val="50000"/>
+            </a:schemeClr>
+          </a:lnRef>
+          <a:fillRef idx="1">
+            <a:schemeClr val="accent1"/>
+          </a:fillRef>
+          <a:effectRef idx="0">
+            <a:schemeClr val="accent1"/>
+          </a:effectRef>
+          <a:fontRef idx="minor">
+            <a:schemeClr val="lt1"/>
+          </a:fontRef>
+        </p:style>
+        <p:txBody>
+          <a:bodyPr rtlCol="0" anchor="ctr"/>
+          <a:lstStyle/>
+          <a:p>
+            <a:pPr algn="ctr"/>
+            <a:r>
+              <a:rPr lang="ko-KR" altLang="en-US" sz="1400" dirty="0" smtClean="0">
+                <a:solidFill>
+                  <a:schemeClr val="tx1"/>
+                </a:solidFill>
+              </a:rPr>
+              <a:t>데이터 </a:t>
+            </a:r>
+            <a:r>
+              <a:rPr lang="ko-KR" altLang="en-US" sz="1400" dirty="0" err="1" smtClean="0">
+                <a:solidFill>
+                  <a:schemeClr val="tx1"/>
+                </a:solidFill>
+              </a:rPr>
+              <a:t>마트</a:t>
+            </a:r>
+            <a:r>
+              <a:rPr lang="ko-KR" altLang="en-US" sz="1400" dirty="0" smtClean="0">
+                <a:solidFill>
+                  <a:schemeClr val="tx1"/>
+                </a:solidFill>
+              </a:rPr>
+              <a:t> 형성</a:t>
+            </a:r>
+            <a:endParaRPr lang="ko-KR" altLang="en-US" sz="1400" dirty="0">
+              <a:solidFill>
+                <a:schemeClr val="tx1"/>
+              </a:solidFill>
+            </a:endParaRPr>
+          </a:p>
+        </p:txBody>
+      </p:sp>
+      <p:pic>
+        <p:nvPicPr>
+          <p:cNvPr id="4105" name="Picture 9"/>
+          <p:cNvPicPr>
+            <a:picLocks noChangeAspect="1" noChangeArrowheads="1"/>
+          </p:cNvPicPr>
+          <p:nvPr/>
+        </p:nvPicPr>
+        <p:blipFill>
+          <a:blip r:embed="rId7">
+            <a:extLst>
+              <a:ext uri="{28A0092B-C50C-407E-A947-70E740481C1C}">
+                <a14:useLocalDpi xmlns:a14="http://schemas.microsoft.com/office/drawing/2010/main" val="0"/>
+              </a:ext>
+            </a:extLst>
+          </a:blip>
+          <a:srcRect/>
+          <a:stretch>
+            <a:fillRect/>
+          </a:stretch>
+        </p:blipFill>
+        <p:spPr bwMode="auto">
+          <a:xfrm>
+            <a:off x="3206931" y="4209889"/>
+            <a:ext cx="2697481" cy="1220968"/>
+          </a:xfrm>
+          <a:prstGeom prst="rect">
+            <a:avLst/>
+          </a:prstGeom>
+          <a:noFill/>
+          <a:ln>
+            <a:noFill/>
+          </a:ln>
+          <a:extLst>
+            <a:ext uri="{909E8E84-426E-40DD-AFC4-6F175D3DCCD1}">
+              <a14:hiddenFill xmlns:a14="http://schemas.microsoft.com/office/drawing/2010/main">
+                <a:solidFill>
+                  <a:schemeClr val="accent1"/>
+                </a:solidFill>
+              </a14:hiddenFill>
+            </a:ext>
+            <a:ext uri="{91240B29-F687-4F45-9708-019B960494DF}">
+              <a14:hiddenLine xmlns:a14="http://schemas.microsoft.com/office/drawing/2010/main" w="9525">
+                <a:solidFill>
+                  <a:schemeClr val="tx1"/>
+                </a:solidFill>
+                <a:miter lim="800000"/>
+                <a:headEnd/>
+                <a:tailEnd/>
+              </a14:hiddenLine>
+            </a:ext>
+          </a:extLst>
+        </p:spPr>
+      </p:pic>
+    </p:spTree>
+    <p:extLst>
+      <p:ext uri="{BB962C8B-B14F-4D97-AF65-F5344CB8AC3E}">
+        <p14:creationId xmlns:p14="http://schemas.microsoft.com/office/powerpoint/2010/main" val="2567422124"/>
+      </p:ext>
+    </p:extLst>
+  </p:cSld>
+  <p:clrMapOvr>
+    <a:masterClrMapping/>
+  </p:clrMapOvr>
+  <p:timing>
+    <p:tnLst>
+      <p:par>
+        <p:cTn id="1" dur="indefinite" restart="never" nodeType="tmRoot"/>
+      </p:par>
+    </p:tnLst>
+  </p:timing>
+</p:sld>
+</file>
+
+<file path=ppt/slides/slide7.xml><?xml version="1.0" encoding="utf-8"?>
+<p:sld xmlns:a="http://schemas.openxmlformats.org/drawingml/2006/main" xmlns:r="http://schemas.openxmlformats.org/officeDocument/2006/relationships" xmlns:p="http://schemas.openxmlformats.org/presentationml/2006/main">
+  <p:cSld>
+    <p:spTree>
+      <p:nvGrpSpPr>
+        <p:cNvPr id="1" name=""/>
+        <p:cNvGrpSpPr/>
+        <p:nvPr/>
+      </p:nvGrpSpPr>
+      <p:grpSpPr>
+        <a:xfrm>
+          <a:off x="0" y="0"/>
+          <a:ext cx="0" cy="0"/>
+          <a:chOff x="0" y="0"/>
+          <a:chExt cx="0" cy="0"/>
+        </a:xfrm>
+      </p:grpSpPr>
+      <p:sp>
+        <p:nvSpPr>
+          <p:cNvPr id="5" name="직사각형 4"/>
+          <p:cNvSpPr/>
+          <p:nvPr/>
+        </p:nvSpPr>
+        <p:spPr>
+          <a:xfrm>
+            <a:off x="101939" y="440174"/>
+            <a:ext cx="1696298" cy="369332"/>
+          </a:xfrm>
+          <a:prstGeom prst="rect">
+            <a:avLst/>
+          </a:prstGeom>
+        </p:spPr>
+        <p:txBody>
+          <a:bodyPr wrap="none">
+            <a:spAutoFit/>
+          </a:bodyPr>
+          <a:lstStyle/>
+          <a:p>
+            <a:r>
+              <a:rPr lang="en-US" altLang="ko-KR" b="1" dirty="0"/>
+              <a:t>9. </a:t>
+            </a:r>
+            <a:r>
+              <a:rPr lang="ko-KR" altLang="en-US" b="1" dirty="0"/>
+              <a:t>분석 </a:t>
+            </a:r>
+            <a:r>
+              <a:rPr lang="ko-KR" altLang="en-US" b="1" dirty="0" err="1"/>
+              <a:t>레이어</a:t>
+            </a:r>
+            <a:endParaRPr lang="ko-KR" altLang="en-US" dirty="0"/>
+          </a:p>
+        </p:txBody>
+      </p:sp>
+      <p:sp>
+        <p:nvSpPr>
+          <p:cNvPr id="6" name="직사각형 5"/>
+          <p:cNvSpPr/>
+          <p:nvPr/>
+        </p:nvSpPr>
+        <p:spPr>
+          <a:xfrm>
+            <a:off x="199208" y="1045420"/>
+            <a:ext cx="3065263" cy="369332"/>
+          </a:xfrm>
+          <a:prstGeom prst="rect">
+            <a:avLst/>
+          </a:prstGeom>
+        </p:spPr>
+        <p:txBody>
+          <a:bodyPr wrap="none">
+            <a:spAutoFit/>
+          </a:bodyPr>
+          <a:lstStyle/>
+          <a:p>
+            <a:r>
+              <a:rPr lang="en-US" altLang="ko-KR" b="1" dirty="0"/>
+              <a:t>9.1 </a:t>
+            </a:r>
+            <a:r>
+              <a:rPr lang="ko-KR" altLang="en-US" b="1" dirty="0"/>
+              <a:t>주택용 전력소비량 현황</a:t>
+            </a:r>
+            <a:endParaRPr lang="ko-KR" altLang="en-US" dirty="0"/>
+          </a:p>
+        </p:txBody>
+      </p:sp>
+      <p:sp>
+        <p:nvSpPr>
+          <p:cNvPr id="11" name="TextBox 10"/>
+          <p:cNvSpPr txBox="1"/>
+          <p:nvPr/>
+        </p:nvSpPr>
+        <p:spPr>
+          <a:xfrm>
+            <a:off x="1055322" y="5094515"/>
+            <a:ext cx="7341326" cy="830997"/>
+          </a:xfrm>
+          <a:prstGeom prst="rect">
+            <a:avLst/>
+          </a:prstGeom>
+          <a:noFill/>
+        </p:spPr>
+        <p:txBody>
+          <a:bodyPr wrap="square" rtlCol="0">
+            <a:spAutoFit/>
+          </a:bodyPr>
+          <a:lstStyle/>
+          <a:p>
+            <a:r>
+              <a:rPr lang="en-US" altLang="ko-KR" sz="1600" dirty="0" smtClean="0">
+                <a:latin typeface="KoPubWorld돋움체_Pro Bold" pitchFamily="50" charset="-127"/>
+                <a:ea typeface="KoPubWorld돋움체_Pro Bold" pitchFamily="50" charset="-127"/>
+                <a:cs typeface="KoPubWorld돋움체_Pro Bold" pitchFamily="50" charset="-127"/>
+              </a:rPr>
+              <a:t> &gt; </a:t>
+            </a:r>
+            <a:r>
+              <a:rPr lang="en-US" altLang="ko-KR" sz="1600" dirty="0" smtClean="0">
+                <a:latin typeface="KoPubWorld돋움체_Pro Bold" pitchFamily="50" charset="-127"/>
+                <a:ea typeface="KoPubWorld돋움체_Pro Bold" pitchFamily="50" charset="-127"/>
+                <a:cs typeface="KoPubWorld돋움체_Pro Bold" pitchFamily="50" charset="-127"/>
+              </a:rPr>
+              <a:t>2014-2018 5</a:t>
+            </a:r>
+            <a:r>
+              <a:rPr lang="ko-KR" altLang="en-US" sz="1600" dirty="0" smtClean="0">
+                <a:latin typeface="KoPubWorld돋움체_Pro Bold" pitchFamily="50" charset="-127"/>
+                <a:ea typeface="KoPubWorld돋움체_Pro Bold" pitchFamily="50" charset="-127"/>
+                <a:cs typeface="KoPubWorld돋움체_Pro Bold" pitchFamily="50" charset="-127"/>
+              </a:rPr>
+              <a:t>년간 월평균 전력소비량</a:t>
+            </a:r>
+            <a:endParaRPr lang="en-US" altLang="ko-KR" sz="1600" dirty="0" smtClean="0">
+              <a:latin typeface="KoPubWorld돋움체_Pro Bold" pitchFamily="50" charset="-127"/>
+              <a:ea typeface="KoPubWorld돋움체_Pro Bold" pitchFamily="50" charset="-127"/>
+              <a:cs typeface="KoPubWorld돋움체_Pro Bold" pitchFamily="50" charset="-127"/>
+            </a:endParaRPr>
+          </a:p>
+          <a:p>
+            <a:r>
+              <a:rPr lang="en-US" altLang="ko-KR" sz="1600" dirty="0" smtClean="0">
+                <a:latin typeface="KoPubWorld돋움체_Pro Bold" pitchFamily="50" charset="-127"/>
+                <a:ea typeface="KoPubWorld돋움체_Pro Bold" pitchFamily="50" charset="-127"/>
+                <a:cs typeface="KoPubWorld돋움체_Pro Bold" pitchFamily="50" charset="-127"/>
+              </a:rPr>
+              <a:t>  - </a:t>
+            </a:r>
+            <a:r>
+              <a:rPr lang="ko-KR" altLang="en-US" sz="1600" dirty="0" smtClean="0">
+                <a:latin typeface="KoPubWorld돋움체_Pro Bold" pitchFamily="50" charset="-127"/>
+                <a:ea typeface="KoPubWorld돋움체_Pro Bold" pitchFamily="50" charset="-127"/>
+                <a:cs typeface="KoPubWorld돋움체_Pro Bold" pitchFamily="50" charset="-127"/>
+              </a:rPr>
+              <a:t>동절기와 </a:t>
+            </a:r>
+            <a:r>
+              <a:rPr lang="ko-KR" altLang="en-US" sz="1600" dirty="0" err="1" smtClean="0">
+                <a:latin typeface="KoPubWorld돋움체_Pro Bold" pitchFamily="50" charset="-127"/>
+                <a:ea typeface="KoPubWorld돋움체_Pro Bold" pitchFamily="50" charset="-127"/>
+                <a:cs typeface="KoPubWorld돋움체_Pro Bold" pitchFamily="50" charset="-127"/>
+              </a:rPr>
+              <a:t>하절기에</a:t>
+            </a:r>
+            <a:r>
+              <a:rPr lang="ko-KR" altLang="en-US" sz="1600" dirty="0" smtClean="0">
+                <a:latin typeface="KoPubWorld돋움체_Pro Bold" pitchFamily="50" charset="-127"/>
+                <a:ea typeface="KoPubWorld돋움체_Pro Bold" pitchFamily="50" charset="-127"/>
+                <a:cs typeface="KoPubWorld돋움체_Pro Bold" pitchFamily="50" charset="-127"/>
+              </a:rPr>
+              <a:t> 전력소비량이 크게 늘어나는 경향을 보임</a:t>
+            </a:r>
+            <a:endParaRPr lang="en-US" altLang="ko-KR" sz="1600" dirty="0" smtClean="0">
+              <a:latin typeface="KoPubWorld돋움체_Pro Bold" pitchFamily="50" charset="-127"/>
+              <a:ea typeface="KoPubWorld돋움체_Pro Bold" pitchFamily="50" charset="-127"/>
+              <a:cs typeface="KoPubWorld돋움체_Pro Bold" pitchFamily="50" charset="-127"/>
+            </a:endParaRPr>
+          </a:p>
+          <a:p>
+            <a:r>
+              <a:rPr lang="en-US" altLang="ko-KR" sz="1600" dirty="0">
+                <a:latin typeface="KoPubWorld돋움체_Pro Bold" pitchFamily="50" charset="-127"/>
+                <a:ea typeface="KoPubWorld돋움체_Pro Bold" pitchFamily="50" charset="-127"/>
+                <a:cs typeface="KoPubWorld돋움체_Pro Bold" pitchFamily="50" charset="-127"/>
+              </a:rPr>
+              <a:t> </a:t>
+            </a:r>
+            <a:r>
+              <a:rPr lang="en-US" altLang="ko-KR" sz="1600" dirty="0" smtClean="0">
+                <a:latin typeface="KoPubWorld돋움체_Pro Bold" pitchFamily="50" charset="-127"/>
+                <a:ea typeface="KoPubWorld돋움체_Pro Bold" pitchFamily="50" charset="-127"/>
+                <a:cs typeface="KoPubWorld돋움체_Pro Bold" pitchFamily="50" charset="-127"/>
+              </a:rPr>
+              <a:t> - </a:t>
+            </a:r>
+            <a:r>
+              <a:rPr lang="ko-KR" altLang="en-US" sz="1600" dirty="0" smtClean="0">
+                <a:latin typeface="KoPubWorld돋움체_Pro Bold" pitchFamily="50" charset="-127"/>
+                <a:ea typeface="KoPubWorld돋움체_Pro Bold" pitchFamily="50" charset="-127"/>
+                <a:cs typeface="KoPubWorld돋움체_Pro Bold" pitchFamily="50" charset="-127"/>
+              </a:rPr>
+              <a:t>각 </a:t>
+            </a:r>
+            <a:r>
+              <a:rPr lang="ko-KR" altLang="en-US" sz="1600" dirty="0" err="1" smtClean="0">
+                <a:latin typeface="KoPubWorld돋움체_Pro Bold" pitchFamily="50" charset="-127"/>
+                <a:ea typeface="KoPubWorld돋움체_Pro Bold" pitchFamily="50" charset="-127"/>
+                <a:cs typeface="KoPubWorld돋움체_Pro Bold" pitchFamily="50" charset="-127"/>
+              </a:rPr>
+              <a:t>년도별</a:t>
+            </a:r>
+            <a:r>
+              <a:rPr lang="ko-KR" altLang="en-US" sz="1600" dirty="0" smtClean="0">
+                <a:latin typeface="KoPubWorld돋움체_Pro Bold" pitchFamily="50" charset="-127"/>
+                <a:ea typeface="KoPubWorld돋움체_Pro Bold" pitchFamily="50" charset="-127"/>
+                <a:cs typeface="KoPubWorld돋움체_Pro Bold" pitchFamily="50" charset="-127"/>
+              </a:rPr>
+              <a:t> 최소</a:t>
+            </a:r>
+            <a:r>
+              <a:rPr lang="en-US" altLang="ko-KR" sz="1600" dirty="0" smtClean="0">
+                <a:latin typeface="KoPubWorld돋움체_Pro Bold" pitchFamily="50" charset="-127"/>
+                <a:ea typeface="KoPubWorld돋움체_Pro Bold" pitchFamily="50" charset="-127"/>
+                <a:cs typeface="KoPubWorld돋움체_Pro Bold" pitchFamily="50" charset="-127"/>
+              </a:rPr>
+              <a:t>-</a:t>
+            </a:r>
+            <a:r>
+              <a:rPr lang="ko-KR" altLang="en-US" sz="1600" dirty="0" smtClean="0">
+                <a:latin typeface="KoPubWorld돋움체_Pro Bold" pitchFamily="50" charset="-127"/>
+                <a:ea typeface="KoPubWorld돋움체_Pro Bold" pitchFamily="50" charset="-127"/>
+                <a:cs typeface="KoPubWorld돋움체_Pro Bold" pitchFamily="50" charset="-127"/>
+              </a:rPr>
+              <a:t>최대 전력소비량 차이는 </a:t>
+            </a:r>
+            <a:r>
+              <a:rPr lang="en-US" altLang="ko-KR" sz="1600" dirty="0" smtClean="0">
+                <a:latin typeface="KoPubWorld돋움체_Pro Bold" pitchFamily="50" charset="-127"/>
+                <a:ea typeface="KoPubWorld돋움체_Pro Bold" pitchFamily="50" charset="-127"/>
+                <a:cs typeface="KoPubWorld돋움체_Pro Bold" pitchFamily="50" charset="-127"/>
+              </a:rPr>
+              <a:t>50kWh</a:t>
+            </a:r>
+            <a:r>
+              <a:rPr lang="ko-KR" altLang="en-US" sz="1600" dirty="0" smtClean="0">
+                <a:latin typeface="KoPubWorld돋움체_Pro Bold" pitchFamily="50" charset="-127"/>
+                <a:ea typeface="KoPubWorld돋움체_Pro Bold" pitchFamily="50" charset="-127"/>
+                <a:cs typeface="KoPubWorld돋움체_Pro Bold" pitchFamily="50" charset="-127"/>
+              </a:rPr>
+              <a:t>로 보이고 있</a:t>
+            </a:r>
+            <a:r>
+              <a:rPr lang="ko-KR" altLang="en-US" sz="1600" dirty="0">
+                <a:latin typeface="KoPubWorld돋움체_Pro Bold" pitchFamily="50" charset="-127"/>
+                <a:ea typeface="KoPubWorld돋움체_Pro Bold" pitchFamily="50" charset="-127"/>
+                <a:cs typeface="KoPubWorld돋움체_Pro Bold" pitchFamily="50" charset="-127"/>
+              </a:rPr>
+              <a:t>음</a:t>
+            </a:r>
+            <a:r>
+              <a:rPr lang="en-US" altLang="ko-KR" sz="1600" dirty="0" smtClean="0">
+                <a:latin typeface="KoPubWorld돋움체_Pro Bold" pitchFamily="50" charset="-127"/>
+                <a:ea typeface="KoPubWorld돋움체_Pro Bold" pitchFamily="50" charset="-127"/>
+                <a:cs typeface="KoPubWorld돋움체_Pro Bold" pitchFamily="50" charset="-127"/>
+              </a:rPr>
+              <a:t>  </a:t>
+            </a:r>
+            <a:endParaRPr lang="en-US" altLang="ko-KR" sz="1600" dirty="0" smtClean="0">
+              <a:latin typeface="KoPubWorld돋움체_Pro Bold" pitchFamily="50" charset="-127"/>
+              <a:ea typeface="KoPubWorld돋움체_Pro Bold" pitchFamily="50" charset="-127"/>
+              <a:cs typeface="KoPubWorld돋움체_Pro Bold" pitchFamily="50" charset="-127"/>
+            </a:endParaRPr>
+          </a:p>
+        </p:txBody>
+      </p:sp>
+      <p:grpSp>
+        <p:nvGrpSpPr>
+          <p:cNvPr id="8" name="그룹 7"/>
+          <p:cNvGrpSpPr/>
+          <p:nvPr/>
+        </p:nvGrpSpPr>
+        <p:grpSpPr>
+          <a:xfrm>
+            <a:off x="3990985" y="2081498"/>
+            <a:ext cx="4493419" cy="2447926"/>
+            <a:chOff x="2703920" y="3261677"/>
+            <a:chExt cx="5991225" cy="2447926"/>
+          </a:xfrm>
+        </p:grpSpPr>
+        <p:pic>
+          <p:nvPicPr>
+            <p:cNvPr id="5124" name="Picture 4" descr="https://lh4.googleusercontent.com/JXC9ierNiVlReeT8EV12hY91Edlv5Y1w_QwwH5ICBKj3D2XFSr7VzsDv4u1xSFydgORLmdrr-g_A1_DznCHRrbKj1gz_a7FJ46aRJFKzJ1Z5T9G7gLwEmfrIFvsynyLBSkSHqecx"/>
+            <p:cNvPicPr>
+              <a:picLocks noChangeAspect="1" noChangeArrowheads="1"/>
+            </p:cNvPicPr>
+            <p:nvPr/>
+          </p:nvPicPr>
+          <p:blipFill>
+            <a:blip r:embed="rId2">
+              <a:extLst>
+                <a:ext uri="{28A0092B-C50C-407E-A947-70E740481C1C}">
+                  <a14:useLocalDpi xmlns:a14="http://schemas.microsoft.com/office/drawing/2010/main" val="0"/>
+                </a:ext>
+              </a:extLst>
+            </a:blip>
+            <a:srcRect/>
+            <a:stretch>
+              <a:fillRect/>
+            </a:stretch>
+          </p:blipFill>
+          <p:spPr bwMode="auto">
+            <a:xfrm>
+              <a:off x="2703920" y="3261677"/>
+              <a:ext cx="5991225" cy="2447926"/>
+            </a:xfrm>
+            <a:prstGeom prst="rect">
+              <a:avLst/>
+            </a:prstGeom>
+            <a:noFill/>
+            <a:extLst>
+              <a:ext uri="{909E8E84-426E-40DD-AFC4-6F175D3DCCD1}">
+                <a14:hiddenFill xmlns:a14="http://schemas.microsoft.com/office/drawing/2010/main">
+                  <a:solidFill>
+                    <a:srgbClr val="FFFFFF"/>
+                  </a:solidFill>
+                </a14:hiddenFill>
+              </a:ext>
+            </a:extLst>
+          </p:spPr>
+        </p:pic>
+        <p:sp>
+          <p:nvSpPr>
+            <p:cNvPr id="12" name="직사각형 11"/>
+            <p:cNvSpPr/>
+            <p:nvPr/>
+          </p:nvSpPr>
+          <p:spPr>
+            <a:xfrm>
+              <a:off x="3231271" y="3510120"/>
+              <a:ext cx="905299" cy="1984990"/>
+            </a:xfrm>
+            <a:prstGeom prst="rect">
+              <a:avLst/>
+            </a:prstGeom>
+            <a:noFill/>
+            <a:ln w="38100">
+              <a:solidFill>
+                <a:srgbClr val="FF0000"/>
+              </a:solidFill>
+              <a:prstDash val="sysDash"/>
+            </a:ln>
+          </p:spPr>
+          <p:style>
+            <a:lnRef idx="2">
+              <a:schemeClr val="accent1">
+                <a:shade val="50000"/>
+              </a:schemeClr>
+            </a:lnRef>
+            <a:fillRef idx="1">
+              <a:schemeClr val="accent1"/>
+            </a:fillRef>
+            <a:effectRef idx="0">
+              <a:schemeClr val="accent1"/>
+            </a:effectRef>
+            <a:fontRef idx="minor">
+              <a:schemeClr val="lt1"/>
+            </a:fontRef>
+          </p:style>
+          <p:txBody>
+            <a:bodyPr rtlCol="0" anchor="ctr"/>
+            <a:lstStyle/>
+            <a:p>
+              <a:pPr algn="ctr"/>
+              <a:endParaRPr lang="ko-KR" altLang="en-US"/>
+            </a:p>
+          </p:txBody>
+        </p:sp>
+        <p:sp>
+          <p:nvSpPr>
+            <p:cNvPr id="13" name="직사각형 12"/>
+            <p:cNvSpPr/>
+            <p:nvPr/>
+          </p:nvSpPr>
+          <p:spPr>
+            <a:xfrm>
+              <a:off x="6396835" y="3510120"/>
+              <a:ext cx="905299" cy="1984990"/>
+            </a:xfrm>
+            <a:prstGeom prst="rect">
+              <a:avLst/>
+            </a:prstGeom>
+            <a:noFill/>
+            <a:ln w="38100">
+              <a:solidFill>
+                <a:srgbClr val="FF0000"/>
+              </a:solidFill>
+              <a:prstDash val="sysDash"/>
+            </a:ln>
+          </p:spPr>
+          <p:style>
+            <a:lnRef idx="2">
+              <a:schemeClr val="accent1">
+                <a:shade val="50000"/>
+              </a:schemeClr>
+            </a:lnRef>
+            <a:fillRef idx="1">
+              <a:schemeClr val="accent1"/>
+            </a:fillRef>
+            <a:effectRef idx="0">
+              <a:schemeClr val="accent1"/>
+            </a:effectRef>
+            <a:fontRef idx="minor">
+              <a:schemeClr val="lt1"/>
+            </a:fontRef>
+          </p:style>
+          <p:txBody>
+            <a:bodyPr rtlCol="0" anchor="ctr"/>
+            <a:lstStyle/>
+            <a:p>
+              <a:pPr algn="ctr"/>
+              <a:endParaRPr lang="ko-KR" altLang="en-US"/>
+            </a:p>
+          </p:txBody>
+        </p:sp>
+      </p:grpSp>
+      <p:grpSp>
+        <p:nvGrpSpPr>
+          <p:cNvPr id="15" name="그룹 14"/>
+          <p:cNvGrpSpPr/>
+          <p:nvPr/>
+        </p:nvGrpSpPr>
+        <p:grpSpPr>
+          <a:xfrm>
+            <a:off x="395151" y="1804098"/>
+            <a:ext cx="3408185" cy="2725327"/>
+            <a:chOff x="303984" y="2135012"/>
+            <a:chExt cx="4544247" cy="2725327"/>
+          </a:xfrm>
+        </p:grpSpPr>
+        <p:pic>
+          <p:nvPicPr>
+            <p:cNvPr id="5122" name="Picture 2" descr="https://lh5.googleusercontent.com/JM_DC76oYCFVEotAXBIQ40eQkzlLhTA5NRORCgoybqhEiIqzizTAdxK_J5O6Nj7s1qBmslv-Xn1BEMunZu6aECVaQX91-H9_s7P748nVgZ1sGhEOY1adtZ0Qg5KhIhXy-mCIcd6B"/>
+            <p:cNvPicPr>
+              <a:picLocks noChangeAspect="1" noChangeArrowheads="1"/>
+            </p:cNvPicPr>
+            <p:nvPr/>
+          </p:nvPicPr>
+          <p:blipFill>
+            <a:blip r:embed="rId3">
+              <a:extLst>
+                <a:ext uri="{28A0092B-C50C-407E-A947-70E740481C1C}">
+                  <a14:useLocalDpi xmlns:a14="http://schemas.microsoft.com/office/drawing/2010/main" val="0"/>
+                </a:ext>
+              </a:extLst>
+            </a:blip>
+            <a:srcRect/>
+            <a:stretch>
+              <a:fillRect/>
+            </a:stretch>
+          </p:blipFill>
+          <p:spPr bwMode="auto">
+            <a:xfrm>
+              <a:off x="303984" y="2135012"/>
+              <a:ext cx="4544247" cy="2725327"/>
+            </a:xfrm>
+            <a:prstGeom prst="rect">
+              <a:avLst/>
+            </a:prstGeom>
+            <a:noFill/>
+            <a:extLst>
+              <a:ext uri="{909E8E84-426E-40DD-AFC4-6F175D3DCCD1}">
+                <a14:hiddenFill xmlns:a14="http://schemas.microsoft.com/office/drawing/2010/main">
+                  <a:solidFill>
+                    <a:srgbClr val="FFFFFF"/>
+                  </a:solidFill>
+                </a14:hiddenFill>
+              </a:ext>
+            </a:extLst>
+          </p:spPr>
+        </p:pic>
+        <p:sp>
+          <p:nvSpPr>
+            <p:cNvPr id="9" name="직사각형 8"/>
+            <p:cNvSpPr/>
+            <p:nvPr/>
+          </p:nvSpPr>
+          <p:spPr>
+            <a:xfrm>
+              <a:off x="303984" y="4537165"/>
+              <a:ext cx="4172223" cy="323173"/>
+            </a:xfrm>
+            <a:prstGeom prst="rect">
+              <a:avLst/>
+            </a:prstGeom>
+            <a:noFill/>
+            <a:ln w="25400">
+              <a:solidFill>
+                <a:schemeClr val="tx1"/>
+              </a:solidFill>
+            </a:ln>
+          </p:spPr>
+          <p:style>
+            <a:lnRef idx="2">
+              <a:schemeClr val="accent1">
+                <a:shade val="50000"/>
+              </a:schemeClr>
+            </a:lnRef>
+            <a:fillRef idx="1">
+              <a:schemeClr val="accent1"/>
+            </a:fillRef>
+            <a:effectRef idx="0">
+              <a:schemeClr val="accent1"/>
+            </a:effectRef>
+            <a:fontRef idx="minor">
+              <a:schemeClr val="lt1"/>
+            </a:fontRef>
+          </p:style>
+          <p:txBody>
+            <a:bodyPr rtlCol="0" anchor="ctr"/>
+            <a:lstStyle/>
+            <a:p>
+              <a:pPr algn="ctr"/>
+              <a:endParaRPr lang="ko-KR" altLang="en-US"/>
+            </a:p>
+          </p:txBody>
+        </p:sp>
+      </p:grpSp>
+    </p:spTree>
+    <p:extLst>
+      <p:ext uri="{BB962C8B-B14F-4D97-AF65-F5344CB8AC3E}">
+        <p14:creationId xmlns:p14="http://schemas.microsoft.com/office/powerpoint/2010/main" val="4044774955"/>
+      </p:ext>
+    </p:extLst>
+  </p:cSld>
+  <p:clrMapOvr>
+    <a:masterClrMapping/>
+  </p:clrMapOvr>
+  <p:timing>
+    <p:tnLst>
+      <p:par>
+        <p:cTn id="1" dur="indefinite" restart="never" nodeType="tmRoot"/>
+      </p:par>
+    </p:tnLst>
+  </p:timing>
+</p:sld>
+</file>
+
+<file path=ppt/slides/slide8.xml><?xml version="1.0" encoding="utf-8"?>
+<p:sld xmlns:a="http://schemas.openxmlformats.org/drawingml/2006/main" xmlns:r="http://schemas.openxmlformats.org/officeDocument/2006/relationships" xmlns:p="http://schemas.openxmlformats.org/presentationml/2006/main">
+  <p:cSld>
+    <p:spTree>
+      <p:nvGrpSpPr>
+        <p:cNvPr id="1" name=""/>
+        <p:cNvGrpSpPr/>
+        <p:nvPr/>
+      </p:nvGrpSpPr>
+      <p:grpSpPr>
+        <a:xfrm>
+          <a:off x="0" y="0"/>
+          <a:ext cx="0" cy="0"/>
+          <a:chOff x="0" y="0"/>
+          <a:chExt cx="0" cy="0"/>
+        </a:xfrm>
+      </p:grpSpPr>
+      <p:sp>
+        <p:nvSpPr>
+          <p:cNvPr id="4" name="직사각형 3"/>
+          <p:cNvSpPr/>
+          <p:nvPr/>
+        </p:nvSpPr>
+        <p:spPr>
+          <a:xfrm>
+            <a:off x="101939" y="440174"/>
+            <a:ext cx="1696298" cy="369332"/>
+          </a:xfrm>
+          <a:prstGeom prst="rect">
+            <a:avLst/>
+          </a:prstGeom>
+        </p:spPr>
+        <p:txBody>
+          <a:bodyPr wrap="none">
+            <a:spAutoFit/>
+          </a:bodyPr>
+          <a:lstStyle/>
+          <a:p>
+            <a:r>
+              <a:rPr lang="en-US" altLang="ko-KR" b="1" dirty="0"/>
+              <a:t>9. </a:t>
+            </a:r>
+            <a:r>
+              <a:rPr lang="ko-KR" altLang="en-US" b="1" dirty="0"/>
+              <a:t>분석 </a:t>
+            </a:r>
+            <a:r>
+              <a:rPr lang="ko-KR" altLang="en-US" b="1" dirty="0" err="1"/>
+              <a:t>레이어</a:t>
+            </a:r>
+            <a:endParaRPr lang="ko-KR" altLang="en-US" dirty="0"/>
+          </a:p>
+        </p:txBody>
+      </p:sp>
+      <p:sp>
+        <p:nvSpPr>
+          <p:cNvPr id="5" name="직사각형 4"/>
+          <p:cNvSpPr/>
+          <p:nvPr/>
+        </p:nvSpPr>
+        <p:spPr>
+          <a:xfrm>
+            <a:off x="199208" y="1045420"/>
+            <a:ext cx="3065263" cy="369332"/>
+          </a:xfrm>
+          <a:prstGeom prst="rect">
+            <a:avLst/>
+          </a:prstGeom>
+        </p:spPr>
+        <p:txBody>
+          <a:bodyPr wrap="none">
+            <a:spAutoFit/>
+          </a:bodyPr>
+          <a:lstStyle/>
+          <a:p>
+            <a:r>
+              <a:rPr lang="en-US" altLang="ko-KR" b="1" dirty="0"/>
+              <a:t>9.1 </a:t>
+            </a:r>
+            <a:r>
+              <a:rPr lang="ko-KR" altLang="en-US" b="1" dirty="0"/>
+              <a:t>주택용 전력소비량 현황</a:t>
+            </a:r>
+            <a:endParaRPr lang="ko-KR" altLang="en-US" dirty="0"/>
+          </a:p>
+        </p:txBody>
+      </p:sp>
+      <p:pic>
+        <p:nvPicPr>
+          <p:cNvPr id="6148" name="Picture 4" descr="https://lh4.googleusercontent.com/CQuQmMAAajFdJRvQ8KpegNloHDdaDGeVBTGhAVAwIv_R_oRAoNLQVFnCAOKHMaJH9yHhMNMnIY3I0MghFox-opC9Tre9R5LQKBS62hKSeql-or7tYjhLYrtwL-WqEybCXdMFKY0E"/>
+          <p:cNvPicPr>
+            <a:picLocks noChangeAspect="1" noChangeArrowheads="1"/>
+          </p:cNvPicPr>
+          <p:nvPr/>
+        </p:nvPicPr>
+        <p:blipFill>
+          <a:blip r:embed="rId2">
+            <a:extLst>
+              <a:ext uri="{28A0092B-C50C-407E-A947-70E740481C1C}">
+                <a14:useLocalDpi xmlns:a14="http://schemas.microsoft.com/office/drawing/2010/main" val="0"/>
+              </a:ext>
+            </a:extLst>
+          </a:blip>
+          <a:srcRect/>
+          <a:stretch>
+            <a:fillRect/>
+          </a:stretch>
+        </p:blipFill>
+        <p:spPr bwMode="auto">
+          <a:xfrm>
+            <a:off x="4488317" y="2377460"/>
+            <a:ext cx="3761638" cy="2352270"/>
+          </a:xfrm>
+          <a:prstGeom prst="rect">
+            <a:avLst/>
+          </a:prstGeom>
+          <a:noFill/>
+          <a:extLst>
+            <a:ext uri="{909E8E84-426E-40DD-AFC4-6F175D3DCCD1}">
+              <a14:hiddenFill xmlns:a14="http://schemas.microsoft.com/office/drawing/2010/main">
+                <a:solidFill>
+                  <a:srgbClr val="FFFFFF"/>
+                </a:solidFill>
+              </a14:hiddenFill>
+            </a:ext>
+          </a:extLst>
+        </p:spPr>
+      </p:pic>
+      <p:pic>
+        <p:nvPicPr>
+          <p:cNvPr id="9" name="Picture 2" descr="https://lh6.googleusercontent.com/17xbf6Thgehaw7rMRDB9eBkIPYb7Z1Kg6ZugDsPwXCQ0qjb_3ijOvnEVrVwVbJMpkU0y0ErqmtiT5o0PcadKR7Fvgdg_VYdgyux6KFRkjNxkKwDAD-0FTZiC2ncVu52Tv0pso7fV"/>
+          <p:cNvPicPr>
+            <a:picLocks noChangeAspect="1" noChangeArrowheads="1"/>
+          </p:cNvPicPr>
+          <p:nvPr/>
+        </p:nvPicPr>
+        <p:blipFill>
+          <a:blip r:embed="rId3">
+            <a:extLst>
+              <a:ext uri="{28A0092B-C50C-407E-A947-70E740481C1C}">
+                <a14:useLocalDpi xmlns:a14="http://schemas.microsoft.com/office/drawing/2010/main" val="0"/>
+              </a:ext>
+            </a:extLst>
+          </a:blip>
+          <a:srcRect/>
+          <a:stretch>
+            <a:fillRect/>
+          </a:stretch>
+        </p:blipFill>
+        <p:spPr bwMode="auto">
+          <a:xfrm>
+            <a:off x="199208" y="2004404"/>
+            <a:ext cx="3791777" cy="2725327"/>
+          </a:xfrm>
+          <a:prstGeom prst="rect">
+            <a:avLst/>
+          </a:prstGeom>
+          <a:noFill/>
+          <a:extLst>
+            <a:ext uri="{909E8E84-426E-40DD-AFC4-6F175D3DCCD1}">
+              <a14:hiddenFill xmlns:a14="http://schemas.microsoft.com/office/drawing/2010/main">
+                <a:solidFill>
+                  <a:srgbClr val="FFFFFF"/>
+                </a:solidFill>
+              </a14:hiddenFill>
+            </a:ext>
+          </a:extLst>
+        </p:spPr>
+      </p:pic>
+      <p:sp>
+        <p:nvSpPr>
+          <p:cNvPr id="8" name="직사각형 7"/>
+          <p:cNvSpPr/>
+          <p:nvPr/>
+        </p:nvSpPr>
+        <p:spPr>
+          <a:xfrm>
+            <a:off x="3363686" y="2351333"/>
+            <a:ext cx="212883" cy="2352270"/>
+          </a:xfrm>
+          <a:prstGeom prst="rect">
+            <a:avLst/>
+          </a:prstGeom>
+          <a:noFill/>
+          <a:ln w="25400">
+            <a:solidFill>
+              <a:schemeClr val="tx1"/>
+            </a:solidFill>
+          </a:ln>
+        </p:spPr>
+        <p:style>
+          <a:lnRef idx="2">
+            <a:schemeClr val="accent1">
+              <a:shade val="50000"/>
+            </a:schemeClr>
+          </a:lnRef>
+          <a:fillRef idx="1">
+            <a:schemeClr val="accent1"/>
+          </a:fillRef>
+          <a:effectRef idx="0">
+            <a:schemeClr val="accent1"/>
+          </a:effectRef>
+          <a:fontRef idx="minor">
+            <a:schemeClr val="lt1"/>
+          </a:fontRef>
+        </p:style>
+        <p:txBody>
+          <a:bodyPr rtlCol="0" anchor="ctr"/>
+          <a:lstStyle/>
+          <a:p>
+            <a:pPr algn="ctr"/>
+            <a:endParaRPr lang="ko-KR" altLang="en-US"/>
+          </a:p>
+        </p:txBody>
+      </p:sp>
+      <p:sp>
+        <p:nvSpPr>
+          <p:cNvPr id="10" name="TextBox 9"/>
+          <p:cNvSpPr txBox="1"/>
+          <p:nvPr/>
+        </p:nvSpPr>
+        <p:spPr>
+          <a:xfrm>
+            <a:off x="1079863" y="5298295"/>
+            <a:ext cx="6853646" cy="830997"/>
+          </a:xfrm>
+          <a:prstGeom prst="rect">
+            <a:avLst/>
+          </a:prstGeom>
+          <a:noFill/>
+        </p:spPr>
+        <p:txBody>
+          <a:bodyPr wrap="square" rtlCol="0">
+            <a:spAutoFit/>
+          </a:bodyPr>
+          <a:lstStyle/>
+          <a:p>
+            <a:r>
+              <a:rPr lang="en-US" altLang="ko-KR" sz="1600" dirty="0" smtClean="0">
+                <a:latin typeface="KoPubWorld돋움체_Pro Bold" pitchFamily="50" charset="-127"/>
+                <a:ea typeface="KoPubWorld돋움체_Pro Bold" pitchFamily="50" charset="-127"/>
+                <a:cs typeface="KoPubWorld돋움체_Pro Bold" pitchFamily="50" charset="-127"/>
+              </a:rPr>
+              <a:t> &gt; </a:t>
+            </a:r>
+            <a:r>
+              <a:rPr lang="en-US" altLang="ko-KR" sz="1600" dirty="0" smtClean="0">
+                <a:latin typeface="KoPubWorld돋움체_Pro Bold" pitchFamily="50" charset="-127"/>
+                <a:ea typeface="KoPubWorld돋움체_Pro Bold" pitchFamily="50" charset="-127"/>
+                <a:cs typeface="KoPubWorld돋움체_Pro Bold" pitchFamily="50" charset="-127"/>
+              </a:rPr>
+              <a:t>2014-2018 5</a:t>
+            </a:r>
+            <a:r>
+              <a:rPr lang="ko-KR" altLang="en-US" sz="1600" dirty="0" smtClean="0">
+                <a:latin typeface="KoPubWorld돋움체_Pro Bold" pitchFamily="50" charset="-127"/>
+                <a:ea typeface="KoPubWorld돋움체_Pro Bold" pitchFamily="50" charset="-127"/>
+                <a:cs typeface="KoPubWorld돋움체_Pro Bold" pitchFamily="50" charset="-127"/>
+              </a:rPr>
+              <a:t>년간 가구 </a:t>
+            </a:r>
+            <a:r>
+              <a:rPr lang="ko-KR" altLang="en-US" sz="1600" dirty="0" err="1" smtClean="0">
+                <a:latin typeface="KoPubWorld돋움체_Pro Bold" pitchFamily="50" charset="-127"/>
+                <a:ea typeface="KoPubWorld돋움체_Pro Bold" pitchFamily="50" charset="-127"/>
+                <a:cs typeface="KoPubWorld돋움체_Pro Bold" pitchFamily="50" charset="-127"/>
+              </a:rPr>
+              <a:t>구성원수별</a:t>
+            </a:r>
+            <a:r>
+              <a:rPr lang="ko-KR" altLang="en-US" sz="1600" dirty="0" smtClean="0">
+                <a:latin typeface="KoPubWorld돋움체_Pro Bold" pitchFamily="50" charset="-127"/>
+                <a:ea typeface="KoPubWorld돋움체_Pro Bold" pitchFamily="50" charset="-127"/>
+                <a:cs typeface="KoPubWorld돋움체_Pro Bold" pitchFamily="50" charset="-127"/>
+              </a:rPr>
+              <a:t> 월평균 전력소비량</a:t>
+            </a:r>
+            <a:endParaRPr lang="en-US" altLang="ko-KR" sz="1600" dirty="0" smtClean="0">
+              <a:latin typeface="KoPubWorld돋움체_Pro Bold" pitchFamily="50" charset="-127"/>
+              <a:ea typeface="KoPubWorld돋움체_Pro Bold" pitchFamily="50" charset="-127"/>
+              <a:cs typeface="KoPubWorld돋움체_Pro Bold" pitchFamily="50" charset="-127"/>
+            </a:endParaRPr>
+          </a:p>
+          <a:p>
+            <a:r>
+              <a:rPr lang="en-US" altLang="ko-KR" sz="1600" dirty="0" smtClean="0">
+                <a:latin typeface="KoPubWorld돋움체_Pro Bold" pitchFamily="50" charset="-127"/>
+                <a:ea typeface="KoPubWorld돋움체_Pro Bold" pitchFamily="50" charset="-127"/>
+                <a:cs typeface="KoPubWorld돋움체_Pro Bold" pitchFamily="50" charset="-127"/>
+              </a:rPr>
+              <a:t>  - </a:t>
+            </a:r>
+            <a:r>
+              <a:rPr lang="ko-KR" altLang="en-US" sz="1600" dirty="0" smtClean="0">
+                <a:latin typeface="KoPubWorld돋움체_Pro Bold" pitchFamily="50" charset="-127"/>
+                <a:ea typeface="KoPubWorld돋움체_Pro Bold" pitchFamily="50" charset="-127"/>
+                <a:cs typeface="KoPubWorld돋움체_Pro Bold" pitchFamily="50" charset="-127"/>
+              </a:rPr>
+              <a:t>가구 구성원수가 증가할수록 전력소비량도 증가</a:t>
+            </a:r>
+            <a:endParaRPr lang="en-US" altLang="ko-KR" sz="1600" dirty="0" smtClean="0">
+              <a:latin typeface="KoPubWorld돋움체_Pro Bold" pitchFamily="50" charset="-127"/>
+              <a:ea typeface="KoPubWorld돋움체_Pro Bold" pitchFamily="50" charset="-127"/>
+              <a:cs typeface="KoPubWorld돋움체_Pro Bold" pitchFamily="50" charset="-127"/>
+            </a:endParaRPr>
+          </a:p>
+          <a:p>
+            <a:r>
+              <a:rPr lang="en-US" altLang="ko-KR" sz="1600" dirty="0">
+                <a:latin typeface="KoPubWorld돋움체_Pro Bold" pitchFamily="50" charset="-127"/>
+                <a:ea typeface="KoPubWorld돋움체_Pro Bold" pitchFamily="50" charset="-127"/>
+                <a:cs typeface="KoPubWorld돋움체_Pro Bold" pitchFamily="50" charset="-127"/>
+              </a:rPr>
+              <a:t> </a:t>
+            </a:r>
+            <a:r>
+              <a:rPr lang="en-US" altLang="ko-KR" sz="1600" dirty="0" smtClean="0">
+                <a:latin typeface="KoPubWorld돋움체_Pro Bold" pitchFamily="50" charset="-127"/>
+                <a:ea typeface="KoPubWorld돋움체_Pro Bold" pitchFamily="50" charset="-127"/>
+                <a:cs typeface="KoPubWorld돋움체_Pro Bold" pitchFamily="50" charset="-127"/>
+              </a:rPr>
+              <a:t> - </a:t>
+            </a:r>
+            <a:r>
+              <a:rPr lang="ko-KR" altLang="en-US" sz="1600" dirty="0" err="1" smtClean="0">
+                <a:latin typeface="KoPubWorld돋움체_Pro Bold" pitchFamily="50" charset="-127"/>
+                <a:ea typeface="KoPubWorld돋움체_Pro Bold" pitchFamily="50" charset="-127"/>
+                <a:cs typeface="KoPubWorld돋움체_Pro Bold" pitchFamily="50" charset="-127"/>
+              </a:rPr>
+              <a:t>구성원수별</a:t>
+            </a:r>
+            <a:r>
+              <a:rPr lang="ko-KR" altLang="en-US" sz="1600" dirty="0" smtClean="0">
+                <a:latin typeface="KoPubWorld돋움체_Pro Bold" pitchFamily="50" charset="-127"/>
+                <a:ea typeface="KoPubWorld돋움체_Pro Bold" pitchFamily="50" charset="-127"/>
+                <a:cs typeface="KoPubWorld돋움체_Pro Bold" pitchFamily="50" charset="-127"/>
+              </a:rPr>
+              <a:t> 최소</a:t>
+            </a:r>
+            <a:r>
+              <a:rPr lang="en-US" altLang="ko-KR" sz="1600" dirty="0" smtClean="0">
+                <a:latin typeface="KoPubWorld돋움체_Pro Bold" pitchFamily="50" charset="-127"/>
+                <a:ea typeface="KoPubWorld돋움체_Pro Bold" pitchFamily="50" charset="-127"/>
+                <a:cs typeface="KoPubWorld돋움체_Pro Bold" pitchFamily="50" charset="-127"/>
+              </a:rPr>
+              <a:t>-</a:t>
+            </a:r>
+            <a:r>
+              <a:rPr lang="ko-KR" altLang="en-US" sz="1600" dirty="0" smtClean="0">
+                <a:latin typeface="KoPubWorld돋움체_Pro Bold" pitchFamily="50" charset="-127"/>
+                <a:ea typeface="KoPubWorld돋움체_Pro Bold" pitchFamily="50" charset="-127"/>
+                <a:cs typeface="KoPubWorld돋움체_Pro Bold" pitchFamily="50" charset="-127"/>
+              </a:rPr>
+              <a:t>최대 전력소비량 차이는 </a:t>
+            </a:r>
+            <a:r>
+              <a:rPr lang="ko-KR" altLang="en-US" sz="1600" dirty="0" err="1" smtClean="0">
+                <a:latin typeface="KoPubWorld돋움체_Pro Bold" pitchFamily="50" charset="-127"/>
+                <a:ea typeface="KoPubWorld돋움체_Pro Bold" pitchFamily="50" charset="-127"/>
+                <a:cs typeface="KoPubWorld돋움체_Pro Bold" pitchFamily="50" charset="-127"/>
+              </a:rPr>
+              <a:t>두배정도</a:t>
+            </a:r>
+            <a:r>
+              <a:rPr lang="ko-KR" altLang="en-US" sz="1600" dirty="0" smtClean="0">
+                <a:latin typeface="KoPubWorld돋움체_Pro Bold" pitchFamily="50" charset="-127"/>
+                <a:ea typeface="KoPubWorld돋움체_Pro Bold" pitchFamily="50" charset="-127"/>
+                <a:cs typeface="KoPubWorld돋움체_Pro Bold" pitchFamily="50" charset="-127"/>
+              </a:rPr>
+              <a:t> 차이</a:t>
+            </a:r>
+            <a:endParaRPr lang="en-US" altLang="ko-KR" sz="1600" dirty="0" smtClean="0">
+              <a:latin typeface="KoPubWorld돋움체_Pro Bold" pitchFamily="50" charset="-127"/>
+              <a:ea typeface="KoPubWorld돋움체_Pro Bold" pitchFamily="50" charset="-127"/>
+              <a:cs typeface="KoPubWorld돋움체_Pro Bold" pitchFamily="50" charset="-127"/>
+            </a:endParaRPr>
+          </a:p>
+        </p:txBody>
+      </p:sp>
+      <p:cxnSp>
+        <p:nvCxnSpPr>
+          <p:cNvPr id="7" name="직선 화살표 연결선 6"/>
+          <p:cNvCxnSpPr/>
+          <p:nvPr/>
+        </p:nvCxnSpPr>
+        <p:spPr>
+          <a:xfrm flipV="1">
+            <a:off x="5042263" y="2629989"/>
+            <a:ext cx="3056708" cy="783772"/>
+          </a:xfrm>
+          <a:prstGeom prst="straightConnector1">
+            <a:avLst/>
+          </a:prstGeom>
+          <a:ln w="25400">
+            <a:solidFill>
+              <a:srgbClr val="FF0000"/>
+            </a:solidFill>
+            <a:tailEnd type="arrow"/>
+          </a:ln>
+        </p:spPr>
+        <p:style>
+          <a:lnRef idx="1">
+            <a:schemeClr val="accent1"/>
+          </a:lnRef>
+          <a:fillRef idx="0">
+            <a:schemeClr val="accent1"/>
+          </a:fillRef>
+          <a:effectRef idx="0">
+            <a:schemeClr val="accent1"/>
+          </a:effectRef>
+          <a:fontRef idx="minor">
+            <a:schemeClr val="tx1"/>
+          </a:fontRef>
+        </p:style>
+      </p:cxnSp>
+    </p:spTree>
+    <p:extLst>
+      <p:ext uri="{BB962C8B-B14F-4D97-AF65-F5344CB8AC3E}">
+        <p14:creationId xmlns:p14="http://schemas.microsoft.com/office/powerpoint/2010/main" val="148467847"/>
+      </p:ext>
+    </p:extLst>
+  </p:cSld>
+  <p:clrMapOvr>
+    <a:masterClrMapping/>
+  </p:clrMapOvr>
+  <p:timing>
+    <p:tnLst>
+      <p:par>
+        <p:cTn id="1" dur="indefinite" restart="never" nodeType="tmRoot"/>
+      </p:par>
+    </p:tnLst>
+  </p:timing>
+</p:sld>
+</file>
+
+<file path=ppt/slides/slide9.xml><?xml version="1.0" encoding="utf-8"?>
+<p:sld xmlns:a="http://schemas.openxmlformats.org/drawingml/2006/main" xmlns:r="http://schemas.openxmlformats.org/officeDocument/2006/relationships" xmlns:p="http://schemas.openxmlformats.org/presentationml/2006/main">
+  <p:cSld>
+    <p:spTree>
+      <p:nvGrpSpPr>
+        <p:cNvPr id="1" name=""/>
+        <p:cNvGrpSpPr/>
+        <p:nvPr/>
+      </p:nvGrpSpPr>
+      <p:grpSpPr>
+        <a:xfrm>
+          <a:off x="0" y="0"/>
+          <a:ext cx="0" cy="0"/>
+          <a:chOff x="0" y="0"/>
+          <a:chExt cx="0" cy="0"/>
+        </a:xfrm>
+      </p:grpSpPr>
+      <p:sp>
+        <p:nvSpPr>
+          <p:cNvPr id="4" name="직사각형 3"/>
+          <p:cNvSpPr/>
+          <p:nvPr/>
+        </p:nvSpPr>
+        <p:spPr>
+          <a:xfrm>
+            <a:off x="101939" y="440174"/>
+            <a:ext cx="1696298" cy="369332"/>
+          </a:xfrm>
+          <a:prstGeom prst="rect">
+            <a:avLst/>
+          </a:prstGeom>
+        </p:spPr>
+        <p:txBody>
+          <a:bodyPr wrap="none">
+            <a:spAutoFit/>
+          </a:bodyPr>
+          <a:lstStyle/>
+          <a:p>
+            <a:r>
+              <a:rPr lang="en-US" altLang="ko-KR" b="1" dirty="0"/>
+              <a:t>9. </a:t>
+            </a:r>
+            <a:r>
+              <a:rPr lang="ko-KR" altLang="en-US" b="1" dirty="0"/>
+              <a:t>분석 </a:t>
+            </a:r>
+            <a:r>
+              <a:rPr lang="ko-KR" altLang="en-US" b="1" dirty="0" err="1"/>
+              <a:t>레이어</a:t>
+            </a:r>
+            <a:endParaRPr lang="ko-KR" altLang="en-US" dirty="0"/>
+          </a:p>
+        </p:txBody>
+      </p:sp>
+      <p:sp>
+        <p:nvSpPr>
+          <p:cNvPr id="5" name="직사각형 4"/>
+          <p:cNvSpPr/>
+          <p:nvPr/>
+        </p:nvSpPr>
+        <p:spPr>
+          <a:xfrm>
+            <a:off x="199207" y="1045420"/>
+            <a:ext cx="2834430" cy="369332"/>
+          </a:xfrm>
+          <a:prstGeom prst="rect">
+            <a:avLst/>
+          </a:prstGeom>
+        </p:spPr>
+        <p:txBody>
+          <a:bodyPr wrap="none">
+            <a:spAutoFit/>
+          </a:bodyPr>
+          <a:lstStyle/>
+          <a:p>
+            <a:r>
+              <a:rPr lang="en-US" altLang="ko-KR" b="1" dirty="0" smtClean="0"/>
+              <a:t>9.2 </a:t>
+            </a:r>
+            <a:r>
+              <a:rPr lang="ko-KR" altLang="en-US" b="1" dirty="0" smtClean="0"/>
+              <a:t>일일 전력소비량 예측</a:t>
+            </a:r>
+            <a:endParaRPr lang="ko-KR" altLang="en-US" dirty="0"/>
+          </a:p>
+        </p:txBody>
+      </p:sp>
+      <p:sp>
+        <p:nvSpPr>
+          <p:cNvPr id="7" name="직사각형 6"/>
+          <p:cNvSpPr/>
+          <p:nvPr/>
+        </p:nvSpPr>
+        <p:spPr>
+          <a:xfrm>
+            <a:off x="199207" y="1476897"/>
+            <a:ext cx="7994882" cy="369332"/>
+          </a:xfrm>
+          <a:prstGeom prst="rect">
+            <a:avLst/>
+          </a:prstGeom>
+        </p:spPr>
+        <p:txBody>
+          <a:bodyPr wrap="square">
+            <a:spAutoFit/>
+          </a:bodyPr>
+          <a:lstStyle/>
+          <a:p>
+            <a:r>
+              <a:rPr lang="en-US" altLang="ko-KR" dirty="0" smtClean="0"/>
+              <a:t> LSTM</a:t>
+            </a:r>
+            <a:r>
+              <a:rPr lang="ko-KR" altLang="en-US" sz="1200" dirty="0" smtClean="0"/>
+              <a:t>은 장단기 기억네트워크를 사용하여 </a:t>
+            </a:r>
+            <a:r>
+              <a:rPr lang="ko-KR" altLang="en-US" sz="1200" dirty="0" err="1" smtClean="0"/>
+              <a:t>시계열</a:t>
+            </a:r>
+            <a:r>
+              <a:rPr lang="ko-KR" altLang="en-US" sz="1200" dirty="0" smtClean="0"/>
+              <a:t> 데이터를 예측하는 방법</a:t>
+            </a:r>
+            <a:endParaRPr lang="ko-KR" altLang="en-US" dirty="0"/>
+          </a:p>
+        </p:txBody>
+      </p:sp>
+      <p:sp>
+        <p:nvSpPr>
+          <p:cNvPr id="10" name="직사각형 9"/>
+          <p:cNvSpPr/>
+          <p:nvPr/>
+        </p:nvSpPr>
+        <p:spPr>
+          <a:xfrm>
+            <a:off x="325474" y="2005561"/>
+            <a:ext cx="7994882" cy="369332"/>
+          </a:xfrm>
+          <a:prstGeom prst="rect">
+            <a:avLst/>
+          </a:prstGeom>
+        </p:spPr>
+        <p:txBody>
+          <a:bodyPr wrap="square">
+            <a:spAutoFit/>
+          </a:bodyPr>
+          <a:lstStyle/>
+          <a:p>
+            <a:r>
+              <a:rPr lang="en-US" altLang="ko-KR" dirty="0" smtClean="0"/>
+              <a:t>dataset</a:t>
+            </a:r>
+            <a:endParaRPr lang="ko-KR" altLang="en-US" dirty="0"/>
+          </a:p>
+        </p:txBody>
+      </p:sp>
+      <p:pic>
+        <p:nvPicPr>
+          <p:cNvPr id="7172" name="Picture 4"/>
+          <p:cNvPicPr>
+            <a:picLocks noChangeAspect="1" noChangeArrowheads="1"/>
+          </p:cNvPicPr>
+          <p:nvPr/>
+        </p:nvPicPr>
+        <p:blipFill>
+          <a:blip r:embed="rId2">
+            <a:extLst>
+              <a:ext uri="{28A0092B-C50C-407E-A947-70E740481C1C}">
+                <a14:useLocalDpi xmlns:a14="http://schemas.microsoft.com/office/drawing/2010/main" val="0"/>
+              </a:ext>
+            </a:extLst>
+          </a:blip>
+          <a:srcRect/>
+          <a:stretch>
+            <a:fillRect/>
+          </a:stretch>
+        </p:blipFill>
+        <p:spPr bwMode="auto">
+          <a:xfrm>
+            <a:off x="499700" y="5321148"/>
+            <a:ext cx="7132638" cy="1208745"/>
+          </a:xfrm>
+          <a:prstGeom prst="rect">
+            <a:avLst/>
+          </a:prstGeom>
+          <a:noFill/>
+          <a:ln>
+            <a:noFill/>
+          </a:ln>
+          <a:extLst>
+            <a:ext uri="{909E8E84-426E-40DD-AFC4-6F175D3DCCD1}">
+              <a14:hiddenFill xmlns:a14="http://schemas.microsoft.com/office/drawing/2010/main">
+                <a:solidFill>
+                  <a:schemeClr val="accent1"/>
+                </a:solidFill>
+              </a14:hiddenFill>
+            </a:ext>
+            <a:ext uri="{91240B29-F687-4F45-9708-019B960494DF}">
+              <a14:hiddenLine xmlns:a14="http://schemas.microsoft.com/office/drawing/2010/main" w="9525">
+                <a:solidFill>
+                  <a:schemeClr val="tx1"/>
+                </a:solidFill>
+                <a:miter lim="800000"/>
+                <a:headEnd/>
+                <a:tailEnd/>
+              </a14:hiddenLine>
+            </a:ext>
+          </a:extLst>
+        </p:spPr>
+      </p:pic>
+      <p:pic>
+        <p:nvPicPr>
+          <p:cNvPr id="7173" name="Picture 5"/>
+          <p:cNvPicPr>
+            <a:picLocks noChangeAspect="1" noChangeArrowheads="1"/>
+          </p:cNvPicPr>
+          <p:nvPr/>
+        </p:nvPicPr>
+        <p:blipFill>
+          <a:blip r:embed="rId3">
+            <a:extLst>
+              <a:ext uri="{28A0092B-C50C-407E-A947-70E740481C1C}">
+                <a14:useLocalDpi xmlns:a14="http://schemas.microsoft.com/office/drawing/2010/main" val="0"/>
+              </a:ext>
+            </a:extLst>
+          </a:blip>
+          <a:srcRect/>
+          <a:stretch>
+            <a:fillRect/>
+          </a:stretch>
+        </p:blipFill>
+        <p:spPr bwMode="auto">
+          <a:xfrm>
+            <a:off x="499700" y="2556769"/>
+            <a:ext cx="7123868" cy="2543869"/>
+          </a:xfrm>
+          <a:prstGeom prst="rect">
+            <a:avLst/>
+          </a:prstGeom>
+          <a:noFill/>
+          <a:ln>
+            <a:noFill/>
+          </a:ln>
+          <a:extLst>
+            <a:ext uri="{909E8E84-426E-40DD-AFC4-6F175D3DCCD1}">
+              <a14:hiddenFill xmlns:a14="http://schemas.microsoft.com/office/drawing/2010/main">
+                <a:solidFill>
+                  <a:schemeClr val="accent1"/>
+                </a:solidFill>
+              </a14:hiddenFill>
+            </a:ext>
+            <a:ext uri="{91240B29-F687-4F45-9708-019B960494DF}">
+              <a14:hiddenLine xmlns:a14="http://schemas.microsoft.com/office/drawing/2010/main" w="9525">
+                <a:solidFill>
+                  <a:schemeClr val="tx1"/>
+                </a:solidFill>
+                <a:miter lim="800000"/>
+                <a:headEnd/>
+                <a:tailEnd/>
+              </a14:hiddenLine>
+            </a:ext>
+          </a:extLst>
+        </p:spPr>
+      </p:pic>
+    </p:spTree>
+    <p:extLst>
+      <p:ext uri="{BB962C8B-B14F-4D97-AF65-F5344CB8AC3E}">
+        <p14:creationId xmlns:p14="http://schemas.microsoft.com/office/powerpoint/2010/main" val="326601281"/>
+      </p:ext>
+    </p:extLst>
+  </p:cSld>
+  <p:clrMapOvr>
+    <a:masterClrMapping/>
+  </p:clrMapOvr>
+  <p:timing>
+    <p:tnLst>
+      <p:par>
+        <p:cTn id="1" dur="indefinite" restart="never" nodeType="tmRoot"/>
+      </p:par>
+    </p:tnLst>
+  </p:timing>
 </p:sld>
 </file>
 
@@ -3643,8 +10021,293 @@
   <a:extraClrSchemeLst/>
   <a:extLst>
     <a:ext uri="{05A4C25C-085E-4340-85A3-A5531E510DB2}">
-      <thm15:themeFamily xmlns:thm15="http://schemas.microsoft.com/office/thememl/2012/main" name="Office Theme" id="{62F939B6-93AF-4DB8-9C6B-D6C7DFDC589F}" vid="{4A3C46E8-61CC-4603-A589-7422A47A8E4A}"/>
+      <thm15:themeFamily xmlns:thm15="http://schemas.microsoft.com/office/thememl/2012/main" xmlns="" name="Office Theme" id="{62F939B6-93AF-4DB8-9C6B-D6C7DFDC589F}" vid="{4A3C46E8-61CC-4603-A589-7422A47A8E4A}"/>
     </a:ext>
   </a:extLst>
 </a:theme>
+</file>
+
+<file path=ppt/theme/theme2.xml><?xml version="1.0" encoding="utf-8"?>
+<a:theme xmlns:a="http://schemas.openxmlformats.org/drawingml/2006/main" name="Office 테마">
+  <a:themeElements>
+    <a:clrScheme name="Office">
+      <a:dk1>
+        <a:sysClr val="windowText" lastClr="000000"/>
+      </a:dk1>
+      <a:lt1>
+        <a:sysClr val="window" lastClr="FFFFFF"/>
+      </a:lt1>
+      <a:dk2>
+        <a:srgbClr val="1F497D"/>
+      </a:dk2>
+      <a:lt2>
+        <a:srgbClr val="EEECE1"/>
+      </a:lt2>
+      <a:accent1>
+        <a:srgbClr val="4F81BD"/>
+      </a:accent1>
+      <a:accent2>
+        <a:srgbClr val="C0504D"/>
+      </a:accent2>
+      <a:accent3>
+        <a:srgbClr val="9BBB59"/>
+      </a:accent3>
+      <a:accent4>
+        <a:srgbClr val="8064A2"/>
+      </a:accent4>
+      <a:accent5>
+        <a:srgbClr val="4BACC6"/>
+      </a:accent5>
+      <a:accent6>
+        <a:srgbClr val="F79646"/>
+      </a:accent6>
+      <a:hlink>
+        <a:srgbClr val="0000FF"/>
+      </a:hlink>
+      <a:folHlink>
+        <a:srgbClr val="800080"/>
+      </a:folHlink>
+    </a:clrScheme>
+    <a:fontScheme name="Office">
+      <a:majorFont>
+        <a:latin typeface="맑은 고딕"/>
+        <a:ea typeface=""/>
+        <a:cs typeface=""/>
+        <a:font script="Jpan" typeface="ＭＳ Ｐゴシック"/>
+        <a:font script="Hang" typeface="맑은 고딕"/>
+        <a:font script="Hans" typeface="宋体"/>
+        <a:font script="Hant" typeface="新細明體"/>
+        <a:font script="Arab" typeface="Times New Roman"/>
+        <a:font script="Hebr" typeface="Times New Roman"/>
+        <a:font script="Thai" typeface="Angsana New"/>
+        <a:font script="Ethi" typeface="Nyala"/>
+        <a:font script="Beng" typeface="Vrinda"/>
+        <a:font script="Gujr" typeface="Shruti"/>
+        <a:font script="Khmr" typeface="MoolBoran"/>
+        <a:font script="Knda" typeface="Tunga"/>
+        <a:font script="Guru" typeface="Raavi"/>
+        <a:font script="Cans" typeface="Euphemia"/>
+        <a:font script="Cher" typeface="Plantagenet Cherokee"/>
+        <a:font script="Yiii" typeface="Microsoft Yi Baiti"/>
+        <a:font script="Tibt" typeface="Microsoft Himalaya"/>
+        <a:font script="Thaa" typeface="MV Boli"/>
+        <a:font script="Deva" typeface="Mangal"/>
+        <a:font script="Telu" typeface="Gautami"/>
+        <a:font script="Taml" typeface="Latha"/>
+        <a:font script="Syrc" typeface="Estrangelo Edessa"/>
+        <a:font script="Orya" typeface="Kalinga"/>
+        <a:font script="Mlym" typeface="Kartika"/>
+        <a:font script="Laoo" typeface="DokChampa"/>
+        <a:font script="Sinh" typeface="Iskoola Pota"/>
+        <a:font script="Mong" typeface="Mongolian Baiti"/>
+        <a:font script="Viet" typeface="Times New Roman"/>
+        <a:font script="Uigh" typeface="Microsoft Uighur"/>
+        <a:font script="Geor" typeface="Sylfaen"/>
+      </a:majorFont>
+      <a:minorFont>
+        <a:latin typeface="맑은 고딕"/>
+        <a:ea typeface=""/>
+        <a:cs typeface=""/>
+        <a:font script="Jpan" typeface="ＭＳ Ｐゴシック"/>
+        <a:font script="Hang" typeface="맑은 고딕"/>
+        <a:font script="Hans" typeface="宋体"/>
+        <a:font script="Hant" typeface="新細明體"/>
+        <a:font script="Arab" typeface="Arial"/>
+        <a:font script="Hebr" typeface="Arial"/>
+        <a:font script="Thai" typeface="Cordia New"/>
+        <a:font script="Ethi" typeface="Nyala"/>
+        <a:font script="Beng" typeface="Vrinda"/>
+        <a:font script="Gujr" typeface="Shruti"/>
+        <a:font script="Khmr" typeface="DaunPenh"/>
+        <a:font script="Knda" typeface="Tunga"/>
+        <a:font script="Guru" typeface="Raavi"/>
+        <a:font script="Cans" typeface="Euphemia"/>
+        <a:font script="Cher" typeface="Plantagenet Cherokee"/>
+        <a:font script="Yiii" typeface="Microsoft Yi Baiti"/>
+        <a:font script="Tibt" typeface="Microsoft Himalaya"/>
+        <a:font script="Thaa" typeface="MV Boli"/>
+        <a:font script="Deva" typeface="Mangal"/>
+        <a:font script="Telu" typeface="Gautami"/>
+        <a:font script="Taml" typeface="Latha"/>
+        <a:font script="Syrc" typeface="Estrangelo Edessa"/>
+        <a:font script="Orya" typeface="Kalinga"/>
+        <a:font script="Mlym" typeface="Kartika"/>
+        <a:font script="Laoo" typeface="DokChampa"/>
+        <a:font script="Sinh" typeface="Iskoola Pota"/>
+        <a:font script="Mong" typeface="Mongolian Baiti"/>
+        <a:font script="Viet" typeface="Arial"/>
+        <a:font script="Uigh" typeface="Microsoft Uighur"/>
+        <a:font script="Geor" typeface="Sylfaen"/>
+      </a:minorFont>
+    </a:fontScheme>
+    <a:fmtScheme name="Office">
+      <a:fillStyleLst>
+        <a:solidFill>
+          <a:schemeClr val="phClr"/>
+        </a:solidFill>
+        <a:gradFill rotWithShape="1">
+          <a:gsLst>
+            <a:gs pos="0">
+              <a:schemeClr val="phClr">
+                <a:tint val="50000"/>
+                <a:satMod val="300000"/>
+              </a:schemeClr>
+            </a:gs>
+            <a:gs pos="35000">
+              <a:schemeClr val="phClr">
+                <a:tint val="37000"/>
+                <a:satMod val="300000"/>
+              </a:schemeClr>
+            </a:gs>
+            <a:gs pos="100000">
+              <a:schemeClr val="phClr">
+                <a:tint val="15000"/>
+                <a:satMod val="350000"/>
+              </a:schemeClr>
+            </a:gs>
+          </a:gsLst>
+          <a:lin ang="16200000" scaled="1"/>
+        </a:gradFill>
+        <a:gradFill rotWithShape="1">
+          <a:gsLst>
+            <a:gs pos="0">
+              <a:schemeClr val="phClr">
+                <a:shade val="51000"/>
+                <a:satMod val="130000"/>
+              </a:schemeClr>
+            </a:gs>
+            <a:gs pos="80000">
+              <a:schemeClr val="phClr">
+                <a:shade val="93000"/>
+                <a:satMod val="130000"/>
+              </a:schemeClr>
+            </a:gs>
+            <a:gs pos="100000">
+              <a:schemeClr val="phClr">
+                <a:shade val="94000"/>
+                <a:satMod val="135000"/>
+              </a:schemeClr>
+            </a:gs>
+          </a:gsLst>
+          <a:lin ang="16200000" scaled="0"/>
+        </a:gradFill>
+      </a:fillStyleLst>
+      <a:lnStyleLst>
+        <a:ln w="9525" cap="flat" cmpd="sng" algn="ctr">
+          <a:solidFill>
+            <a:schemeClr val="phClr">
+              <a:shade val="95000"/>
+              <a:satMod val="105000"/>
+            </a:schemeClr>
+          </a:solidFill>
+          <a:prstDash val="solid"/>
+        </a:ln>
+        <a:ln w="25400" cap="flat" cmpd="sng" algn="ctr">
+          <a:solidFill>
+            <a:schemeClr val="phClr"/>
+          </a:solidFill>
+          <a:prstDash val="solid"/>
+        </a:ln>
+        <a:ln w="38100" cap="flat" cmpd="sng" algn="ctr">
+          <a:solidFill>
+            <a:schemeClr val="phClr"/>
+          </a:solidFill>
+          <a:prstDash val="solid"/>
+        </a:ln>
+      </a:lnStyleLst>
+      <a:effectStyleLst>
+        <a:effectStyle>
+          <a:effectLst>
+            <a:outerShdw blurRad="40000" dist="20000" dir="5400000" rotWithShape="0">
+              <a:srgbClr val="000000">
+                <a:alpha val="38000"/>
+              </a:srgbClr>
+            </a:outerShdw>
+          </a:effectLst>
+        </a:effectStyle>
+        <a:effectStyle>
+          <a:effectLst>
+            <a:outerShdw blurRad="40000" dist="23000" dir="5400000" rotWithShape="0">
+              <a:srgbClr val="000000">
+                <a:alpha val="35000"/>
+              </a:srgbClr>
+            </a:outerShdw>
+          </a:effectLst>
+        </a:effectStyle>
+        <a:effectStyle>
+          <a:effectLst>
+            <a:outerShdw blurRad="40000" dist="23000" dir="5400000" rotWithShape="0">
+              <a:srgbClr val="000000">
+                <a:alpha val="35000"/>
+              </a:srgbClr>
+            </a:outerShdw>
+          </a:effectLst>
+          <a:scene3d>
+            <a:camera prst="orthographicFront">
+              <a:rot lat="0" lon="0" rev="0"/>
+            </a:camera>
+            <a:lightRig rig="threePt" dir="t">
+              <a:rot lat="0" lon="0" rev="1200000"/>
+            </a:lightRig>
+          </a:scene3d>
+          <a:sp3d>
+            <a:bevelT w="63500" h="25400"/>
+          </a:sp3d>
+        </a:effectStyle>
+      </a:effectStyleLst>
+      <a:bgFillStyleLst>
+        <a:solidFill>
+          <a:schemeClr val="phClr"/>
+        </a:solidFill>
+        <a:gradFill rotWithShape="1">
+          <a:gsLst>
+            <a:gs pos="0">
+              <a:schemeClr val="phClr">
+                <a:tint val="40000"/>
+                <a:satMod val="350000"/>
+              </a:schemeClr>
+            </a:gs>
+            <a:gs pos="40000">
+              <a:schemeClr val="phClr">
+                <a:tint val="45000"/>
+                <a:shade val="99000"/>
+                <a:satMod val="350000"/>
+              </a:schemeClr>
+            </a:gs>
+            <a:gs pos="100000">
+              <a:schemeClr val="phClr">
+                <a:shade val="20000"/>
+                <a:satMod val="255000"/>
+              </a:schemeClr>
+            </a:gs>
+          </a:gsLst>
+          <a:path path="circle">
+            <a:fillToRect l="50000" t="-80000" r="50000" b="180000"/>
+          </a:path>
+        </a:gradFill>
+        <a:gradFill rotWithShape="1">
+          <a:gsLst>
+            <a:gs pos="0">
+              <a:schemeClr val="phClr">
+                <a:tint val="80000"/>
+                <a:satMod val="300000"/>
+              </a:schemeClr>
+            </a:gs>
+            <a:gs pos="100000">
+              <a:schemeClr val="phClr">
+                <a:shade val="30000"/>
+                <a:satMod val="200000"/>
+              </a:schemeClr>
+            </a:gs>
+          </a:gsLst>
+          <a:path path="circle">
+            <a:fillToRect l="50000" t="50000" r="50000" b="50000"/>
+          </a:path>
+        </a:gradFill>
+      </a:bgFillStyleLst>
+    </a:fmtScheme>
+  </a:themeElements>
+  <a:objectDefaults/>
+  <a:extraClrSchemeLst/>
+</a:theme>
 </file>